--- a/docs/diagrams/Structures.pptx
+++ b/docs/diagrams/Structures.pptx
@@ -6,6 +6,8 @@
   </p:sldMasterIdLst>
   <p:sldIdLst>
     <p:sldId id="257" r:id="rId2"/>
+    <p:sldId id="258" r:id="rId3"/>
+    <p:sldId id="259" r:id="rId4"/>
   </p:sldIdLst>
   <p:sldSz cx="15301913" cy="6858000"/>
   <p:notesSz cx="6858000" cy="9144000"/>
@@ -288,7 +290,7 @@
           <a:p>
             <a:fld id="{D304B52E-39BC-4EFD-983A-E8FE51FA57CD}" type="datetimeFigureOut">
               <a:rPr lang="it-CH" smtClean="0"/>
-              <a:t>03.10.2014</a:t>
+              <a:t>27.11.2014</a:t>
             </a:fld>
             <a:endParaRPr lang="it-CH"/>
           </a:p>
@@ -458,7 +460,7 @@
           <a:p>
             <a:fld id="{D304B52E-39BC-4EFD-983A-E8FE51FA57CD}" type="datetimeFigureOut">
               <a:rPr lang="it-CH" smtClean="0"/>
-              <a:t>03.10.2014</a:t>
+              <a:t>27.11.2014</a:t>
             </a:fld>
             <a:endParaRPr lang="it-CH"/>
           </a:p>
@@ -638,7 +640,7 @@
           <a:p>
             <a:fld id="{D304B52E-39BC-4EFD-983A-E8FE51FA57CD}" type="datetimeFigureOut">
               <a:rPr lang="it-CH" smtClean="0"/>
-              <a:t>03.10.2014</a:t>
+              <a:t>27.11.2014</a:t>
             </a:fld>
             <a:endParaRPr lang="it-CH"/>
           </a:p>
@@ -808,7 +810,7 @@
           <a:p>
             <a:fld id="{D304B52E-39BC-4EFD-983A-E8FE51FA57CD}" type="datetimeFigureOut">
               <a:rPr lang="it-CH" smtClean="0"/>
-              <a:t>03.10.2014</a:t>
+              <a:t>27.11.2014</a:t>
             </a:fld>
             <a:endParaRPr lang="it-CH"/>
           </a:p>
@@ -1054,7 +1056,7 @@
           <a:p>
             <a:fld id="{D304B52E-39BC-4EFD-983A-E8FE51FA57CD}" type="datetimeFigureOut">
               <a:rPr lang="it-CH" smtClean="0"/>
-              <a:t>03.10.2014</a:t>
+              <a:t>27.11.2014</a:t>
             </a:fld>
             <a:endParaRPr lang="it-CH"/>
           </a:p>
@@ -1342,7 +1344,7 @@
           <a:p>
             <a:fld id="{D304B52E-39BC-4EFD-983A-E8FE51FA57CD}" type="datetimeFigureOut">
               <a:rPr lang="it-CH" smtClean="0"/>
-              <a:t>03.10.2014</a:t>
+              <a:t>27.11.2014</a:t>
             </a:fld>
             <a:endParaRPr lang="it-CH"/>
           </a:p>
@@ -1764,7 +1766,7 @@
           <a:p>
             <a:fld id="{D304B52E-39BC-4EFD-983A-E8FE51FA57CD}" type="datetimeFigureOut">
               <a:rPr lang="it-CH" smtClean="0"/>
-              <a:t>03.10.2014</a:t>
+              <a:t>27.11.2014</a:t>
             </a:fld>
             <a:endParaRPr lang="it-CH"/>
           </a:p>
@@ -1882,7 +1884,7 @@
           <a:p>
             <a:fld id="{D304B52E-39BC-4EFD-983A-E8FE51FA57CD}" type="datetimeFigureOut">
               <a:rPr lang="it-CH" smtClean="0"/>
-              <a:t>03.10.2014</a:t>
+              <a:t>27.11.2014</a:t>
             </a:fld>
             <a:endParaRPr lang="it-CH"/>
           </a:p>
@@ -1977,7 +1979,7 @@
           <a:p>
             <a:fld id="{D304B52E-39BC-4EFD-983A-E8FE51FA57CD}" type="datetimeFigureOut">
               <a:rPr lang="it-CH" smtClean="0"/>
-              <a:t>03.10.2014</a:t>
+              <a:t>27.11.2014</a:t>
             </a:fld>
             <a:endParaRPr lang="it-CH"/>
           </a:p>
@@ -2254,7 +2256,7 @@
           <a:p>
             <a:fld id="{D304B52E-39BC-4EFD-983A-E8FE51FA57CD}" type="datetimeFigureOut">
               <a:rPr lang="it-CH" smtClean="0"/>
-              <a:t>03.10.2014</a:t>
+              <a:t>27.11.2014</a:t>
             </a:fld>
             <a:endParaRPr lang="it-CH"/>
           </a:p>
@@ -2507,7 +2509,7 @@
           <a:p>
             <a:fld id="{D304B52E-39BC-4EFD-983A-E8FE51FA57CD}" type="datetimeFigureOut">
               <a:rPr lang="it-CH" smtClean="0"/>
-              <a:t>03.10.2014</a:t>
+              <a:t>27.11.2014</a:t>
             </a:fld>
             <a:endParaRPr lang="it-CH"/>
           </a:p>
@@ -2720,7 +2722,7 @@
           <a:p>
             <a:fld id="{D304B52E-39BC-4EFD-983A-E8FE51FA57CD}" type="datetimeFigureOut">
               <a:rPr lang="it-CH" smtClean="0"/>
-              <a:t>03.10.2014</a:t>
+              <a:t>27.11.2014</a:t>
             </a:fld>
             <a:endParaRPr lang="it-CH"/>
           </a:p>
@@ -8445,8 +8447,8 @@
         </p:nvGrpSpPr>
         <p:grpSpPr>
           <a:xfrm flipV="1">
-            <a:off x="6030730" y="2956581"/>
-            <a:ext cx="3780466" cy="1301659"/>
+            <a:off x="6030729" y="2956580"/>
+            <a:ext cx="4212423" cy="1301659"/>
             <a:chOff x="9775146" y="3208922"/>
             <a:chExt cx="3780466" cy="1228190"/>
           </a:xfrm>
@@ -8757,8 +8759,8 @@
         </p:nvGrpSpPr>
         <p:grpSpPr>
           <a:xfrm flipV="1">
-            <a:off x="6930876" y="2951063"/>
-            <a:ext cx="3780466" cy="1301659"/>
+            <a:off x="6930876" y="2951062"/>
+            <a:ext cx="4248472" cy="1301659"/>
             <a:chOff x="9775146" y="3208922"/>
             <a:chExt cx="3780466" cy="1228190"/>
           </a:xfrm>
@@ -9659,6 +9661,40 @@
           </a:p>
         </p:txBody>
       </p:sp>
+      <p:sp>
+        <p:nvSpPr>
+          <p:cNvPr id="2" name="TextBox 1"/>
+          <p:cNvSpPr txBox="1"/>
+          <p:nvPr/>
+        </p:nvSpPr>
+        <p:spPr>
+          <a:xfrm>
+            <a:off x="1674292" y="5378731"/>
+            <a:ext cx="3001143" cy="523220"/>
+          </a:xfrm>
+          <a:prstGeom prst="rect">
+            <a:avLst/>
+          </a:prstGeom>
+          <a:noFill/>
+        </p:spPr>
+        <p:txBody>
+          <a:bodyPr wrap="none" rtlCol="0">
+            <a:spAutoFit/>
+          </a:bodyPr>
+          <a:lstStyle/>
+          <a:p>
+            <a:r>
+              <a:rPr lang="en-US" sz="2800" dirty="0" smtClean="0">
+                <a:latin typeface="Stencil" panose="040409050D0802020404" pitchFamily="82" charset="0"/>
+              </a:rPr>
+              <a:t>Triangular_2D</a:t>
+            </a:r>
+            <a:endParaRPr lang="it-CH" dirty="0">
+              <a:latin typeface="Stencil" panose="040409050D0802020404" pitchFamily="82" charset="0"/>
+            </a:endParaRPr>
+          </a:p>
+        </p:txBody>
+      </p:sp>
     </p:spTree>
     <p:extLst>
       <p:ext uri="{BB962C8B-B14F-4D97-AF65-F5344CB8AC3E}">
@@ -9676,6 +9712,8570 @@
       </p:par>
     </p:tnLst>
   </p:timing>
+</p:sld>
+</file>
+
+<file path=ppt/slides/slide2.xml><?xml version="1.0" encoding="utf-8"?>
+<p:sld xmlns:a="http://schemas.openxmlformats.org/drawingml/2006/main" xmlns:r="http://schemas.openxmlformats.org/officeDocument/2006/relationships" xmlns:p="http://schemas.openxmlformats.org/presentationml/2006/main">
+  <p:cSld>
+    <p:spTree>
+      <p:nvGrpSpPr>
+        <p:cNvPr id="1" name=""/>
+        <p:cNvGrpSpPr/>
+        <p:nvPr/>
+      </p:nvGrpSpPr>
+      <p:grpSpPr>
+        <a:xfrm>
+          <a:off x="0" y="0"/>
+          <a:ext cx="0" cy="0"/>
+          <a:chOff x="0" y="0"/>
+          <a:chExt cx="0" cy="0"/>
+        </a:xfrm>
+      </p:grpSpPr>
+      <p:grpSp>
+        <p:nvGrpSpPr>
+          <p:cNvPr id="100" name="Group 99"/>
+          <p:cNvGrpSpPr/>
+          <p:nvPr/>
+        </p:nvGrpSpPr>
+        <p:grpSpPr>
+          <a:xfrm>
+            <a:off x="6111852" y="2719951"/>
+            <a:ext cx="2934192" cy="2880321"/>
+            <a:chOff x="5031451" y="2359913"/>
+            <a:chExt cx="2934192" cy="2880321"/>
+          </a:xfrm>
+        </p:grpSpPr>
+        <p:grpSp>
+          <p:nvGrpSpPr>
+            <p:cNvPr id="99" name="Group 98"/>
+            <p:cNvGrpSpPr/>
+            <p:nvPr/>
+          </p:nvGrpSpPr>
+          <p:grpSpPr>
+            <a:xfrm>
+              <a:off x="7389579" y="4643072"/>
+              <a:ext cx="576064" cy="576064"/>
+              <a:chOff x="8235903" y="4088105"/>
+              <a:chExt cx="576064" cy="576064"/>
+            </a:xfrm>
+          </p:grpSpPr>
+          <p:sp>
+            <p:nvSpPr>
+              <p:cNvPr id="60" name="Isosceles Triangle 59"/>
+              <p:cNvSpPr/>
+              <p:nvPr/>
+            </p:nvSpPr>
+            <p:spPr>
+              <a:xfrm>
+                <a:off x="8235903" y="4088105"/>
+                <a:ext cx="576064" cy="576064"/>
+              </a:xfrm>
+              <a:prstGeom prst="triangle">
+                <a:avLst/>
+              </a:prstGeom>
+              <a:solidFill>
+                <a:schemeClr val="tx1"/>
+              </a:solidFill>
+              <a:ln>
+                <a:solidFill>
+                  <a:schemeClr val="bg1"/>
+                </a:solidFill>
+              </a:ln>
+            </p:spPr>
+            <p:style>
+              <a:lnRef idx="2">
+                <a:schemeClr val="accent1">
+                  <a:shade val="50000"/>
+                </a:schemeClr>
+              </a:lnRef>
+              <a:fillRef idx="1">
+                <a:schemeClr val="accent1"/>
+              </a:fillRef>
+              <a:effectRef idx="0">
+                <a:schemeClr val="accent1"/>
+              </a:effectRef>
+              <a:fontRef idx="minor">
+                <a:schemeClr val="lt1"/>
+              </a:fontRef>
+            </p:style>
+            <p:txBody>
+              <a:bodyPr rtlCol="0" anchor="ctr"/>
+              <a:lstStyle/>
+              <a:p>
+                <a:pPr algn="ctr"/>
+                <a:endParaRPr lang="it-CH"/>
+              </a:p>
+            </p:txBody>
+          </p:sp>
+          <p:sp>
+            <p:nvSpPr>
+              <p:cNvPr id="4" name="TextBox 3"/>
+              <p:cNvSpPr txBox="1"/>
+              <p:nvPr/>
+            </p:nvSpPr>
+            <p:spPr>
+              <a:xfrm>
+                <a:off x="8353055" y="4315161"/>
+                <a:ext cx="341760" cy="276999"/>
+              </a:xfrm>
+              <a:prstGeom prst="rect">
+                <a:avLst/>
+              </a:prstGeom>
+              <a:noFill/>
+            </p:spPr>
+            <p:txBody>
+              <a:bodyPr wrap="none" rtlCol="0">
+                <a:spAutoFit/>
+              </a:bodyPr>
+              <a:lstStyle/>
+              <a:p>
+                <a:r>
+                  <a:rPr lang="en-US" sz="1200" b="1" dirty="0" smtClean="0">
+                    <a:solidFill>
+                      <a:schemeClr val="bg1"/>
+                    </a:solidFill>
+                  </a:rPr>
+                  <a:t>24</a:t>
+                </a:r>
+                <a:endParaRPr lang="it-CH" sz="1200" b="1" dirty="0">
+                  <a:solidFill>
+                    <a:schemeClr val="bg1"/>
+                  </a:solidFill>
+                </a:endParaRPr>
+              </a:p>
+            </p:txBody>
+          </p:sp>
+        </p:grpSp>
+        <p:grpSp>
+          <p:nvGrpSpPr>
+            <p:cNvPr id="97" name="Group 96"/>
+            <p:cNvGrpSpPr/>
+            <p:nvPr/>
+          </p:nvGrpSpPr>
+          <p:grpSpPr>
+            <a:xfrm>
+              <a:off x="6795089" y="4654106"/>
+              <a:ext cx="576064" cy="576064"/>
+              <a:chOff x="7659839" y="4088105"/>
+              <a:chExt cx="576064" cy="576064"/>
+            </a:xfrm>
+          </p:grpSpPr>
+          <p:sp>
+            <p:nvSpPr>
+              <p:cNvPr id="63" name="Isosceles Triangle 62"/>
+              <p:cNvSpPr/>
+              <p:nvPr/>
+            </p:nvSpPr>
+            <p:spPr>
+              <a:xfrm>
+                <a:off x="7659839" y="4088105"/>
+                <a:ext cx="576064" cy="576064"/>
+              </a:xfrm>
+              <a:prstGeom prst="triangle">
+                <a:avLst/>
+              </a:prstGeom>
+              <a:solidFill>
+                <a:schemeClr val="tx1"/>
+              </a:solidFill>
+              <a:ln>
+                <a:solidFill>
+                  <a:schemeClr val="bg1"/>
+                </a:solidFill>
+              </a:ln>
+            </p:spPr>
+            <p:style>
+              <a:lnRef idx="2">
+                <a:schemeClr val="accent1">
+                  <a:shade val="50000"/>
+                </a:schemeClr>
+              </a:lnRef>
+              <a:fillRef idx="1">
+                <a:schemeClr val="accent1"/>
+              </a:fillRef>
+              <a:effectRef idx="0">
+                <a:schemeClr val="accent1"/>
+              </a:effectRef>
+              <a:fontRef idx="minor">
+                <a:schemeClr val="lt1"/>
+              </a:fontRef>
+            </p:style>
+            <p:txBody>
+              <a:bodyPr rtlCol="0" anchor="ctr"/>
+              <a:lstStyle/>
+              <a:p>
+                <a:pPr algn="ctr"/>
+                <a:endParaRPr lang="it-CH"/>
+              </a:p>
+            </p:txBody>
+          </p:sp>
+          <p:sp>
+            <p:nvSpPr>
+              <p:cNvPr id="6" name="TextBox 5"/>
+              <p:cNvSpPr txBox="1"/>
+              <p:nvPr/>
+            </p:nvSpPr>
+            <p:spPr>
+              <a:xfrm>
+                <a:off x="7785877" y="4304128"/>
+                <a:ext cx="341760" cy="276999"/>
+              </a:xfrm>
+              <a:prstGeom prst="rect">
+                <a:avLst/>
+              </a:prstGeom>
+              <a:noFill/>
+            </p:spPr>
+            <p:txBody>
+              <a:bodyPr wrap="none" rtlCol="0">
+                <a:spAutoFit/>
+              </a:bodyPr>
+              <a:lstStyle/>
+              <a:p>
+                <a:r>
+                  <a:rPr lang="en-US" sz="1200" b="1" dirty="0" smtClean="0">
+                    <a:solidFill>
+                      <a:schemeClr val="bg1"/>
+                    </a:solidFill>
+                  </a:rPr>
+                  <a:t>22</a:t>
+                </a:r>
+                <a:endParaRPr lang="it-CH" sz="1200" b="1" dirty="0">
+                  <a:solidFill>
+                    <a:schemeClr val="bg1"/>
+                  </a:solidFill>
+                </a:endParaRPr>
+              </a:p>
+            </p:txBody>
+          </p:sp>
+        </p:grpSp>
+        <p:grpSp>
+          <p:nvGrpSpPr>
+            <p:cNvPr id="95" name="Group 94"/>
+            <p:cNvGrpSpPr/>
+            <p:nvPr/>
+          </p:nvGrpSpPr>
+          <p:grpSpPr>
+            <a:xfrm>
+              <a:off x="7083775" y="4088105"/>
+              <a:ext cx="576064" cy="576064"/>
+              <a:chOff x="7083775" y="4088105"/>
+              <a:chExt cx="576064" cy="576064"/>
+            </a:xfrm>
+          </p:grpSpPr>
+          <p:sp>
+            <p:nvSpPr>
+              <p:cNvPr id="62" name="Isosceles Triangle 61"/>
+              <p:cNvSpPr/>
+              <p:nvPr/>
+            </p:nvSpPr>
+            <p:spPr>
+              <a:xfrm>
+                <a:off x="7083775" y="4088105"/>
+                <a:ext cx="576064" cy="576064"/>
+              </a:xfrm>
+              <a:prstGeom prst="triangle">
+                <a:avLst/>
+              </a:prstGeom>
+              <a:solidFill>
+                <a:schemeClr val="tx1"/>
+              </a:solidFill>
+              <a:ln>
+                <a:solidFill>
+                  <a:schemeClr val="bg1"/>
+                </a:solidFill>
+              </a:ln>
+            </p:spPr>
+            <p:style>
+              <a:lnRef idx="2">
+                <a:schemeClr val="accent1">
+                  <a:shade val="50000"/>
+                </a:schemeClr>
+              </a:lnRef>
+              <a:fillRef idx="1">
+                <a:schemeClr val="accent1"/>
+              </a:fillRef>
+              <a:effectRef idx="0">
+                <a:schemeClr val="accent1"/>
+              </a:effectRef>
+              <a:fontRef idx="minor">
+                <a:schemeClr val="lt1"/>
+              </a:fontRef>
+            </p:style>
+            <p:txBody>
+              <a:bodyPr rtlCol="0" anchor="ctr"/>
+              <a:lstStyle/>
+              <a:p>
+                <a:pPr algn="ctr"/>
+                <a:endParaRPr lang="it-CH"/>
+              </a:p>
+            </p:txBody>
+          </p:sp>
+          <p:sp>
+            <p:nvSpPr>
+              <p:cNvPr id="7" name="TextBox 6"/>
+              <p:cNvSpPr txBox="1"/>
+              <p:nvPr/>
+            </p:nvSpPr>
+            <p:spPr>
+              <a:xfrm>
+                <a:off x="7209813" y="4304128"/>
+                <a:ext cx="341760" cy="276999"/>
+              </a:xfrm>
+              <a:prstGeom prst="rect">
+                <a:avLst/>
+              </a:prstGeom>
+              <a:noFill/>
+            </p:spPr>
+            <p:txBody>
+              <a:bodyPr wrap="none" rtlCol="0">
+                <a:spAutoFit/>
+              </a:bodyPr>
+              <a:lstStyle/>
+              <a:p>
+                <a:r>
+                  <a:rPr lang="en-US" sz="1200" b="1" dirty="0" smtClean="0">
+                    <a:solidFill>
+                      <a:schemeClr val="bg1"/>
+                    </a:solidFill>
+                  </a:rPr>
+                  <a:t>15</a:t>
+                </a:r>
+                <a:endParaRPr lang="it-CH" sz="1200" b="1" dirty="0">
+                  <a:solidFill>
+                    <a:schemeClr val="bg1"/>
+                  </a:solidFill>
+                </a:endParaRPr>
+              </a:p>
+            </p:txBody>
+          </p:sp>
+        </p:grpSp>
+        <p:grpSp>
+          <p:nvGrpSpPr>
+            <p:cNvPr id="93" name="Group 92"/>
+            <p:cNvGrpSpPr/>
+            <p:nvPr/>
+          </p:nvGrpSpPr>
+          <p:grpSpPr>
+            <a:xfrm>
+              <a:off x="6507711" y="4088105"/>
+              <a:ext cx="576064" cy="576064"/>
+              <a:chOff x="6507711" y="4088105"/>
+              <a:chExt cx="576064" cy="576064"/>
+            </a:xfrm>
+          </p:grpSpPr>
+          <p:sp>
+            <p:nvSpPr>
+              <p:cNvPr id="61" name="Isosceles Triangle 60"/>
+              <p:cNvSpPr/>
+              <p:nvPr/>
+            </p:nvSpPr>
+            <p:spPr>
+              <a:xfrm>
+                <a:off x="6507711" y="4088105"/>
+                <a:ext cx="576064" cy="576064"/>
+              </a:xfrm>
+              <a:prstGeom prst="triangle">
+                <a:avLst/>
+              </a:prstGeom>
+              <a:solidFill>
+                <a:schemeClr val="tx1"/>
+              </a:solidFill>
+              <a:ln>
+                <a:solidFill>
+                  <a:schemeClr val="bg1"/>
+                </a:solidFill>
+              </a:ln>
+            </p:spPr>
+            <p:style>
+              <a:lnRef idx="2">
+                <a:schemeClr val="accent1">
+                  <a:shade val="50000"/>
+                </a:schemeClr>
+              </a:lnRef>
+              <a:fillRef idx="1">
+                <a:schemeClr val="accent1"/>
+              </a:fillRef>
+              <a:effectRef idx="0">
+                <a:schemeClr val="accent1"/>
+              </a:effectRef>
+              <a:fontRef idx="minor">
+                <a:schemeClr val="lt1"/>
+              </a:fontRef>
+            </p:style>
+            <p:txBody>
+              <a:bodyPr rtlCol="0" anchor="ctr"/>
+              <a:lstStyle/>
+              <a:p>
+                <a:pPr algn="ctr"/>
+                <a:endParaRPr lang="it-CH"/>
+              </a:p>
+            </p:txBody>
+          </p:sp>
+          <p:sp>
+            <p:nvSpPr>
+              <p:cNvPr id="8" name="TextBox 7"/>
+              <p:cNvSpPr txBox="1"/>
+              <p:nvPr/>
+            </p:nvSpPr>
+            <p:spPr>
+              <a:xfrm>
+                <a:off x="6633749" y="4315161"/>
+                <a:ext cx="341760" cy="276999"/>
+              </a:xfrm>
+              <a:prstGeom prst="rect">
+                <a:avLst/>
+              </a:prstGeom>
+              <a:noFill/>
+            </p:spPr>
+            <p:txBody>
+              <a:bodyPr wrap="none" rtlCol="0">
+                <a:spAutoFit/>
+              </a:bodyPr>
+              <a:lstStyle/>
+              <a:p>
+                <a:r>
+                  <a:rPr lang="en-US" sz="1200" b="1" dirty="0" smtClean="0">
+                    <a:solidFill>
+                      <a:schemeClr val="bg1"/>
+                    </a:solidFill>
+                  </a:rPr>
+                  <a:t>13</a:t>
+                </a:r>
+                <a:endParaRPr lang="it-CH" sz="1200" b="1" dirty="0">
+                  <a:solidFill>
+                    <a:schemeClr val="bg1"/>
+                  </a:solidFill>
+                </a:endParaRPr>
+              </a:p>
+            </p:txBody>
+          </p:sp>
+        </p:grpSp>
+        <p:grpSp>
+          <p:nvGrpSpPr>
+            <p:cNvPr id="96" name="Group 95"/>
+            <p:cNvGrpSpPr/>
+            <p:nvPr/>
+          </p:nvGrpSpPr>
+          <p:grpSpPr>
+            <a:xfrm>
+              <a:off x="5319484" y="4654105"/>
+              <a:ext cx="576064" cy="576064"/>
+              <a:chOff x="7371808" y="4088104"/>
+              <a:chExt cx="576064" cy="576064"/>
+            </a:xfrm>
+          </p:grpSpPr>
+          <p:sp>
+            <p:nvSpPr>
+              <p:cNvPr id="66" name="Isosceles Triangle 65"/>
+              <p:cNvSpPr/>
+              <p:nvPr/>
+            </p:nvSpPr>
+            <p:spPr>
+              <a:xfrm rot="10800000">
+                <a:off x="7371808" y="4088104"/>
+                <a:ext cx="576064" cy="576064"/>
+              </a:xfrm>
+              <a:prstGeom prst="triangle">
+                <a:avLst/>
+              </a:prstGeom>
+              <a:solidFill>
+                <a:schemeClr val="tx1"/>
+              </a:solidFill>
+              <a:ln>
+                <a:solidFill>
+                  <a:schemeClr val="bg1"/>
+                </a:solidFill>
+              </a:ln>
+            </p:spPr>
+            <p:style>
+              <a:lnRef idx="2">
+                <a:schemeClr val="accent1">
+                  <a:shade val="50000"/>
+                </a:schemeClr>
+              </a:lnRef>
+              <a:fillRef idx="1">
+                <a:schemeClr val="accent1"/>
+              </a:fillRef>
+              <a:effectRef idx="0">
+                <a:schemeClr val="accent1"/>
+              </a:effectRef>
+              <a:fontRef idx="minor">
+                <a:schemeClr val="lt1"/>
+              </a:fontRef>
+            </p:style>
+            <p:txBody>
+              <a:bodyPr rtlCol="0" anchor="ctr"/>
+              <a:lstStyle/>
+              <a:p>
+                <a:pPr algn="ctr"/>
+                <a:endParaRPr lang="it-CH"/>
+              </a:p>
+            </p:txBody>
+          </p:sp>
+          <p:sp>
+            <p:nvSpPr>
+              <p:cNvPr id="9" name="TextBox 8"/>
+              <p:cNvSpPr txBox="1"/>
+              <p:nvPr/>
+            </p:nvSpPr>
+            <p:spPr>
+              <a:xfrm>
+                <a:off x="7497845" y="4160112"/>
+                <a:ext cx="341760" cy="276999"/>
+              </a:xfrm>
+              <a:prstGeom prst="rect">
+                <a:avLst/>
+              </a:prstGeom>
+              <a:noFill/>
+            </p:spPr>
+            <p:txBody>
+              <a:bodyPr wrap="none" rtlCol="0">
+                <a:spAutoFit/>
+              </a:bodyPr>
+              <a:lstStyle/>
+              <a:p>
+                <a:r>
+                  <a:rPr lang="en-US" sz="1200" b="1" dirty="0" smtClean="0">
+                    <a:solidFill>
+                      <a:schemeClr val="bg1"/>
+                    </a:solidFill>
+                  </a:rPr>
+                  <a:t>17</a:t>
+                </a:r>
+                <a:endParaRPr lang="it-CH" sz="1200" b="1" dirty="0">
+                  <a:solidFill>
+                    <a:schemeClr val="bg1"/>
+                  </a:solidFill>
+                </a:endParaRPr>
+              </a:p>
+            </p:txBody>
+          </p:sp>
+        </p:grpSp>
+        <p:grpSp>
+          <p:nvGrpSpPr>
+            <p:cNvPr id="94" name="Group 93"/>
+            <p:cNvGrpSpPr/>
+            <p:nvPr/>
+          </p:nvGrpSpPr>
+          <p:grpSpPr>
+            <a:xfrm>
+              <a:off x="6795744" y="4088104"/>
+              <a:ext cx="576064" cy="576064"/>
+              <a:chOff x="6795744" y="4088104"/>
+              <a:chExt cx="576064" cy="576064"/>
+            </a:xfrm>
+          </p:grpSpPr>
+          <p:sp>
+            <p:nvSpPr>
+              <p:cNvPr id="65" name="Isosceles Triangle 64"/>
+              <p:cNvSpPr/>
+              <p:nvPr/>
+            </p:nvSpPr>
+            <p:spPr>
+              <a:xfrm rot="10800000">
+                <a:off x="6795744" y="4088104"/>
+                <a:ext cx="576064" cy="576064"/>
+              </a:xfrm>
+              <a:prstGeom prst="triangle">
+                <a:avLst/>
+              </a:prstGeom>
+              <a:solidFill>
+                <a:schemeClr val="tx1"/>
+              </a:solidFill>
+              <a:ln>
+                <a:solidFill>
+                  <a:schemeClr val="bg1"/>
+                </a:solidFill>
+              </a:ln>
+            </p:spPr>
+            <p:style>
+              <a:lnRef idx="2">
+                <a:schemeClr val="accent1">
+                  <a:shade val="50000"/>
+                </a:schemeClr>
+              </a:lnRef>
+              <a:fillRef idx="1">
+                <a:schemeClr val="accent1"/>
+              </a:fillRef>
+              <a:effectRef idx="0">
+                <a:schemeClr val="accent1"/>
+              </a:effectRef>
+              <a:fontRef idx="minor">
+                <a:schemeClr val="lt1"/>
+              </a:fontRef>
+            </p:style>
+            <p:txBody>
+              <a:bodyPr rtlCol="0" anchor="ctr"/>
+              <a:lstStyle/>
+              <a:p>
+                <a:pPr algn="ctr"/>
+                <a:endParaRPr lang="it-CH"/>
+              </a:p>
+            </p:txBody>
+          </p:sp>
+          <p:sp>
+            <p:nvSpPr>
+              <p:cNvPr id="10" name="TextBox 9"/>
+              <p:cNvSpPr txBox="1"/>
+              <p:nvPr/>
+            </p:nvSpPr>
+            <p:spPr>
+              <a:xfrm>
+                <a:off x="6921781" y="4160112"/>
+                <a:ext cx="341760" cy="276999"/>
+              </a:xfrm>
+              <a:prstGeom prst="rect">
+                <a:avLst/>
+              </a:prstGeom>
+              <a:noFill/>
+            </p:spPr>
+            <p:txBody>
+              <a:bodyPr wrap="none" rtlCol="0">
+                <a:spAutoFit/>
+              </a:bodyPr>
+              <a:lstStyle/>
+              <a:p>
+                <a:r>
+                  <a:rPr lang="en-US" sz="1200" b="1" dirty="0" smtClean="0">
+                    <a:solidFill>
+                      <a:schemeClr val="bg1"/>
+                    </a:solidFill>
+                  </a:rPr>
+                  <a:t>14</a:t>
+                </a:r>
+                <a:endParaRPr lang="it-CH" sz="1200" b="1" dirty="0">
+                  <a:solidFill>
+                    <a:schemeClr val="bg1"/>
+                  </a:solidFill>
+                </a:endParaRPr>
+              </a:p>
+            </p:txBody>
+          </p:sp>
+        </p:grpSp>
+        <p:grpSp>
+          <p:nvGrpSpPr>
+            <p:cNvPr id="92" name="Group 91"/>
+            <p:cNvGrpSpPr/>
+            <p:nvPr/>
+          </p:nvGrpSpPr>
+          <p:grpSpPr>
+            <a:xfrm>
+              <a:off x="6219680" y="4088104"/>
+              <a:ext cx="576064" cy="576064"/>
+              <a:chOff x="6219680" y="4088104"/>
+              <a:chExt cx="576064" cy="576064"/>
+            </a:xfrm>
+          </p:grpSpPr>
+          <p:sp>
+            <p:nvSpPr>
+              <p:cNvPr id="64" name="Isosceles Triangle 63"/>
+              <p:cNvSpPr/>
+              <p:nvPr/>
+            </p:nvSpPr>
+            <p:spPr>
+              <a:xfrm rot="10800000">
+                <a:off x="6219680" y="4088104"/>
+                <a:ext cx="576064" cy="576064"/>
+              </a:xfrm>
+              <a:prstGeom prst="triangle">
+                <a:avLst/>
+              </a:prstGeom>
+              <a:solidFill>
+                <a:schemeClr val="tx1"/>
+              </a:solidFill>
+              <a:ln>
+                <a:solidFill>
+                  <a:schemeClr val="bg1"/>
+                </a:solidFill>
+              </a:ln>
+            </p:spPr>
+            <p:style>
+              <a:lnRef idx="2">
+                <a:schemeClr val="accent1">
+                  <a:shade val="50000"/>
+                </a:schemeClr>
+              </a:lnRef>
+              <a:fillRef idx="1">
+                <a:schemeClr val="accent1"/>
+              </a:fillRef>
+              <a:effectRef idx="0">
+                <a:schemeClr val="accent1"/>
+              </a:effectRef>
+              <a:fontRef idx="minor">
+                <a:schemeClr val="lt1"/>
+              </a:fontRef>
+            </p:style>
+            <p:txBody>
+              <a:bodyPr rtlCol="0" anchor="ctr"/>
+              <a:lstStyle/>
+              <a:p>
+                <a:pPr algn="ctr"/>
+                <a:endParaRPr lang="it-CH"/>
+              </a:p>
+            </p:txBody>
+          </p:sp>
+          <p:sp>
+            <p:nvSpPr>
+              <p:cNvPr id="11" name="TextBox 10"/>
+              <p:cNvSpPr txBox="1"/>
+              <p:nvPr/>
+            </p:nvSpPr>
+            <p:spPr>
+              <a:xfrm>
+                <a:off x="6345717" y="4171145"/>
+                <a:ext cx="341760" cy="276999"/>
+              </a:xfrm>
+              <a:prstGeom prst="rect">
+                <a:avLst/>
+              </a:prstGeom>
+              <a:noFill/>
+            </p:spPr>
+            <p:txBody>
+              <a:bodyPr wrap="none" rtlCol="0">
+                <a:spAutoFit/>
+              </a:bodyPr>
+              <a:lstStyle/>
+              <a:p>
+                <a:r>
+                  <a:rPr lang="en-US" sz="1200" b="1" dirty="0" smtClean="0">
+                    <a:solidFill>
+                      <a:schemeClr val="bg1"/>
+                    </a:solidFill>
+                  </a:rPr>
+                  <a:t>12</a:t>
+                </a:r>
+                <a:endParaRPr lang="it-CH" sz="1200" b="1" dirty="0">
+                  <a:solidFill>
+                    <a:schemeClr val="bg1"/>
+                  </a:solidFill>
+                </a:endParaRPr>
+              </a:p>
+            </p:txBody>
+          </p:sp>
+        </p:grpSp>
+        <p:grpSp>
+          <p:nvGrpSpPr>
+            <p:cNvPr id="90" name="Group 89"/>
+            <p:cNvGrpSpPr/>
+            <p:nvPr/>
+          </p:nvGrpSpPr>
+          <p:grpSpPr>
+            <a:xfrm>
+              <a:off x="6219025" y="4643072"/>
+              <a:ext cx="576064" cy="576064"/>
+              <a:chOff x="7947871" y="3512041"/>
+              <a:chExt cx="576064" cy="576064"/>
+            </a:xfrm>
+          </p:grpSpPr>
+          <p:sp>
+            <p:nvSpPr>
+              <p:cNvPr id="55" name="Isosceles Triangle 54"/>
+              <p:cNvSpPr/>
+              <p:nvPr/>
+            </p:nvSpPr>
+            <p:spPr>
+              <a:xfrm>
+                <a:off x="7947871" y="3512041"/>
+                <a:ext cx="576064" cy="576064"/>
+              </a:xfrm>
+              <a:prstGeom prst="triangle">
+                <a:avLst/>
+              </a:prstGeom>
+              <a:solidFill>
+                <a:schemeClr val="tx1"/>
+              </a:solidFill>
+              <a:ln>
+                <a:solidFill>
+                  <a:schemeClr val="bg1"/>
+                </a:solidFill>
+              </a:ln>
+            </p:spPr>
+            <p:style>
+              <a:lnRef idx="2">
+                <a:schemeClr val="accent1">
+                  <a:shade val="50000"/>
+                </a:schemeClr>
+              </a:lnRef>
+              <a:fillRef idx="1">
+                <a:schemeClr val="accent1"/>
+              </a:fillRef>
+              <a:effectRef idx="0">
+                <a:schemeClr val="accent1"/>
+              </a:effectRef>
+              <a:fontRef idx="minor">
+                <a:schemeClr val="lt1"/>
+              </a:fontRef>
+            </p:style>
+            <p:txBody>
+              <a:bodyPr rtlCol="0" anchor="ctr"/>
+              <a:lstStyle/>
+              <a:p>
+                <a:pPr algn="ctr"/>
+                <a:endParaRPr lang="it-CH"/>
+              </a:p>
+            </p:txBody>
+          </p:sp>
+          <p:sp>
+            <p:nvSpPr>
+              <p:cNvPr id="13" name="TextBox 12"/>
+              <p:cNvSpPr txBox="1"/>
+              <p:nvPr/>
+            </p:nvSpPr>
+            <p:spPr>
+              <a:xfrm>
+                <a:off x="8073909" y="3736448"/>
+                <a:ext cx="341760" cy="276999"/>
+              </a:xfrm>
+              <a:prstGeom prst="rect">
+                <a:avLst/>
+              </a:prstGeom>
+              <a:noFill/>
+            </p:spPr>
+            <p:txBody>
+              <a:bodyPr wrap="none" rtlCol="0">
+                <a:spAutoFit/>
+              </a:bodyPr>
+              <a:lstStyle/>
+              <a:p>
+                <a:r>
+                  <a:rPr lang="en-US" sz="1200" b="1" dirty="0" smtClean="0">
+                    <a:solidFill>
+                      <a:schemeClr val="bg1"/>
+                    </a:solidFill>
+                  </a:rPr>
+                  <a:t>20</a:t>
+                </a:r>
+                <a:endParaRPr lang="it-CH" sz="1200" b="1" dirty="0">
+                  <a:solidFill>
+                    <a:schemeClr val="bg1"/>
+                  </a:solidFill>
+                </a:endParaRPr>
+              </a:p>
+            </p:txBody>
+          </p:sp>
+        </p:grpSp>
+        <p:grpSp>
+          <p:nvGrpSpPr>
+            <p:cNvPr id="89" name="Group 88"/>
+            <p:cNvGrpSpPr/>
+            <p:nvPr/>
+          </p:nvGrpSpPr>
+          <p:grpSpPr>
+            <a:xfrm>
+              <a:off x="6507711" y="4664169"/>
+              <a:ext cx="576064" cy="576064"/>
+              <a:chOff x="7659840" y="3512040"/>
+              <a:chExt cx="576064" cy="576064"/>
+            </a:xfrm>
+          </p:grpSpPr>
+          <p:sp>
+            <p:nvSpPr>
+              <p:cNvPr id="58" name="Isosceles Triangle 57"/>
+              <p:cNvSpPr/>
+              <p:nvPr/>
+            </p:nvSpPr>
+            <p:spPr>
+              <a:xfrm rot="10800000">
+                <a:off x="7659840" y="3512040"/>
+                <a:ext cx="576064" cy="576064"/>
+              </a:xfrm>
+              <a:prstGeom prst="triangle">
+                <a:avLst/>
+              </a:prstGeom>
+              <a:solidFill>
+                <a:schemeClr val="tx1"/>
+              </a:solidFill>
+              <a:ln>
+                <a:solidFill>
+                  <a:schemeClr val="bg1"/>
+                </a:solidFill>
+              </a:ln>
+            </p:spPr>
+            <p:style>
+              <a:lnRef idx="2">
+                <a:schemeClr val="accent1">
+                  <a:shade val="50000"/>
+                </a:schemeClr>
+              </a:lnRef>
+              <a:fillRef idx="1">
+                <a:schemeClr val="accent1"/>
+              </a:fillRef>
+              <a:effectRef idx="0">
+                <a:schemeClr val="accent1"/>
+              </a:effectRef>
+              <a:fontRef idx="minor">
+                <a:schemeClr val="lt1"/>
+              </a:fontRef>
+            </p:style>
+            <p:txBody>
+              <a:bodyPr rtlCol="0" anchor="ctr"/>
+              <a:lstStyle/>
+              <a:p>
+                <a:pPr algn="ctr"/>
+                <a:endParaRPr lang="it-CH"/>
+              </a:p>
+            </p:txBody>
+          </p:sp>
+          <p:sp>
+            <p:nvSpPr>
+              <p:cNvPr id="14" name="TextBox 13"/>
+              <p:cNvSpPr txBox="1"/>
+              <p:nvPr/>
+            </p:nvSpPr>
+            <p:spPr>
+              <a:xfrm>
+                <a:off x="7785877" y="3584048"/>
+                <a:ext cx="341760" cy="276999"/>
+              </a:xfrm>
+              <a:prstGeom prst="rect">
+                <a:avLst/>
+              </a:prstGeom>
+              <a:noFill/>
+            </p:spPr>
+            <p:txBody>
+              <a:bodyPr wrap="none" rtlCol="0">
+                <a:spAutoFit/>
+              </a:bodyPr>
+              <a:lstStyle/>
+              <a:p>
+                <a:r>
+                  <a:rPr lang="en-US" sz="1200" b="1" dirty="0" smtClean="0">
+                    <a:solidFill>
+                      <a:schemeClr val="bg1"/>
+                    </a:solidFill>
+                  </a:rPr>
+                  <a:t>21</a:t>
+                </a:r>
+                <a:endParaRPr lang="it-CH" sz="1200" b="1" dirty="0">
+                  <a:solidFill>
+                    <a:schemeClr val="bg1"/>
+                  </a:solidFill>
+                </a:endParaRPr>
+              </a:p>
+            </p:txBody>
+          </p:sp>
+        </p:grpSp>
+        <p:grpSp>
+          <p:nvGrpSpPr>
+            <p:cNvPr id="88" name="Group 87"/>
+            <p:cNvGrpSpPr/>
+            <p:nvPr/>
+          </p:nvGrpSpPr>
+          <p:grpSpPr>
+            <a:xfrm>
+              <a:off x="5031451" y="4636298"/>
+              <a:ext cx="576064" cy="576064"/>
+              <a:chOff x="7371807" y="3512041"/>
+              <a:chExt cx="576064" cy="576064"/>
+            </a:xfrm>
+          </p:grpSpPr>
+          <p:sp>
+            <p:nvSpPr>
+              <p:cNvPr id="54" name="Isosceles Triangle 53"/>
+              <p:cNvSpPr/>
+              <p:nvPr/>
+            </p:nvSpPr>
+            <p:spPr>
+              <a:xfrm>
+                <a:off x="7371807" y="3512041"/>
+                <a:ext cx="576064" cy="576064"/>
+              </a:xfrm>
+              <a:prstGeom prst="triangle">
+                <a:avLst/>
+              </a:prstGeom>
+              <a:solidFill>
+                <a:schemeClr val="tx1"/>
+              </a:solidFill>
+              <a:ln>
+                <a:solidFill>
+                  <a:schemeClr val="bg1"/>
+                </a:solidFill>
+              </a:ln>
+            </p:spPr>
+            <p:style>
+              <a:lnRef idx="2">
+                <a:schemeClr val="accent1">
+                  <a:shade val="50000"/>
+                </a:schemeClr>
+              </a:lnRef>
+              <a:fillRef idx="1">
+                <a:schemeClr val="accent1"/>
+              </a:fillRef>
+              <a:effectRef idx="0">
+                <a:schemeClr val="accent1"/>
+              </a:effectRef>
+              <a:fontRef idx="minor">
+                <a:schemeClr val="lt1"/>
+              </a:fontRef>
+            </p:style>
+            <p:txBody>
+              <a:bodyPr rtlCol="0" anchor="ctr"/>
+              <a:lstStyle/>
+              <a:p>
+                <a:pPr algn="ctr"/>
+                <a:endParaRPr lang="it-CH"/>
+              </a:p>
+            </p:txBody>
+          </p:sp>
+          <p:sp>
+            <p:nvSpPr>
+              <p:cNvPr id="15" name="TextBox 14"/>
+              <p:cNvSpPr txBox="1"/>
+              <p:nvPr/>
+            </p:nvSpPr>
+            <p:spPr>
+              <a:xfrm>
+                <a:off x="7497845" y="3736448"/>
+                <a:ext cx="341760" cy="276999"/>
+              </a:xfrm>
+              <a:prstGeom prst="rect">
+                <a:avLst/>
+              </a:prstGeom>
+              <a:noFill/>
+            </p:spPr>
+            <p:txBody>
+              <a:bodyPr wrap="none" rtlCol="0">
+                <a:spAutoFit/>
+              </a:bodyPr>
+              <a:lstStyle/>
+              <a:p>
+                <a:r>
+                  <a:rPr lang="en-US" sz="1200" b="1" dirty="0" smtClean="0">
+                    <a:solidFill>
+                      <a:schemeClr val="bg1"/>
+                    </a:solidFill>
+                  </a:rPr>
+                  <a:t>16</a:t>
+                </a:r>
+                <a:endParaRPr lang="it-CH" sz="1200" b="1" dirty="0">
+                  <a:solidFill>
+                    <a:schemeClr val="bg1"/>
+                  </a:solidFill>
+                </a:endParaRPr>
+              </a:p>
+            </p:txBody>
+          </p:sp>
+        </p:grpSp>
+        <p:grpSp>
+          <p:nvGrpSpPr>
+            <p:cNvPr id="87" name="Group 86"/>
+            <p:cNvGrpSpPr/>
+            <p:nvPr/>
+          </p:nvGrpSpPr>
+          <p:grpSpPr>
+            <a:xfrm>
+              <a:off x="7092661" y="4664170"/>
+              <a:ext cx="576064" cy="576064"/>
+              <a:chOff x="7083776" y="3512040"/>
+              <a:chExt cx="576064" cy="576064"/>
+            </a:xfrm>
+          </p:grpSpPr>
+          <p:sp>
+            <p:nvSpPr>
+              <p:cNvPr id="57" name="Isosceles Triangle 56"/>
+              <p:cNvSpPr/>
+              <p:nvPr/>
+            </p:nvSpPr>
+            <p:spPr>
+              <a:xfrm rot="10800000">
+                <a:off x="7083776" y="3512040"/>
+                <a:ext cx="576064" cy="576064"/>
+              </a:xfrm>
+              <a:prstGeom prst="triangle">
+                <a:avLst/>
+              </a:prstGeom>
+              <a:solidFill>
+                <a:schemeClr val="tx1"/>
+              </a:solidFill>
+              <a:ln>
+                <a:solidFill>
+                  <a:schemeClr val="bg1"/>
+                </a:solidFill>
+              </a:ln>
+            </p:spPr>
+            <p:style>
+              <a:lnRef idx="2">
+                <a:schemeClr val="accent1">
+                  <a:shade val="50000"/>
+                </a:schemeClr>
+              </a:lnRef>
+              <a:fillRef idx="1">
+                <a:schemeClr val="accent1"/>
+              </a:fillRef>
+              <a:effectRef idx="0">
+                <a:schemeClr val="accent1"/>
+              </a:effectRef>
+              <a:fontRef idx="minor">
+                <a:schemeClr val="lt1"/>
+              </a:fontRef>
+            </p:style>
+            <p:txBody>
+              <a:bodyPr rtlCol="0" anchor="ctr"/>
+              <a:lstStyle/>
+              <a:p>
+                <a:pPr algn="ctr"/>
+                <a:endParaRPr lang="it-CH"/>
+              </a:p>
+            </p:txBody>
+          </p:sp>
+          <p:sp>
+            <p:nvSpPr>
+              <p:cNvPr id="16" name="TextBox 15"/>
+              <p:cNvSpPr txBox="1"/>
+              <p:nvPr/>
+            </p:nvSpPr>
+            <p:spPr>
+              <a:xfrm>
+                <a:off x="7228303" y="3595081"/>
+                <a:ext cx="341760" cy="276999"/>
+              </a:xfrm>
+              <a:prstGeom prst="rect">
+                <a:avLst/>
+              </a:prstGeom>
+              <a:noFill/>
+            </p:spPr>
+            <p:txBody>
+              <a:bodyPr wrap="none" rtlCol="0">
+                <a:spAutoFit/>
+              </a:bodyPr>
+              <a:lstStyle/>
+              <a:p>
+                <a:r>
+                  <a:rPr lang="en-US" sz="1200" b="1" dirty="0" smtClean="0">
+                    <a:solidFill>
+                      <a:schemeClr val="bg1"/>
+                    </a:solidFill>
+                  </a:rPr>
+                  <a:t>23</a:t>
+                </a:r>
+                <a:endParaRPr lang="it-CH" sz="1200" b="1" dirty="0">
+                  <a:solidFill>
+                    <a:schemeClr val="bg1"/>
+                  </a:solidFill>
+                </a:endParaRPr>
+              </a:p>
+            </p:txBody>
+          </p:sp>
+        </p:grpSp>
+        <p:grpSp>
+          <p:nvGrpSpPr>
+            <p:cNvPr id="86" name="Group 85"/>
+            <p:cNvGrpSpPr/>
+            <p:nvPr/>
+          </p:nvGrpSpPr>
+          <p:grpSpPr>
+            <a:xfrm>
+              <a:off x="6795743" y="3512041"/>
+              <a:ext cx="576064" cy="576064"/>
+              <a:chOff x="6795743" y="3512041"/>
+              <a:chExt cx="576064" cy="576064"/>
+            </a:xfrm>
+          </p:grpSpPr>
+          <p:sp>
+            <p:nvSpPr>
+              <p:cNvPr id="53" name="Isosceles Triangle 52"/>
+              <p:cNvSpPr/>
+              <p:nvPr/>
+            </p:nvSpPr>
+            <p:spPr>
+              <a:xfrm>
+                <a:off x="6795743" y="3512041"/>
+                <a:ext cx="576064" cy="576064"/>
+              </a:xfrm>
+              <a:prstGeom prst="triangle">
+                <a:avLst/>
+              </a:prstGeom>
+              <a:solidFill>
+                <a:schemeClr val="tx1"/>
+              </a:solidFill>
+              <a:ln>
+                <a:solidFill>
+                  <a:schemeClr val="bg1"/>
+                </a:solidFill>
+              </a:ln>
+            </p:spPr>
+            <p:style>
+              <a:lnRef idx="2">
+                <a:schemeClr val="accent1">
+                  <a:shade val="50000"/>
+                </a:schemeClr>
+              </a:lnRef>
+              <a:fillRef idx="1">
+                <a:schemeClr val="accent1"/>
+              </a:fillRef>
+              <a:effectRef idx="0">
+                <a:schemeClr val="accent1"/>
+              </a:effectRef>
+              <a:fontRef idx="minor">
+                <a:schemeClr val="lt1"/>
+              </a:fontRef>
+            </p:style>
+            <p:txBody>
+              <a:bodyPr rtlCol="0" anchor="ctr"/>
+              <a:lstStyle/>
+              <a:p>
+                <a:pPr algn="ctr"/>
+                <a:endParaRPr lang="it-CH"/>
+              </a:p>
+            </p:txBody>
+          </p:sp>
+          <p:sp>
+            <p:nvSpPr>
+              <p:cNvPr id="17" name="TextBox 16"/>
+              <p:cNvSpPr txBox="1"/>
+              <p:nvPr/>
+            </p:nvSpPr>
+            <p:spPr>
+              <a:xfrm>
+                <a:off x="6921781" y="3739097"/>
+                <a:ext cx="263214" cy="276999"/>
+              </a:xfrm>
+              <a:prstGeom prst="rect">
+                <a:avLst/>
+              </a:prstGeom>
+              <a:noFill/>
+            </p:spPr>
+            <p:txBody>
+              <a:bodyPr wrap="none" rtlCol="0">
+                <a:spAutoFit/>
+              </a:bodyPr>
+              <a:lstStyle/>
+              <a:p>
+                <a:r>
+                  <a:rPr lang="en-US" sz="1200" b="1" dirty="0" smtClean="0">
+                    <a:solidFill>
+                      <a:schemeClr val="bg1"/>
+                    </a:solidFill>
+                  </a:rPr>
+                  <a:t>8</a:t>
+                </a:r>
+                <a:endParaRPr lang="it-CH" sz="1200" b="1" dirty="0">
+                  <a:solidFill>
+                    <a:schemeClr val="bg1"/>
+                  </a:solidFill>
+                </a:endParaRPr>
+              </a:p>
+            </p:txBody>
+          </p:sp>
+        </p:grpSp>
+        <p:grpSp>
+          <p:nvGrpSpPr>
+            <p:cNvPr id="85" name="Group 84"/>
+            <p:cNvGrpSpPr/>
+            <p:nvPr/>
+          </p:nvGrpSpPr>
+          <p:grpSpPr>
+            <a:xfrm>
+              <a:off x="6507712" y="3512040"/>
+              <a:ext cx="576064" cy="576064"/>
+              <a:chOff x="6507712" y="3512040"/>
+              <a:chExt cx="576064" cy="576064"/>
+            </a:xfrm>
+          </p:grpSpPr>
+          <p:sp>
+            <p:nvSpPr>
+              <p:cNvPr id="56" name="Isosceles Triangle 55"/>
+              <p:cNvSpPr/>
+              <p:nvPr/>
+            </p:nvSpPr>
+            <p:spPr>
+              <a:xfrm rot="10800000">
+                <a:off x="6507712" y="3512040"/>
+                <a:ext cx="576064" cy="576064"/>
+              </a:xfrm>
+              <a:prstGeom prst="triangle">
+                <a:avLst/>
+              </a:prstGeom>
+              <a:solidFill>
+                <a:schemeClr val="tx1"/>
+              </a:solidFill>
+              <a:ln>
+                <a:solidFill>
+                  <a:schemeClr val="bg1"/>
+                </a:solidFill>
+              </a:ln>
+            </p:spPr>
+            <p:style>
+              <a:lnRef idx="2">
+                <a:schemeClr val="accent1">
+                  <a:shade val="50000"/>
+                </a:schemeClr>
+              </a:lnRef>
+              <a:fillRef idx="1">
+                <a:schemeClr val="accent1"/>
+              </a:fillRef>
+              <a:effectRef idx="0">
+                <a:schemeClr val="accent1"/>
+              </a:effectRef>
+              <a:fontRef idx="minor">
+                <a:schemeClr val="lt1"/>
+              </a:fontRef>
+            </p:style>
+            <p:txBody>
+              <a:bodyPr rtlCol="0" anchor="ctr"/>
+              <a:lstStyle/>
+              <a:p>
+                <a:pPr algn="ctr"/>
+                <a:endParaRPr lang="it-CH"/>
+              </a:p>
+            </p:txBody>
+          </p:sp>
+          <p:sp>
+            <p:nvSpPr>
+              <p:cNvPr id="18" name="TextBox 17"/>
+              <p:cNvSpPr txBox="1"/>
+              <p:nvPr/>
+            </p:nvSpPr>
+            <p:spPr>
+              <a:xfrm>
+                <a:off x="6633749" y="3595081"/>
+                <a:ext cx="263214" cy="276999"/>
+              </a:xfrm>
+              <a:prstGeom prst="rect">
+                <a:avLst/>
+              </a:prstGeom>
+              <a:noFill/>
+            </p:spPr>
+            <p:txBody>
+              <a:bodyPr wrap="none" rtlCol="0">
+                <a:spAutoFit/>
+              </a:bodyPr>
+              <a:lstStyle/>
+              <a:p>
+                <a:r>
+                  <a:rPr lang="en-US" sz="1200" b="1" dirty="0" smtClean="0">
+                    <a:solidFill>
+                      <a:schemeClr val="bg1"/>
+                    </a:solidFill>
+                  </a:rPr>
+                  <a:t>7</a:t>
+                </a:r>
+                <a:endParaRPr lang="it-CH" sz="1200" b="1" dirty="0">
+                  <a:solidFill>
+                    <a:schemeClr val="bg1"/>
+                  </a:solidFill>
+                </a:endParaRPr>
+              </a:p>
+            </p:txBody>
+          </p:sp>
+        </p:grpSp>
+        <p:grpSp>
+          <p:nvGrpSpPr>
+            <p:cNvPr id="84" name="Group 83"/>
+            <p:cNvGrpSpPr/>
+            <p:nvPr/>
+          </p:nvGrpSpPr>
+          <p:grpSpPr>
+            <a:xfrm>
+              <a:off x="6219679" y="3512041"/>
+              <a:ext cx="576064" cy="576064"/>
+              <a:chOff x="6219679" y="3512041"/>
+              <a:chExt cx="576064" cy="576064"/>
+            </a:xfrm>
+          </p:grpSpPr>
+          <p:sp>
+            <p:nvSpPr>
+              <p:cNvPr id="52" name="Isosceles Triangle 51"/>
+              <p:cNvSpPr/>
+              <p:nvPr/>
+            </p:nvSpPr>
+            <p:spPr>
+              <a:xfrm>
+                <a:off x="6219679" y="3512041"/>
+                <a:ext cx="576064" cy="576064"/>
+              </a:xfrm>
+              <a:prstGeom prst="triangle">
+                <a:avLst/>
+              </a:prstGeom>
+              <a:solidFill>
+                <a:schemeClr val="tx1"/>
+              </a:solidFill>
+              <a:ln>
+                <a:solidFill>
+                  <a:schemeClr val="bg1"/>
+                </a:solidFill>
+              </a:ln>
+            </p:spPr>
+            <p:style>
+              <a:lnRef idx="2">
+                <a:schemeClr val="accent1">
+                  <a:shade val="50000"/>
+                </a:schemeClr>
+              </a:lnRef>
+              <a:fillRef idx="1">
+                <a:schemeClr val="accent1"/>
+              </a:fillRef>
+              <a:effectRef idx="0">
+                <a:schemeClr val="accent1"/>
+              </a:effectRef>
+              <a:fontRef idx="minor">
+                <a:schemeClr val="lt1"/>
+              </a:fontRef>
+            </p:style>
+            <p:txBody>
+              <a:bodyPr rtlCol="0" anchor="ctr"/>
+              <a:lstStyle/>
+              <a:p>
+                <a:pPr algn="ctr"/>
+                <a:endParaRPr lang="it-CH"/>
+              </a:p>
+            </p:txBody>
+          </p:sp>
+          <p:sp>
+            <p:nvSpPr>
+              <p:cNvPr id="19" name="TextBox 18"/>
+              <p:cNvSpPr txBox="1"/>
+              <p:nvPr/>
+            </p:nvSpPr>
+            <p:spPr>
+              <a:xfrm>
+                <a:off x="6345717" y="3747481"/>
+                <a:ext cx="263214" cy="276999"/>
+              </a:xfrm>
+              <a:prstGeom prst="rect">
+                <a:avLst/>
+              </a:prstGeom>
+              <a:noFill/>
+            </p:spPr>
+            <p:txBody>
+              <a:bodyPr wrap="none" rtlCol="0">
+                <a:spAutoFit/>
+              </a:bodyPr>
+              <a:lstStyle/>
+              <a:p>
+                <a:r>
+                  <a:rPr lang="en-US" sz="1200" b="1" dirty="0" smtClean="0">
+                    <a:solidFill>
+                      <a:schemeClr val="bg1"/>
+                    </a:solidFill>
+                  </a:rPr>
+                  <a:t>6</a:t>
+                </a:r>
+                <a:endParaRPr lang="it-CH" sz="1200" b="1" dirty="0">
+                  <a:solidFill>
+                    <a:schemeClr val="bg1"/>
+                  </a:solidFill>
+                </a:endParaRPr>
+              </a:p>
+            </p:txBody>
+          </p:sp>
+        </p:grpSp>
+        <p:grpSp>
+          <p:nvGrpSpPr>
+            <p:cNvPr id="83" name="Group 82"/>
+            <p:cNvGrpSpPr/>
+            <p:nvPr/>
+          </p:nvGrpSpPr>
+          <p:grpSpPr>
+            <a:xfrm>
+              <a:off x="5319484" y="4071268"/>
+              <a:ext cx="576064" cy="576064"/>
+              <a:chOff x="8235903" y="2935977"/>
+              <a:chExt cx="576064" cy="576064"/>
+            </a:xfrm>
+          </p:grpSpPr>
+          <p:sp>
+            <p:nvSpPr>
+              <p:cNvPr id="44" name="Isosceles Triangle 43"/>
+              <p:cNvSpPr/>
+              <p:nvPr/>
+            </p:nvSpPr>
+            <p:spPr>
+              <a:xfrm>
+                <a:off x="8235903" y="2935977"/>
+                <a:ext cx="576064" cy="576064"/>
+              </a:xfrm>
+              <a:prstGeom prst="triangle">
+                <a:avLst/>
+              </a:prstGeom>
+              <a:solidFill>
+                <a:schemeClr val="tx1"/>
+              </a:solidFill>
+              <a:ln>
+                <a:solidFill>
+                  <a:schemeClr val="bg1"/>
+                </a:solidFill>
+              </a:ln>
+            </p:spPr>
+            <p:style>
+              <a:lnRef idx="2">
+                <a:schemeClr val="accent1">
+                  <a:shade val="50000"/>
+                </a:schemeClr>
+              </a:lnRef>
+              <a:fillRef idx="1">
+                <a:schemeClr val="accent1"/>
+              </a:fillRef>
+              <a:effectRef idx="0">
+                <a:schemeClr val="accent1"/>
+              </a:effectRef>
+              <a:fontRef idx="minor">
+                <a:schemeClr val="lt1"/>
+              </a:fontRef>
+            </p:style>
+            <p:txBody>
+              <a:bodyPr rtlCol="0" anchor="ctr"/>
+              <a:lstStyle/>
+              <a:p>
+                <a:pPr algn="ctr"/>
+                <a:endParaRPr lang="it-CH"/>
+              </a:p>
+            </p:txBody>
+          </p:sp>
+          <p:sp>
+            <p:nvSpPr>
+              <p:cNvPr id="20" name="TextBox 19"/>
+              <p:cNvSpPr txBox="1"/>
+              <p:nvPr/>
+            </p:nvSpPr>
+            <p:spPr>
+              <a:xfrm>
+                <a:off x="8361941" y="3224008"/>
+                <a:ext cx="263214" cy="276999"/>
+              </a:xfrm>
+              <a:prstGeom prst="rect">
+                <a:avLst/>
+              </a:prstGeom>
+              <a:noFill/>
+            </p:spPr>
+            <p:txBody>
+              <a:bodyPr wrap="none" rtlCol="0">
+                <a:spAutoFit/>
+              </a:bodyPr>
+              <a:lstStyle/>
+              <a:p>
+                <a:r>
+                  <a:rPr lang="en-US" sz="1200" b="1" dirty="0">
+                    <a:solidFill>
+                      <a:schemeClr val="bg1"/>
+                    </a:solidFill>
+                  </a:rPr>
+                  <a:t>9</a:t>
+                </a:r>
+                <a:endParaRPr lang="it-CH" sz="1200" b="1" dirty="0">
+                  <a:solidFill>
+                    <a:schemeClr val="bg1"/>
+                  </a:solidFill>
+                </a:endParaRPr>
+              </a:p>
+            </p:txBody>
+          </p:sp>
+        </p:grpSp>
+        <p:grpSp>
+          <p:nvGrpSpPr>
+            <p:cNvPr id="81" name="Group 80"/>
+            <p:cNvGrpSpPr/>
+            <p:nvPr/>
+          </p:nvGrpSpPr>
+          <p:grpSpPr>
+            <a:xfrm>
+              <a:off x="5613086" y="4636298"/>
+              <a:ext cx="576064" cy="576064"/>
+              <a:chOff x="7659839" y="2935977"/>
+              <a:chExt cx="576064" cy="576064"/>
+            </a:xfrm>
+          </p:grpSpPr>
+          <p:sp>
+            <p:nvSpPr>
+              <p:cNvPr id="47" name="Isosceles Triangle 46"/>
+              <p:cNvSpPr/>
+              <p:nvPr/>
+            </p:nvSpPr>
+            <p:spPr>
+              <a:xfrm>
+                <a:off x="7659839" y="2935977"/>
+                <a:ext cx="576064" cy="576064"/>
+              </a:xfrm>
+              <a:prstGeom prst="triangle">
+                <a:avLst/>
+              </a:prstGeom>
+              <a:solidFill>
+                <a:schemeClr val="tx1"/>
+              </a:solidFill>
+              <a:ln>
+                <a:solidFill>
+                  <a:schemeClr val="bg1"/>
+                </a:solidFill>
+              </a:ln>
+            </p:spPr>
+            <p:style>
+              <a:lnRef idx="2">
+                <a:schemeClr val="accent1">
+                  <a:shade val="50000"/>
+                </a:schemeClr>
+              </a:lnRef>
+              <a:fillRef idx="1">
+                <a:schemeClr val="accent1"/>
+              </a:fillRef>
+              <a:effectRef idx="0">
+                <a:schemeClr val="accent1"/>
+              </a:effectRef>
+              <a:fontRef idx="minor">
+                <a:schemeClr val="lt1"/>
+              </a:fontRef>
+            </p:style>
+            <p:txBody>
+              <a:bodyPr rtlCol="0" anchor="ctr"/>
+              <a:lstStyle/>
+              <a:p>
+                <a:pPr algn="ctr"/>
+                <a:endParaRPr lang="it-CH"/>
+              </a:p>
+            </p:txBody>
+          </p:sp>
+          <p:sp>
+            <p:nvSpPr>
+              <p:cNvPr id="22" name="TextBox 21"/>
+              <p:cNvSpPr txBox="1"/>
+              <p:nvPr/>
+            </p:nvSpPr>
+            <p:spPr>
+              <a:xfrm>
+                <a:off x="7785877" y="3224008"/>
+                <a:ext cx="341760" cy="276999"/>
+              </a:xfrm>
+              <a:prstGeom prst="rect">
+                <a:avLst/>
+              </a:prstGeom>
+              <a:noFill/>
+            </p:spPr>
+            <p:txBody>
+              <a:bodyPr wrap="none" rtlCol="0">
+                <a:spAutoFit/>
+              </a:bodyPr>
+              <a:lstStyle/>
+              <a:p>
+                <a:r>
+                  <a:rPr lang="en-US" sz="1200" b="1" dirty="0" smtClean="0">
+                    <a:solidFill>
+                      <a:schemeClr val="bg1"/>
+                    </a:solidFill>
+                  </a:rPr>
+                  <a:t>18</a:t>
+                </a:r>
+                <a:endParaRPr lang="it-CH" sz="1200" b="1" dirty="0">
+                  <a:solidFill>
+                    <a:schemeClr val="bg1"/>
+                  </a:solidFill>
+                </a:endParaRPr>
+              </a:p>
+            </p:txBody>
+          </p:sp>
+        </p:grpSp>
+        <p:grpSp>
+          <p:nvGrpSpPr>
+            <p:cNvPr id="78" name="Group 77"/>
+            <p:cNvGrpSpPr/>
+            <p:nvPr/>
+          </p:nvGrpSpPr>
+          <p:grpSpPr>
+            <a:xfrm>
+              <a:off x="5922438" y="4664169"/>
+              <a:ext cx="576064" cy="576064"/>
+              <a:chOff x="6795744" y="2935976"/>
+              <a:chExt cx="576064" cy="576064"/>
+            </a:xfrm>
+          </p:grpSpPr>
+          <p:sp>
+            <p:nvSpPr>
+              <p:cNvPr id="49" name="Isosceles Triangle 48"/>
+              <p:cNvSpPr/>
+              <p:nvPr/>
+            </p:nvSpPr>
+            <p:spPr>
+              <a:xfrm rot="10800000">
+                <a:off x="6795744" y="2935976"/>
+                <a:ext cx="576064" cy="576064"/>
+              </a:xfrm>
+              <a:prstGeom prst="triangle">
+                <a:avLst/>
+              </a:prstGeom>
+              <a:solidFill>
+                <a:schemeClr val="tx1"/>
+              </a:solidFill>
+              <a:ln>
+                <a:solidFill>
+                  <a:schemeClr val="bg1"/>
+                </a:solidFill>
+              </a:ln>
+            </p:spPr>
+            <p:style>
+              <a:lnRef idx="2">
+                <a:schemeClr val="accent1">
+                  <a:shade val="50000"/>
+                </a:schemeClr>
+              </a:lnRef>
+              <a:fillRef idx="1">
+                <a:schemeClr val="accent1"/>
+              </a:fillRef>
+              <a:effectRef idx="0">
+                <a:schemeClr val="accent1"/>
+              </a:effectRef>
+              <a:fontRef idx="minor">
+                <a:schemeClr val="lt1"/>
+              </a:fontRef>
+            </p:style>
+            <p:txBody>
+              <a:bodyPr rtlCol="0" anchor="ctr"/>
+              <a:lstStyle/>
+              <a:p>
+                <a:pPr algn="ctr"/>
+                <a:endParaRPr lang="it-CH"/>
+              </a:p>
+            </p:txBody>
+          </p:sp>
+          <p:sp>
+            <p:nvSpPr>
+              <p:cNvPr id="25" name="TextBox 24"/>
+              <p:cNvSpPr txBox="1"/>
+              <p:nvPr/>
+            </p:nvSpPr>
+            <p:spPr>
+              <a:xfrm>
+                <a:off x="6921781" y="3007984"/>
+                <a:ext cx="341760" cy="276999"/>
+              </a:xfrm>
+              <a:prstGeom prst="rect">
+                <a:avLst/>
+              </a:prstGeom>
+              <a:noFill/>
+            </p:spPr>
+            <p:txBody>
+              <a:bodyPr wrap="none" rtlCol="0">
+                <a:spAutoFit/>
+              </a:bodyPr>
+              <a:lstStyle/>
+              <a:p>
+                <a:r>
+                  <a:rPr lang="en-US" sz="1200" b="1" dirty="0" smtClean="0">
+                    <a:solidFill>
+                      <a:schemeClr val="bg1"/>
+                    </a:solidFill>
+                  </a:rPr>
+                  <a:t>19</a:t>
+                </a:r>
+                <a:endParaRPr lang="it-CH" sz="1200" b="1" dirty="0">
+                  <a:solidFill>
+                    <a:schemeClr val="bg1"/>
+                  </a:solidFill>
+                </a:endParaRPr>
+              </a:p>
+            </p:txBody>
+          </p:sp>
+        </p:grpSp>
+        <p:grpSp>
+          <p:nvGrpSpPr>
+            <p:cNvPr id="77" name="Group 76"/>
+            <p:cNvGrpSpPr/>
+            <p:nvPr/>
+          </p:nvGrpSpPr>
+          <p:grpSpPr>
+            <a:xfrm>
+              <a:off x="6507711" y="2935977"/>
+              <a:ext cx="576064" cy="576064"/>
+              <a:chOff x="6507711" y="2935977"/>
+              <a:chExt cx="576064" cy="576064"/>
+            </a:xfrm>
+          </p:grpSpPr>
+          <p:sp>
+            <p:nvSpPr>
+              <p:cNvPr id="45" name="Isosceles Triangle 44"/>
+              <p:cNvSpPr/>
+              <p:nvPr/>
+            </p:nvSpPr>
+            <p:spPr>
+              <a:xfrm>
+                <a:off x="6507711" y="2935977"/>
+                <a:ext cx="576064" cy="576064"/>
+              </a:xfrm>
+              <a:prstGeom prst="triangle">
+                <a:avLst/>
+              </a:prstGeom>
+              <a:solidFill>
+                <a:schemeClr val="tx1"/>
+              </a:solidFill>
+              <a:ln>
+                <a:solidFill>
+                  <a:schemeClr val="bg1"/>
+                </a:solidFill>
+              </a:ln>
+            </p:spPr>
+            <p:style>
+              <a:lnRef idx="2">
+                <a:schemeClr val="accent1">
+                  <a:shade val="50000"/>
+                </a:schemeClr>
+              </a:lnRef>
+              <a:fillRef idx="1">
+                <a:schemeClr val="accent1"/>
+              </a:fillRef>
+              <a:effectRef idx="0">
+                <a:schemeClr val="accent1"/>
+              </a:effectRef>
+              <a:fontRef idx="minor">
+                <a:schemeClr val="lt1"/>
+              </a:fontRef>
+            </p:style>
+            <p:txBody>
+              <a:bodyPr rtlCol="0" anchor="ctr"/>
+              <a:lstStyle/>
+              <a:p>
+                <a:pPr algn="ctr"/>
+                <a:endParaRPr lang="it-CH"/>
+              </a:p>
+            </p:txBody>
+          </p:sp>
+          <p:sp>
+            <p:nvSpPr>
+              <p:cNvPr id="26" name="TextBox 25"/>
+              <p:cNvSpPr txBox="1"/>
+              <p:nvPr/>
+            </p:nvSpPr>
+            <p:spPr>
+              <a:xfrm>
+                <a:off x="6658567" y="3224008"/>
+                <a:ext cx="263214" cy="276999"/>
+              </a:xfrm>
+              <a:prstGeom prst="rect">
+                <a:avLst/>
+              </a:prstGeom>
+              <a:noFill/>
+            </p:spPr>
+            <p:txBody>
+              <a:bodyPr wrap="none" rtlCol="0">
+                <a:spAutoFit/>
+              </a:bodyPr>
+              <a:lstStyle/>
+              <a:p>
+                <a:pPr algn="ctr"/>
+                <a:r>
+                  <a:rPr lang="en-US" sz="1200" b="1" dirty="0" smtClean="0">
+                    <a:solidFill>
+                      <a:schemeClr val="bg1"/>
+                    </a:solidFill>
+                  </a:rPr>
+                  <a:t>3</a:t>
+                </a:r>
+                <a:endParaRPr lang="it-CH" sz="1200" b="1" dirty="0">
+                  <a:solidFill>
+                    <a:schemeClr val="bg1"/>
+                  </a:solidFill>
+                </a:endParaRPr>
+              </a:p>
+            </p:txBody>
+          </p:sp>
+        </p:grpSp>
+        <p:grpSp>
+          <p:nvGrpSpPr>
+            <p:cNvPr id="76" name="Group 75"/>
+            <p:cNvGrpSpPr/>
+            <p:nvPr/>
+          </p:nvGrpSpPr>
+          <p:grpSpPr>
+            <a:xfrm>
+              <a:off x="6219680" y="2935976"/>
+              <a:ext cx="576064" cy="576064"/>
+              <a:chOff x="6219680" y="2935976"/>
+              <a:chExt cx="576064" cy="576064"/>
+            </a:xfrm>
+          </p:grpSpPr>
+          <p:sp>
+            <p:nvSpPr>
+              <p:cNvPr id="48" name="Isosceles Triangle 47"/>
+              <p:cNvSpPr/>
+              <p:nvPr/>
+            </p:nvSpPr>
+            <p:spPr>
+              <a:xfrm rot="10800000">
+                <a:off x="6219680" y="2935976"/>
+                <a:ext cx="576064" cy="576064"/>
+              </a:xfrm>
+              <a:prstGeom prst="triangle">
+                <a:avLst/>
+              </a:prstGeom>
+              <a:solidFill>
+                <a:schemeClr val="tx1"/>
+              </a:solidFill>
+              <a:ln>
+                <a:solidFill>
+                  <a:schemeClr val="bg1"/>
+                </a:solidFill>
+              </a:ln>
+            </p:spPr>
+            <p:style>
+              <a:lnRef idx="2">
+                <a:schemeClr val="accent1">
+                  <a:shade val="50000"/>
+                </a:schemeClr>
+              </a:lnRef>
+              <a:fillRef idx="1">
+                <a:schemeClr val="accent1"/>
+              </a:fillRef>
+              <a:effectRef idx="0">
+                <a:schemeClr val="accent1"/>
+              </a:effectRef>
+              <a:fontRef idx="minor">
+                <a:schemeClr val="lt1"/>
+              </a:fontRef>
+            </p:style>
+            <p:txBody>
+              <a:bodyPr rtlCol="0" anchor="ctr"/>
+              <a:lstStyle/>
+              <a:p>
+                <a:pPr algn="ctr"/>
+                <a:endParaRPr lang="it-CH"/>
+              </a:p>
+            </p:txBody>
+          </p:sp>
+          <p:sp>
+            <p:nvSpPr>
+              <p:cNvPr id="27" name="TextBox 26"/>
+              <p:cNvSpPr txBox="1"/>
+              <p:nvPr/>
+            </p:nvSpPr>
+            <p:spPr>
+              <a:xfrm>
+                <a:off x="6370535" y="3019017"/>
+                <a:ext cx="263214" cy="276999"/>
+              </a:xfrm>
+              <a:prstGeom prst="rect">
+                <a:avLst/>
+              </a:prstGeom>
+              <a:noFill/>
+            </p:spPr>
+            <p:txBody>
+              <a:bodyPr wrap="none" rtlCol="0">
+                <a:spAutoFit/>
+              </a:bodyPr>
+              <a:lstStyle/>
+              <a:p>
+                <a:pPr algn="ctr"/>
+                <a:r>
+                  <a:rPr lang="en-US" sz="1200" b="1" dirty="0" smtClean="0">
+                    <a:solidFill>
+                      <a:schemeClr val="bg1"/>
+                    </a:solidFill>
+                  </a:rPr>
+                  <a:t>2</a:t>
+                </a:r>
+                <a:endParaRPr lang="it-CH" sz="1200" b="1" dirty="0">
+                  <a:solidFill>
+                    <a:schemeClr val="bg1"/>
+                  </a:solidFill>
+                </a:endParaRPr>
+              </a:p>
+            </p:txBody>
+          </p:sp>
+        </p:grpSp>
+        <p:grpSp>
+          <p:nvGrpSpPr>
+            <p:cNvPr id="75" name="Group 74"/>
+            <p:cNvGrpSpPr/>
+            <p:nvPr/>
+          </p:nvGrpSpPr>
+          <p:grpSpPr>
+            <a:xfrm>
+              <a:off x="5632474" y="4088105"/>
+              <a:ext cx="576064" cy="576064"/>
+              <a:chOff x="8255291" y="2359912"/>
+              <a:chExt cx="576064" cy="576064"/>
+            </a:xfrm>
+          </p:grpSpPr>
+          <p:sp>
+            <p:nvSpPr>
+              <p:cNvPr id="43" name="Isosceles Triangle 42"/>
+              <p:cNvSpPr/>
+              <p:nvPr/>
+            </p:nvSpPr>
+            <p:spPr>
+              <a:xfrm rot="10800000">
+                <a:off x="8255291" y="2359912"/>
+                <a:ext cx="576064" cy="576064"/>
+              </a:xfrm>
+              <a:prstGeom prst="triangle">
+                <a:avLst/>
+              </a:prstGeom>
+              <a:solidFill>
+                <a:schemeClr val="tx1"/>
+              </a:solidFill>
+              <a:ln>
+                <a:solidFill>
+                  <a:schemeClr val="bg1"/>
+                </a:solidFill>
+              </a:ln>
+            </p:spPr>
+            <p:style>
+              <a:lnRef idx="2">
+                <a:schemeClr val="accent1">
+                  <a:shade val="50000"/>
+                </a:schemeClr>
+              </a:lnRef>
+              <a:fillRef idx="1">
+                <a:schemeClr val="accent1"/>
+              </a:fillRef>
+              <a:effectRef idx="0">
+                <a:schemeClr val="accent1"/>
+              </a:effectRef>
+              <a:fontRef idx="minor">
+                <a:schemeClr val="lt1"/>
+              </a:fontRef>
+            </p:style>
+            <p:txBody>
+              <a:bodyPr rtlCol="0" anchor="ctr"/>
+              <a:lstStyle/>
+              <a:p>
+                <a:pPr algn="ctr"/>
+                <a:endParaRPr lang="it-CH"/>
+              </a:p>
+            </p:txBody>
+          </p:sp>
+          <p:sp>
+            <p:nvSpPr>
+              <p:cNvPr id="28" name="TextBox 27"/>
+              <p:cNvSpPr txBox="1"/>
+              <p:nvPr/>
+            </p:nvSpPr>
+            <p:spPr>
+              <a:xfrm>
+                <a:off x="8347485" y="2431920"/>
+                <a:ext cx="341760" cy="276999"/>
+              </a:xfrm>
+              <a:prstGeom prst="rect">
+                <a:avLst/>
+              </a:prstGeom>
+              <a:noFill/>
+            </p:spPr>
+            <p:txBody>
+              <a:bodyPr wrap="none" rtlCol="0">
+                <a:spAutoFit/>
+              </a:bodyPr>
+              <a:lstStyle/>
+              <a:p>
+                <a:pPr algn="ctr"/>
+                <a:r>
+                  <a:rPr lang="en-US" sz="1200" b="1" dirty="0" smtClean="0">
+                    <a:solidFill>
+                      <a:schemeClr val="bg1"/>
+                    </a:solidFill>
+                  </a:rPr>
+                  <a:t>10</a:t>
+                </a:r>
+                <a:endParaRPr lang="it-CH" sz="1200" b="1" dirty="0">
+                  <a:solidFill>
+                    <a:schemeClr val="bg1"/>
+                  </a:solidFill>
+                </a:endParaRPr>
+              </a:p>
+            </p:txBody>
+          </p:sp>
+        </p:grpSp>
+        <p:grpSp>
+          <p:nvGrpSpPr>
+            <p:cNvPr id="74" name="Group 73"/>
+            <p:cNvGrpSpPr/>
+            <p:nvPr/>
+          </p:nvGrpSpPr>
+          <p:grpSpPr>
+            <a:xfrm>
+              <a:off x="5922438" y="4088106"/>
+              <a:ext cx="576064" cy="576064"/>
+              <a:chOff x="7947871" y="2359913"/>
+              <a:chExt cx="576064" cy="576064"/>
+            </a:xfrm>
+          </p:grpSpPr>
+          <p:sp>
+            <p:nvSpPr>
+              <p:cNvPr id="39" name="Isosceles Triangle 38"/>
+              <p:cNvSpPr/>
+              <p:nvPr/>
+            </p:nvSpPr>
+            <p:spPr>
+              <a:xfrm>
+                <a:off x="7947871" y="2359913"/>
+                <a:ext cx="576064" cy="576064"/>
+              </a:xfrm>
+              <a:prstGeom prst="triangle">
+                <a:avLst/>
+              </a:prstGeom>
+              <a:solidFill>
+                <a:schemeClr val="tx1"/>
+              </a:solidFill>
+              <a:ln>
+                <a:solidFill>
+                  <a:schemeClr val="bg1"/>
+                </a:solidFill>
+              </a:ln>
+            </p:spPr>
+            <p:style>
+              <a:lnRef idx="2">
+                <a:schemeClr val="accent1">
+                  <a:shade val="50000"/>
+                </a:schemeClr>
+              </a:lnRef>
+              <a:fillRef idx="1">
+                <a:schemeClr val="accent1"/>
+              </a:fillRef>
+              <a:effectRef idx="0">
+                <a:schemeClr val="accent1"/>
+              </a:effectRef>
+              <a:fontRef idx="minor">
+                <a:schemeClr val="lt1"/>
+              </a:fontRef>
+            </p:style>
+            <p:txBody>
+              <a:bodyPr rtlCol="0" anchor="ctr"/>
+              <a:lstStyle/>
+              <a:p>
+                <a:pPr algn="ctr"/>
+                <a:endParaRPr lang="it-CH"/>
+              </a:p>
+            </p:txBody>
+          </p:sp>
+          <p:sp>
+            <p:nvSpPr>
+              <p:cNvPr id="29" name="TextBox 28"/>
+              <p:cNvSpPr txBox="1"/>
+              <p:nvPr/>
+            </p:nvSpPr>
+            <p:spPr>
+              <a:xfrm>
+                <a:off x="8059453" y="2647944"/>
+                <a:ext cx="341760" cy="276999"/>
+              </a:xfrm>
+              <a:prstGeom prst="rect">
+                <a:avLst/>
+              </a:prstGeom>
+              <a:noFill/>
+            </p:spPr>
+            <p:txBody>
+              <a:bodyPr wrap="none" rtlCol="0">
+                <a:spAutoFit/>
+              </a:bodyPr>
+              <a:lstStyle/>
+              <a:p>
+                <a:pPr algn="ctr"/>
+                <a:r>
+                  <a:rPr lang="en-US" sz="1200" b="1" dirty="0" smtClean="0">
+                    <a:solidFill>
+                      <a:schemeClr val="bg1"/>
+                    </a:solidFill>
+                  </a:rPr>
+                  <a:t>11</a:t>
+                </a:r>
+                <a:endParaRPr lang="it-CH" sz="1200" b="1" dirty="0">
+                  <a:solidFill>
+                    <a:schemeClr val="bg1"/>
+                  </a:solidFill>
+                </a:endParaRPr>
+              </a:p>
+            </p:txBody>
+          </p:sp>
+        </p:grpSp>
+        <p:grpSp>
+          <p:nvGrpSpPr>
+            <p:cNvPr id="72" name="Group 71"/>
+            <p:cNvGrpSpPr/>
+            <p:nvPr/>
+          </p:nvGrpSpPr>
+          <p:grpSpPr>
+            <a:xfrm>
+              <a:off x="5638044" y="3495204"/>
+              <a:ext cx="576064" cy="576064"/>
+              <a:chOff x="7371807" y="2359913"/>
+              <a:chExt cx="576064" cy="576064"/>
+            </a:xfrm>
+          </p:grpSpPr>
+          <p:sp>
+            <p:nvSpPr>
+              <p:cNvPr id="38" name="Isosceles Triangle 37"/>
+              <p:cNvSpPr/>
+              <p:nvPr/>
+            </p:nvSpPr>
+            <p:spPr>
+              <a:xfrm>
+                <a:off x="7371807" y="2359913"/>
+                <a:ext cx="576064" cy="576064"/>
+              </a:xfrm>
+              <a:prstGeom prst="triangle">
+                <a:avLst/>
+              </a:prstGeom>
+              <a:solidFill>
+                <a:schemeClr val="tx1"/>
+              </a:solidFill>
+              <a:ln>
+                <a:solidFill>
+                  <a:schemeClr val="bg1"/>
+                </a:solidFill>
+              </a:ln>
+            </p:spPr>
+            <p:style>
+              <a:lnRef idx="2">
+                <a:schemeClr val="accent1">
+                  <a:shade val="50000"/>
+                </a:schemeClr>
+              </a:lnRef>
+              <a:fillRef idx="1">
+                <a:schemeClr val="accent1"/>
+              </a:fillRef>
+              <a:effectRef idx="0">
+                <a:schemeClr val="accent1"/>
+              </a:effectRef>
+              <a:fontRef idx="minor">
+                <a:schemeClr val="lt1"/>
+              </a:fontRef>
+            </p:style>
+            <p:txBody>
+              <a:bodyPr rtlCol="0" anchor="ctr"/>
+              <a:lstStyle/>
+              <a:p>
+                <a:pPr algn="ctr"/>
+                <a:endParaRPr lang="it-CH"/>
+              </a:p>
+            </p:txBody>
+          </p:sp>
+          <p:sp>
+            <p:nvSpPr>
+              <p:cNvPr id="31" name="TextBox 30"/>
+              <p:cNvSpPr txBox="1"/>
+              <p:nvPr/>
+            </p:nvSpPr>
+            <p:spPr>
+              <a:xfrm>
+                <a:off x="7522662" y="2647944"/>
+                <a:ext cx="263214" cy="276999"/>
+              </a:xfrm>
+              <a:prstGeom prst="rect">
+                <a:avLst/>
+              </a:prstGeom>
+              <a:noFill/>
+            </p:spPr>
+            <p:txBody>
+              <a:bodyPr wrap="none" rtlCol="0">
+                <a:spAutoFit/>
+              </a:bodyPr>
+              <a:lstStyle/>
+              <a:p>
+                <a:pPr algn="ctr"/>
+                <a:r>
+                  <a:rPr lang="en-US" sz="1200" b="1" dirty="0">
+                    <a:solidFill>
+                      <a:schemeClr val="bg1"/>
+                    </a:solidFill>
+                  </a:rPr>
+                  <a:t>4</a:t>
+                </a:r>
+                <a:endParaRPr lang="it-CH" sz="1200" b="1" dirty="0">
+                  <a:solidFill>
+                    <a:schemeClr val="bg1"/>
+                  </a:solidFill>
+                </a:endParaRPr>
+              </a:p>
+            </p:txBody>
+          </p:sp>
+        </p:grpSp>
+        <p:grpSp>
+          <p:nvGrpSpPr>
+            <p:cNvPr id="70" name="Group 69"/>
+            <p:cNvGrpSpPr/>
+            <p:nvPr/>
+          </p:nvGrpSpPr>
+          <p:grpSpPr>
+            <a:xfrm>
+              <a:off x="5912260" y="2919140"/>
+              <a:ext cx="576064" cy="576064"/>
+              <a:chOff x="6795743" y="2359913"/>
+              <a:chExt cx="576064" cy="576064"/>
+            </a:xfrm>
+          </p:grpSpPr>
+          <p:sp>
+            <p:nvSpPr>
+              <p:cNvPr id="37" name="Isosceles Triangle 36"/>
+              <p:cNvSpPr/>
+              <p:nvPr/>
+            </p:nvSpPr>
+            <p:spPr>
+              <a:xfrm>
+                <a:off x="6795743" y="2359913"/>
+                <a:ext cx="576064" cy="576064"/>
+              </a:xfrm>
+              <a:prstGeom prst="triangle">
+                <a:avLst/>
+              </a:prstGeom>
+              <a:solidFill>
+                <a:schemeClr val="tx1"/>
+              </a:solidFill>
+              <a:ln>
+                <a:solidFill>
+                  <a:schemeClr val="bg1"/>
+                </a:solidFill>
+              </a:ln>
+            </p:spPr>
+            <p:style>
+              <a:lnRef idx="2">
+                <a:schemeClr val="accent1">
+                  <a:shade val="50000"/>
+                </a:schemeClr>
+              </a:lnRef>
+              <a:fillRef idx="1">
+                <a:schemeClr val="accent1"/>
+              </a:fillRef>
+              <a:effectRef idx="0">
+                <a:schemeClr val="accent1"/>
+              </a:effectRef>
+              <a:fontRef idx="minor">
+                <a:schemeClr val="lt1"/>
+              </a:fontRef>
+            </p:style>
+            <p:txBody>
+              <a:bodyPr rtlCol="0" anchor="ctr"/>
+              <a:lstStyle/>
+              <a:p>
+                <a:pPr algn="ctr"/>
+                <a:endParaRPr lang="it-CH"/>
+              </a:p>
+            </p:txBody>
+          </p:sp>
+          <p:sp>
+            <p:nvSpPr>
+              <p:cNvPr id="33" name="TextBox 32"/>
+              <p:cNvSpPr txBox="1"/>
+              <p:nvPr/>
+            </p:nvSpPr>
+            <p:spPr>
+              <a:xfrm>
+                <a:off x="6946598" y="2647944"/>
+                <a:ext cx="263214" cy="276999"/>
+              </a:xfrm>
+              <a:prstGeom prst="rect">
+                <a:avLst/>
+              </a:prstGeom>
+              <a:noFill/>
+            </p:spPr>
+            <p:txBody>
+              <a:bodyPr wrap="none" rtlCol="0">
+                <a:spAutoFit/>
+              </a:bodyPr>
+              <a:lstStyle/>
+              <a:p>
+                <a:pPr algn="ctr"/>
+                <a:r>
+                  <a:rPr lang="en-US" sz="1200" b="1" dirty="0">
+                    <a:solidFill>
+                      <a:schemeClr val="bg1"/>
+                    </a:solidFill>
+                  </a:rPr>
+                  <a:t>1</a:t>
+                </a:r>
+                <a:endParaRPr lang="it-CH" sz="1200" b="1" dirty="0">
+                  <a:solidFill>
+                    <a:schemeClr val="bg1"/>
+                  </a:solidFill>
+                </a:endParaRPr>
+              </a:p>
+            </p:txBody>
+          </p:sp>
+        </p:grpSp>
+        <p:grpSp>
+          <p:nvGrpSpPr>
+            <p:cNvPr id="69" name="Group 68"/>
+            <p:cNvGrpSpPr/>
+            <p:nvPr/>
+          </p:nvGrpSpPr>
+          <p:grpSpPr>
+            <a:xfrm>
+              <a:off x="5931647" y="3495204"/>
+              <a:ext cx="576064" cy="576064"/>
+              <a:chOff x="6507712" y="2359912"/>
+              <a:chExt cx="576064" cy="576064"/>
+            </a:xfrm>
+          </p:grpSpPr>
+          <p:sp>
+            <p:nvSpPr>
+              <p:cNvPr id="40" name="Isosceles Triangle 39"/>
+              <p:cNvSpPr/>
+              <p:nvPr/>
+            </p:nvSpPr>
+            <p:spPr>
+              <a:xfrm rot="10800000">
+                <a:off x="6507712" y="2359912"/>
+                <a:ext cx="576064" cy="576064"/>
+              </a:xfrm>
+              <a:prstGeom prst="triangle">
+                <a:avLst/>
+              </a:prstGeom>
+              <a:solidFill>
+                <a:schemeClr val="tx1"/>
+              </a:solidFill>
+              <a:ln>
+                <a:solidFill>
+                  <a:schemeClr val="bg1"/>
+                </a:solidFill>
+              </a:ln>
+            </p:spPr>
+            <p:style>
+              <a:lnRef idx="2">
+                <a:schemeClr val="accent1">
+                  <a:shade val="50000"/>
+                </a:schemeClr>
+              </a:lnRef>
+              <a:fillRef idx="1">
+                <a:schemeClr val="accent1"/>
+              </a:fillRef>
+              <a:effectRef idx="0">
+                <a:schemeClr val="accent1"/>
+              </a:effectRef>
+              <a:fontRef idx="minor">
+                <a:schemeClr val="lt1"/>
+              </a:fontRef>
+            </p:style>
+            <p:txBody>
+              <a:bodyPr rtlCol="0" anchor="ctr"/>
+              <a:lstStyle/>
+              <a:p>
+                <a:pPr algn="ctr"/>
+                <a:endParaRPr lang="it-CH" dirty="0"/>
+              </a:p>
+            </p:txBody>
+          </p:sp>
+          <p:sp>
+            <p:nvSpPr>
+              <p:cNvPr id="34" name="TextBox 33"/>
+              <p:cNvSpPr txBox="1"/>
+              <p:nvPr/>
+            </p:nvSpPr>
+            <p:spPr>
+              <a:xfrm>
+                <a:off x="6658566" y="2431920"/>
+                <a:ext cx="263214" cy="276999"/>
+              </a:xfrm>
+              <a:prstGeom prst="rect">
+                <a:avLst/>
+              </a:prstGeom>
+              <a:noFill/>
+            </p:spPr>
+            <p:txBody>
+              <a:bodyPr wrap="none" rtlCol="0">
+                <a:spAutoFit/>
+              </a:bodyPr>
+              <a:lstStyle/>
+              <a:p>
+                <a:pPr algn="ctr"/>
+                <a:r>
+                  <a:rPr lang="en-US" sz="1200" b="1" dirty="0" smtClean="0">
+                    <a:solidFill>
+                      <a:schemeClr val="bg1"/>
+                    </a:solidFill>
+                  </a:rPr>
+                  <a:t>5</a:t>
+                </a:r>
+                <a:endParaRPr lang="it-CH" sz="1200" b="1" dirty="0">
+                  <a:solidFill>
+                    <a:schemeClr val="bg1"/>
+                  </a:solidFill>
+                </a:endParaRPr>
+              </a:p>
+            </p:txBody>
+          </p:sp>
+        </p:grpSp>
+        <p:grpSp>
+          <p:nvGrpSpPr>
+            <p:cNvPr id="68" name="Group 67"/>
+            <p:cNvGrpSpPr/>
+            <p:nvPr/>
+          </p:nvGrpSpPr>
+          <p:grpSpPr>
+            <a:xfrm>
+              <a:off x="6219679" y="2359913"/>
+              <a:ext cx="576064" cy="576064"/>
+              <a:chOff x="6219679" y="2359913"/>
+              <a:chExt cx="576064" cy="576064"/>
+            </a:xfrm>
+          </p:grpSpPr>
+          <p:sp>
+            <p:nvSpPr>
+              <p:cNvPr id="36" name="Isosceles Triangle 35"/>
+              <p:cNvSpPr/>
+              <p:nvPr/>
+            </p:nvSpPr>
+            <p:spPr>
+              <a:xfrm>
+                <a:off x="6219679" y="2359913"/>
+                <a:ext cx="576064" cy="576064"/>
+              </a:xfrm>
+              <a:prstGeom prst="triangle">
+                <a:avLst/>
+              </a:prstGeom>
+              <a:solidFill>
+                <a:schemeClr val="tx1"/>
+              </a:solidFill>
+              <a:ln>
+                <a:solidFill>
+                  <a:schemeClr val="bg1"/>
+                </a:solidFill>
+              </a:ln>
+            </p:spPr>
+            <p:style>
+              <a:lnRef idx="2">
+                <a:schemeClr val="accent1">
+                  <a:shade val="50000"/>
+                </a:schemeClr>
+              </a:lnRef>
+              <a:fillRef idx="1">
+                <a:schemeClr val="accent1"/>
+              </a:fillRef>
+              <a:effectRef idx="0">
+                <a:schemeClr val="accent1"/>
+              </a:effectRef>
+              <a:fontRef idx="minor">
+                <a:schemeClr val="lt1"/>
+              </a:fontRef>
+            </p:style>
+            <p:txBody>
+              <a:bodyPr rtlCol="0" anchor="ctr"/>
+              <a:lstStyle/>
+              <a:p>
+                <a:pPr algn="ctr"/>
+                <a:endParaRPr lang="it-CH" dirty="0"/>
+              </a:p>
+            </p:txBody>
+          </p:sp>
+          <p:sp>
+            <p:nvSpPr>
+              <p:cNvPr id="35" name="TextBox 34"/>
+              <p:cNvSpPr txBox="1"/>
+              <p:nvPr/>
+            </p:nvSpPr>
+            <p:spPr>
+              <a:xfrm>
+                <a:off x="6370534" y="2647944"/>
+                <a:ext cx="263214" cy="276999"/>
+              </a:xfrm>
+              <a:prstGeom prst="rect">
+                <a:avLst/>
+              </a:prstGeom>
+              <a:noFill/>
+            </p:spPr>
+            <p:txBody>
+              <a:bodyPr wrap="none" rtlCol="0">
+                <a:spAutoFit/>
+              </a:bodyPr>
+              <a:lstStyle/>
+              <a:p>
+                <a:pPr algn="ctr"/>
+                <a:r>
+                  <a:rPr lang="en-US" sz="1200" b="1" dirty="0" smtClean="0">
+                    <a:solidFill>
+                      <a:schemeClr val="bg1"/>
+                    </a:solidFill>
+                  </a:rPr>
+                  <a:t>0</a:t>
+                </a:r>
+              </a:p>
+            </p:txBody>
+          </p:sp>
+        </p:grpSp>
+      </p:grpSp>
+      <p:graphicFrame>
+        <p:nvGraphicFramePr>
+          <p:cNvPr id="102" name="Table 101"/>
+          <p:cNvGraphicFramePr>
+            <a:graphicFrameLocks noGrp="1"/>
+          </p:cNvGraphicFramePr>
+          <p:nvPr>
+            <p:extLst>
+              <p:ext uri="{D42A27DB-BD31-4B8C-83A1-F6EECF244321}">
+                <p14:modId xmlns:p14="http://schemas.microsoft.com/office/powerpoint/2010/main" val="3939705745"/>
+              </p:ext>
+            </p:extLst>
+          </p:nvPr>
+        </p:nvGraphicFramePr>
+        <p:xfrm>
+          <a:off x="243063" y="1484784"/>
+          <a:ext cx="14851744" cy="288032"/>
+        </p:xfrm>
+        <a:graphic>
+          <a:graphicData uri="http://schemas.openxmlformats.org/drawingml/2006/table">
+            <a:tbl>
+              <a:tblPr firstRow="1" bandRow="1">
+                <a:tableStyleId>{073A0DAA-6AF3-43AB-8588-CEC1D06C72B9}</a:tableStyleId>
+              </a:tblPr>
+              <a:tblGrid>
+                <a:gridCol w="464117"/>
+                <a:gridCol w="464117"/>
+                <a:gridCol w="464117"/>
+                <a:gridCol w="464117"/>
+                <a:gridCol w="464117"/>
+                <a:gridCol w="464117"/>
+                <a:gridCol w="464117"/>
+                <a:gridCol w="464117"/>
+                <a:gridCol w="464117"/>
+                <a:gridCol w="464117"/>
+                <a:gridCol w="464117"/>
+                <a:gridCol w="464117"/>
+                <a:gridCol w="464117"/>
+                <a:gridCol w="464117"/>
+                <a:gridCol w="464117"/>
+                <a:gridCol w="464117"/>
+                <a:gridCol w="464117"/>
+                <a:gridCol w="464117"/>
+                <a:gridCol w="464117"/>
+                <a:gridCol w="464117"/>
+                <a:gridCol w="464117"/>
+                <a:gridCol w="464117"/>
+                <a:gridCol w="464117"/>
+                <a:gridCol w="464117"/>
+                <a:gridCol w="464117"/>
+                <a:gridCol w="464117"/>
+                <a:gridCol w="464117"/>
+                <a:gridCol w="464117"/>
+                <a:gridCol w="464117"/>
+                <a:gridCol w="464117"/>
+                <a:gridCol w="464117"/>
+                <a:gridCol w="464117"/>
+              </a:tblGrid>
+              <a:tr h="288032">
+                <a:tc>
+                  <a:txBody>
+                    <a:bodyPr/>
+                    <a:lstStyle/>
+                    <a:p>
+                      <a:pPr algn="ctr"/>
+                      <a:r>
+                        <a:rPr lang="en-US" sz="1200" dirty="0" smtClean="0"/>
+                        <a:t>0</a:t>
+                      </a:r>
+                      <a:endParaRPr lang="it-CH" sz="1200" dirty="0"/>
+                    </a:p>
+                  </a:txBody>
+                  <a:tcPr marL="153019" marR="153019" anchor="ctr"/>
+                </a:tc>
+                <a:tc>
+                  <a:txBody>
+                    <a:bodyPr/>
+                    <a:lstStyle/>
+                    <a:p>
+                      <a:pPr algn="ctr"/>
+                      <a:r>
+                        <a:rPr lang="en-US" sz="1200" dirty="0" smtClean="0"/>
+                        <a:t>1</a:t>
+                      </a:r>
+                      <a:endParaRPr lang="it-CH" sz="1200" dirty="0"/>
+                    </a:p>
+                  </a:txBody>
+                  <a:tcPr marL="153019" marR="153019" anchor="ctr"/>
+                </a:tc>
+                <a:tc>
+                  <a:txBody>
+                    <a:bodyPr/>
+                    <a:lstStyle/>
+                    <a:p>
+                      <a:pPr algn="ctr"/>
+                      <a:r>
+                        <a:rPr lang="en-US" sz="1200" dirty="0" smtClean="0"/>
+                        <a:t>2</a:t>
+                      </a:r>
+                      <a:endParaRPr lang="it-CH" sz="1200" dirty="0"/>
+                    </a:p>
+                  </a:txBody>
+                  <a:tcPr marL="153019" marR="153019" anchor="ctr"/>
+                </a:tc>
+                <a:tc>
+                  <a:txBody>
+                    <a:bodyPr/>
+                    <a:lstStyle/>
+                    <a:p>
+                      <a:pPr algn="ctr"/>
+                      <a:r>
+                        <a:rPr lang="en-US" sz="1200" dirty="0" smtClean="0"/>
+                        <a:t>3</a:t>
+                      </a:r>
+                      <a:endParaRPr lang="it-CH" sz="1200" dirty="0"/>
+                    </a:p>
+                  </a:txBody>
+                  <a:tcPr marL="153019" marR="153019" anchor="ctr"/>
+                </a:tc>
+                <a:tc>
+                  <a:txBody>
+                    <a:bodyPr/>
+                    <a:lstStyle/>
+                    <a:p>
+                      <a:pPr algn="ctr"/>
+                      <a:r>
+                        <a:rPr lang="en-US" sz="1200" dirty="0" smtClean="0"/>
+                        <a:t>4</a:t>
+                      </a:r>
+                      <a:endParaRPr lang="it-CH" sz="1200" dirty="0"/>
+                    </a:p>
+                  </a:txBody>
+                  <a:tcPr marL="153019" marR="153019" anchor="ctr"/>
+                </a:tc>
+                <a:tc>
+                  <a:txBody>
+                    <a:bodyPr/>
+                    <a:lstStyle/>
+                    <a:p>
+                      <a:pPr algn="ctr"/>
+                      <a:r>
+                        <a:rPr lang="en-US" sz="1200" dirty="0" smtClean="0"/>
+                        <a:t>5</a:t>
+                      </a:r>
+                      <a:endParaRPr lang="it-CH" sz="1200" dirty="0"/>
+                    </a:p>
+                  </a:txBody>
+                  <a:tcPr marL="153019" marR="153019" anchor="ctr"/>
+                </a:tc>
+                <a:tc>
+                  <a:txBody>
+                    <a:bodyPr/>
+                    <a:lstStyle/>
+                    <a:p>
+                      <a:pPr algn="ctr"/>
+                      <a:r>
+                        <a:rPr lang="en-US" sz="1200" dirty="0" smtClean="0"/>
+                        <a:t>6</a:t>
+                      </a:r>
+                      <a:endParaRPr lang="it-CH" sz="1200" dirty="0"/>
+                    </a:p>
+                  </a:txBody>
+                  <a:tcPr marL="153019" marR="153019" anchor="ctr"/>
+                </a:tc>
+                <a:tc>
+                  <a:txBody>
+                    <a:bodyPr/>
+                    <a:lstStyle/>
+                    <a:p>
+                      <a:pPr algn="ctr"/>
+                      <a:r>
+                        <a:rPr lang="en-US" sz="1200" dirty="0" smtClean="0"/>
+                        <a:t>7</a:t>
+                      </a:r>
+                      <a:endParaRPr lang="it-CH" sz="1200" dirty="0"/>
+                    </a:p>
+                  </a:txBody>
+                  <a:tcPr marL="153019" marR="153019" anchor="ctr"/>
+                </a:tc>
+                <a:tc>
+                  <a:txBody>
+                    <a:bodyPr/>
+                    <a:lstStyle/>
+                    <a:p>
+                      <a:pPr algn="ctr"/>
+                      <a:r>
+                        <a:rPr lang="en-US" sz="1200" dirty="0" smtClean="0"/>
+                        <a:t>8</a:t>
+                      </a:r>
+                      <a:endParaRPr lang="it-CH" sz="1200" dirty="0"/>
+                    </a:p>
+                  </a:txBody>
+                  <a:tcPr marL="153019" marR="153019" anchor="ctr"/>
+                </a:tc>
+                <a:tc>
+                  <a:txBody>
+                    <a:bodyPr/>
+                    <a:lstStyle/>
+                    <a:p>
+                      <a:pPr algn="ctr"/>
+                      <a:r>
+                        <a:rPr lang="en-US" sz="1200" dirty="0" smtClean="0"/>
+                        <a:t>9</a:t>
+                      </a:r>
+                      <a:endParaRPr lang="it-CH" sz="1200" dirty="0"/>
+                    </a:p>
+                  </a:txBody>
+                  <a:tcPr marL="153019" marR="153019" anchor="ctr"/>
+                </a:tc>
+                <a:tc>
+                  <a:txBody>
+                    <a:bodyPr/>
+                    <a:lstStyle/>
+                    <a:p>
+                      <a:pPr algn="ctr"/>
+                      <a:r>
+                        <a:rPr lang="en-US" sz="1200" dirty="0" smtClean="0"/>
+                        <a:t>10</a:t>
+                      </a:r>
+                      <a:endParaRPr lang="it-CH" sz="1200" dirty="0"/>
+                    </a:p>
+                  </a:txBody>
+                  <a:tcPr marL="153019" marR="153019" anchor="ctr"/>
+                </a:tc>
+                <a:tc>
+                  <a:txBody>
+                    <a:bodyPr/>
+                    <a:lstStyle/>
+                    <a:p>
+                      <a:pPr algn="ctr"/>
+                      <a:r>
+                        <a:rPr lang="en-US" sz="1200" dirty="0" smtClean="0"/>
+                        <a:t>11</a:t>
+                      </a:r>
+                      <a:endParaRPr lang="it-CH" sz="1200" dirty="0"/>
+                    </a:p>
+                  </a:txBody>
+                  <a:tcPr marL="153019" marR="153019" anchor="ctr"/>
+                </a:tc>
+                <a:tc>
+                  <a:txBody>
+                    <a:bodyPr/>
+                    <a:lstStyle/>
+                    <a:p>
+                      <a:pPr algn="ctr"/>
+                      <a:r>
+                        <a:rPr lang="en-US" sz="1200" dirty="0" smtClean="0"/>
+                        <a:t>12</a:t>
+                      </a:r>
+                      <a:endParaRPr lang="it-CH" sz="1200" dirty="0"/>
+                    </a:p>
+                  </a:txBody>
+                  <a:tcPr marL="153019" marR="153019" anchor="ctr"/>
+                </a:tc>
+                <a:tc>
+                  <a:txBody>
+                    <a:bodyPr/>
+                    <a:lstStyle/>
+                    <a:p>
+                      <a:pPr algn="ctr"/>
+                      <a:r>
+                        <a:rPr lang="en-US" sz="1200" dirty="0" smtClean="0"/>
+                        <a:t>13</a:t>
+                      </a:r>
+                      <a:endParaRPr lang="it-CH" sz="1200" dirty="0"/>
+                    </a:p>
+                  </a:txBody>
+                  <a:tcPr marL="153019" marR="153019" anchor="ctr"/>
+                </a:tc>
+                <a:tc>
+                  <a:txBody>
+                    <a:bodyPr/>
+                    <a:lstStyle/>
+                    <a:p>
+                      <a:pPr algn="ctr"/>
+                      <a:r>
+                        <a:rPr lang="en-US" sz="1200" dirty="0" smtClean="0"/>
+                        <a:t>14</a:t>
+                      </a:r>
+                      <a:endParaRPr lang="it-CH" sz="1200" dirty="0"/>
+                    </a:p>
+                  </a:txBody>
+                  <a:tcPr marL="153019" marR="153019" anchor="ctr"/>
+                </a:tc>
+                <a:tc>
+                  <a:txBody>
+                    <a:bodyPr/>
+                    <a:lstStyle/>
+                    <a:p>
+                      <a:pPr algn="ctr"/>
+                      <a:r>
+                        <a:rPr lang="en-US" sz="1200" dirty="0" smtClean="0"/>
+                        <a:t>15</a:t>
+                      </a:r>
+                      <a:endParaRPr lang="it-CH" sz="1200" dirty="0"/>
+                    </a:p>
+                  </a:txBody>
+                  <a:tcPr marL="153019" marR="153019" anchor="ctr"/>
+                </a:tc>
+                <a:tc>
+                  <a:txBody>
+                    <a:bodyPr/>
+                    <a:lstStyle/>
+                    <a:p>
+                      <a:pPr algn="ctr"/>
+                      <a:r>
+                        <a:rPr lang="en-US" sz="1200" dirty="0" smtClean="0"/>
+                        <a:t>16</a:t>
+                      </a:r>
+                      <a:endParaRPr lang="it-CH" sz="1200" dirty="0"/>
+                    </a:p>
+                  </a:txBody>
+                  <a:tcPr marL="153019" marR="153019" anchor="ctr"/>
+                </a:tc>
+                <a:tc>
+                  <a:txBody>
+                    <a:bodyPr/>
+                    <a:lstStyle/>
+                    <a:p>
+                      <a:pPr algn="ctr"/>
+                      <a:r>
+                        <a:rPr lang="en-US" sz="1200" dirty="0" smtClean="0"/>
+                        <a:t>17</a:t>
+                      </a:r>
+                      <a:endParaRPr lang="it-CH" sz="1200" dirty="0"/>
+                    </a:p>
+                  </a:txBody>
+                  <a:tcPr marL="153019" marR="153019" anchor="ctr"/>
+                </a:tc>
+                <a:tc>
+                  <a:txBody>
+                    <a:bodyPr/>
+                    <a:lstStyle/>
+                    <a:p>
+                      <a:pPr algn="ctr"/>
+                      <a:r>
+                        <a:rPr lang="en-US" sz="1200" dirty="0" smtClean="0"/>
+                        <a:t>18</a:t>
+                      </a:r>
+                      <a:endParaRPr lang="it-CH" sz="1200" dirty="0"/>
+                    </a:p>
+                  </a:txBody>
+                  <a:tcPr marL="153019" marR="153019" anchor="ctr"/>
+                </a:tc>
+                <a:tc>
+                  <a:txBody>
+                    <a:bodyPr/>
+                    <a:lstStyle/>
+                    <a:p>
+                      <a:pPr algn="ctr"/>
+                      <a:r>
+                        <a:rPr lang="en-US" sz="1200" dirty="0" smtClean="0"/>
+                        <a:t>19</a:t>
+                      </a:r>
+                      <a:endParaRPr lang="it-CH" sz="1200" dirty="0"/>
+                    </a:p>
+                  </a:txBody>
+                  <a:tcPr marL="153019" marR="153019" anchor="ctr"/>
+                </a:tc>
+                <a:tc>
+                  <a:txBody>
+                    <a:bodyPr/>
+                    <a:lstStyle/>
+                    <a:p>
+                      <a:pPr algn="ctr"/>
+                      <a:r>
+                        <a:rPr lang="en-US" sz="1200" dirty="0" smtClean="0"/>
+                        <a:t>20</a:t>
+                      </a:r>
+                      <a:endParaRPr lang="it-CH" sz="1200" dirty="0"/>
+                    </a:p>
+                  </a:txBody>
+                  <a:tcPr marL="153019" marR="153019" anchor="ctr"/>
+                </a:tc>
+                <a:tc>
+                  <a:txBody>
+                    <a:bodyPr/>
+                    <a:lstStyle/>
+                    <a:p>
+                      <a:pPr algn="ctr"/>
+                      <a:r>
+                        <a:rPr lang="en-US" sz="1200" dirty="0" smtClean="0"/>
+                        <a:t>21</a:t>
+                      </a:r>
+                      <a:endParaRPr lang="it-CH" sz="1200" dirty="0"/>
+                    </a:p>
+                  </a:txBody>
+                  <a:tcPr marL="153019" marR="153019" anchor="ctr"/>
+                </a:tc>
+                <a:tc>
+                  <a:txBody>
+                    <a:bodyPr/>
+                    <a:lstStyle/>
+                    <a:p>
+                      <a:pPr algn="ctr"/>
+                      <a:r>
+                        <a:rPr lang="en-US" sz="1200" dirty="0" smtClean="0"/>
+                        <a:t>22</a:t>
+                      </a:r>
+                      <a:endParaRPr lang="it-CH" sz="1200" dirty="0"/>
+                    </a:p>
+                  </a:txBody>
+                  <a:tcPr marL="153019" marR="153019" anchor="ctr"/>
+                </a:tc>
+                <a:tc>
+                  <a:txBody>
+                    <a:bodyPr/>
+                    <a:lstStyle/>
+                    <a:p>
+                      <a:pPr algn="ctr"/>
+                      <a:r>
+                        <a:rPr lang="en-US" sz="1200" dirty="0" smtClean="0"/>
+                        <a:t>23</a:t>
+                      </a:r>
+                      <a:endParaRPr lang="it-CH" sz="1200" dirty="0"/>
+                    </a:p>
+                  </a:txBody>
+                  <a:tcPr marL="153019" marR="153019" anchor="ctr"/>
+                </a:tc>
+                <a:tc>
+                  <a:txBody>
+                    <a:bodyPr/>
+                    <a:lstStyle/>
+                    <a:p>
+                      <a:pPr algn="ctr"/>
+                      <a:r>
+                        <a:rPr lang="en-US" sz="1200" dirty="0" smtClean="0"/>
+                        <a:t>24</a:t>
+                      </a:r>
+                      <a:endParaRPr lang="it-CH" sz="1200" dirty="0"/>
+                    </a:p>
+                  </a:txBody>
+                  <a:tcPr marL="153019" marR="153019" anchor="ctr"/>
+                </a:tc>
+                <a:tc>
+                  <a:txBody>
+                    <a:bodyPr/>
+                    <a:lstStyle/>
+                    <a:p>
+                      <a:pPr algn="ctr"/>
+                      <a:r>
+                        <a:rPr lang="en-US" sz="1200" dirty="0" smtClean="0"/>
+                        <a:t>25</a:t>
+                      </a:r>
+                      <a:endParaRPr lang="it-CH" sz="1200" dirty="0"/>
+                    </a:p>
+                  </a:txBody>
+                  <a:tcPr marL="153019" marR="153019" anchor="ctr"/>
+                </a:tc>
+                <a:tc>
+                  <a:txBody>
+                    <a:bodyPr/>
+                    <a:lstStyle/>
+                    <a:p>
+                      <a:pPr algn="ctr"/>
+                      <a:r>
+                        <a:rPr lang="en-US" sz="1200" dirty="0" smtClean="0"/>
+                        <a:t>26</a:t>
+                      </a:r>
+                      <a:endParaRPr lang="it-CH" sz="1200" dirty="0"/>
+                    </a:p>
+                  </a:txBody>
+                  <a:tcPr marL="153019" marR="153019" anchor="ctr"/>
+                </a:tc>
+                <a:tc>
+                  <a:txBody>
+                    <a:bodyPr/>
+                    <a:lstStyle/>
+                    <a:p>
+                      <a:pPr algn="ctr"/>
+                      <a:r>
+                        <a:rPr lang="en-US" sz="1200" dirty="0" smtClean="0"/>
+                        <a:t>27</a:t>
+                      </a:r>
+                      <a:endParaRPr lang="it-CH" sz="1200" dirty="0"/>
+                    </a:p>
+                  </a:txBody>
+                  <a:tcPr marL="153019" marR="153019" anchor="ctr"/>
+                </a:tc>
+                <a:tc>
+                  <a:txBody>
+                    <a:bodyPr/>
+                    <a:lstStyle/>
+                    <a:p>
+                      <a:pPr algn="ctr"/>
+                      <a:r>
+                        <a:rPr lang="en-US" sz="1200" dirty="0" smtClean="0"/>
+                        <a:t>28</a:t>
+                      </a:r>
+                      <a:endParaRPr lang="it-CH" sz="1200" dirty="0"/>
+                    </a:p>
+                  </a:txBody>
+                  <a:tcPr marL="153019" marR="153019" anchor="ctr"/>
+                </a:tc>
+                <a:tc>
+                  <a:txBody>
+                    <a:bodyPr/>
+                    <a:lstStyle/>
+                    <a:p>
+                      <a:pPr algn="ctr"/>
+                      <a:r>
+                        <a:rPr lang="en-US" sz="1200" dirty="0" smtClean="0"/>
+                        <a:t>29</a:t>
+                      </a:r>
+                      <a:endParaRPr lang="it-CH" sz="1200" dirty="0"/>
+                    </a:p>
+                  </a:txBody>
+                  <a:tcPr marL="153019" marR="153019" anchor="ctr"/>
+                </a:tc>
+                <a:tc>
+                  <a:txBody>
+                    <a:bodyPr/>
+                    <a:lstStyle/>
+                    <a:p>
+                      <a:pPr algn="ctr"/>
+                      <a:r>
+                        <a:rPr lang="en-US" sz="1200" dirty="0" smtClean="0"/>
+                        <a:t>30</a:t>
+                      </a:r>
+                      <a:endParaRPr lang="it-CH" sz="1200" dirty="0"/>
+                    </a:p>
+                  </a:txBody>
+                  <a:tcPr marL="153019" marR="153019" anchor="ctr"/>
+                </a:tc>
+                <a:tc>
+                  <a:txBody>
+                    <a:bodyPr/>
+                    <a:lstStyle/>
+                    <a:p>
+                      <a:pPr algn="ctr"/>
+                      <a:r>
+                        <a:rPr lang="en-US" sz="1200" dirty="0" smtClean="0"/>
+                        <a:t>31</a:t>
+                      </a:r>
+                      <a:endParaRPr lang="it-CH" sz="1200" dirty="0"/>
+                    </a:p>
+                  </a:txBody>
+                  <a:tcPr marL="153019" marR="153019" anchor="ctr"/>
+                </a:tc>
+              </a:tr>
+            </a:tbl>
+          </a:graphicData>
+        </a:graphic>
+      </p:graphicFrame>
+      <p:sp>
+        <p:nvSpPr>
+          <p:cNvPr id="103" name="Arc 102"/>
+          <p:cNvSpPr/>
+          <p:nvPr/>
+        </p:nvSpPr>
+        <p:spPr>
+          <a:xfrm>
+            <a:off x="6021867" y="1196752"/>
+            <a:ext cx="504056" cy="615414"/>
+          </a:xfrm>
+          <a:prstGeom prst="arc">
+            <a:avLst>
+              <a:gd name="adj1" fmla="val 10946197"/>
+              <a:gd name="adj2" fmla="val 21257368"/>
+            </a:avLst>
+          </a:prstGeom>
+          <a:ln w="25400">
+            <a:solidFill>
+              <a:srgbClr val="C00000"/>
+            </a:solidFill>
+            <a:tailEnd type="triangle"/>
+          </a:ln>
+        </p:spPr>
+        <p:style>
+          <a:lnRef idx="1">
+            <a:schemeClr val="accent1"/>
+          </a:lnRef>
+          <a:fillRef idx="0">
+            <a:schemeClr val="accent1"/>
+          </a:fillRef>
+          <a:effectRef idx="0">
+            <a:schemeClr val="accent1"/>
+          </a:effectRef>
+          <a:fontRef idx="minor">
+            <a:schemeClr val="tx1"/>
+          </a:fontRef>
+        </p:style>
+        <p:txBody>
+          <a:bodyPr rtlCol="0" anchor="ctr"/>
+          <a:lstStyle/>
+          <a:p>
+            <a:pPr algn="ctr"/>
+            <a:endParaRPr lang="it-CH"/>
+          </a:p>
+        </p:txBody>
+      </p:sp>
+      <p:sp>
+        <p:nvSpPr>
+          <p:cNvPr id="104" name="Arc 103"/>
+          <p:cNvSpPr/>
+          <p:nvPr/>
+        </p:nvSpPr>
+        <p:spPr>
+          <a:xfrm flipH="1">
+            <a:off x="5517810" y="1233735"/>
+            <a:ext cx="504056" cy="615144"/>
+          </a:xfrm>
+          <a:prstGeom prst="arc">
+            <a:avLst>
+              <a:gd name="adj1" fmla="val 10946197"/>
+              <a:gd name="adj2" fmla="val 21257368"/>
+            </a:avLst>
+          </a:prstGeom>
+          <a:ln w="25400">
+            <a:solidFill>
+              <a:srgbClr val="C00000"/>
+            </a:solidFill>
+            <a:tailEnd type="triangle"/>
+          </a:ln>
+        </p:spPr>
+        <p:style>
+          <a:lnRef idx="1">
+            <a:schemeClr val="accent1"/>
+          </a:lnRef>
+          <a:fillRef idx="0">
+            <a:schemeClr val="accent1"/>
+          </a:fillRef>
+          <a:effectRef idx="0">
+            <a:schemeClr val="accent1"/>
+          </a:effectRef>
+          <a:fontRef idx="minor">
+            <a:schemeClr val="tx1"/>
+          </a:fontRef>
+        </p:style>
+        <p:txBody>
+          <a:bodyPr rtlCol="0" anchor="ctr"/>
+          <a:lstStyle/>
+          <a:p>
+            <a:pPr algn="ctr"/>
+            <a:endParaRPr lang="it-CH"/>
+          </a:p>
+        </p:txBody>
+      </p:sp>
+      <p:sp>
+        <p:nvSpPr>
+          <p:cNvPr id="109" name="Arc 108"/>
+          <p:cNvSpPr/>
+          <p:nvPr/>
+        </p:nvSpPr>
+        <p:spPr>
+          <a:xfrm flipH="1">
+            <a:off x="3258467" y="927212"/>
+            <a:ext cx="2772263" cy="1228190"/>
+          </a:xfrm>
+          <a:prstGeom prst="arc">
+            <a:avLst>
+              <a:gd name="adj1" fmla="val 10946197"/>
+              <a:gd name="adj2" fmla="val 21475391"/>
+            </a:avLst>
+          </a:prstGeom>
+          <a:ln w="25400">
+            <a:solidFill>
+              <a:srgbClr val="C00000"/>
+            </a:solidFill>
+            <a:tailEnd type="triangle"/>
+          </a:ln>
+        </p:spPr>
+        <p:style>
+          <a:lnRef idx="1">
+            <a:schemeClr val="accent1"/>
+          </a:lnRef>
+          <a:fillRef idx="0">
+            <a:schemeClr val="accent1"/>
+          </a:fillRef>
+          <a:effectRef idx="0">
+            <a:schemeClr val="accent1"/>
+          </a:effectRef>
+          <a:fontRef idx="minor">
+            <a:schemeClr val="tx1"/>
+          </a:fontRef>
+        </p:style>
+        <p:txBody>
+          <a:bodyPr rtlCol="0" anchor="ctr"/>
+          <a:lstStyle/>
+          <a:p>
+            <a:pPr algn="ctr"/>
+            <a:endParaRPr lang="it-CH"/>
+          </a:p>
+        </p:txBody>
+      </p:sp>
+      <p:sp>
+        <p:nvSpPr>
+          <p:cNvPr id="110" name="Arc 109"/>
+          <p:cNvSpPr/>
+          <p:nvPr/>
+        </p:nvSpPr>
+        <p:spPr>
+          <a:xfrm>
+            <a:off x="10941891" y="1196752"/>
+            <a:ext cx="675562" cy="615414"/>
+          </a:xfrm>
+          <a:prstGeom prst="arc">
+            <a:avLst>
+              <a:gd name="adj1" fmla="val 10946197"/>
+              <a:gd name="adj2" fmla="val 21257368"/>
+            </a:avLst>
+          </a:prstGeom>
+          <a:ln w="25400">
+            <a:solidFill>
+              <a:srgbClr val="C00000"/>
+            </a:solidFill>
+            <a:tailEnd type="triangle"/>
+          </a:ln>
+        </p:spPr>
+        <p:style>
+          <a:lnRef idx="1">
+            <a:schemeClr val="accent1"/>
+          </a:lnRef>
+          <a:fillRef idx="0">
+            <a:schemeClr val="accent1"/>
+          </a:fillRef>
+          <a:effectRef idx="0">
+            <a:schemeClr val="accent1"/>
+          </a:effectRef>
+          <a:fontRef idx="minor">
+            <a:schemeClr val="tx1"/>
+          </a:fontRef>
+        </p:style>
+        <p:txBody>
+          <a:bodyPr rtlCol="0" anchor="ctr"/>
+          <a:lstStyle/>
+          <a:p>
+            <a:pPr algn="ctr"/>
+            <a:endParaRPr lang="it-CH"/>
+          </a:p>
+        </p:txBody>
+      </p:sp>
+      <p:sp>
+        <p:nvSpPr>
+          <p:cNvPr id="111" name="Arc 110"/>
+          <p:cNvSpPr/>
+          <p:nvPr/>
+        </p:nvSpPr>
+        <p:spPr>
+          <a:xfrm flipH="1">
+            <a:off x="10437834" y="1233735"/>
+            <a:ext cx="675562" cy="615144"/>
+          </a:xfrm>
+          <a:prstGeom prst="arc">
+            <a:avLst>
+              <a:gd name="adj1" fmla="val 10946197"/>
+              <a:gd name="adj2" fmla="val 21257368"/>
+            </a:avLst>
+          </a:prstGeom>
+          <a:ln w="25400">
+            <a:solidFill>
+              <a:srgbClr val="C00000"/>
+            </a:solidFill>
+            <a:tailEnd type="triangle"/>
+          </a:ln>
+        </p:spPr>
+        <p:style>
+          <a:lnRef idx="1">
+            <a:schemeClr val="accent1"/>
+          </a:lnRef>
+          <a:fillRef idx="0">
+            <a:schemeClr val="accent1"/>
+          </a:fillRef>
+          <a:effectRef idx="0">
+            <a:schemeClr val="accent1"/>
+          </a:effectRef>
+          <a:fontRef idx="minor">
+            <a:schemeClr val="tx1"/>
+          </a:fontRef>
+        </p:style>
+        <p:txBody>
+          <a:bodyPr rtlCol="0" anchor="ctr"/>
+          <a:lstStyle/>
+          <a:p>
+            <a:pPr algn="ctr"/>
+            <a:endParaRPr lang="it-CH"/>
+          </a:p>
+        </p:txBody>
+      </p:sp>
+      <p:sp>
+        <p:nvSpPr>
+          <p:cNvPr id="112" name="Arc 111"/>
+          <p:cNvSpPr/>
+          <p:nvPr/>
+        </p:nvSpPr>
+        <p:spPr>
+          <a:xfrm flipH="1">
+            <a:off x="7406730" y="927212"/>
+            <a:ext cx="3715530" cy="1228190"/>
+          </a:xfrm>
+          <a:prstGeom prst="arc">
+            <a:avLst>
+              <a:gd name="adj1" fmla="val 10946197"/>
+              <a:gd name="adj2" fmla="val 21475391"/>
+            </a:avLst>
+          </a:prstGeom>
+          <a:ln w="25400">
+            <a:solidFill>
+              <a:srgbClr val="C00000"/>
+            </a:solidFill>
+            <a:tailEnd type="triangle"/>
+          </a:ln>
+        </p:spPr>
+        <p:style>
+          <a:lnRef idx="1">
+            <a:schemeClr val="accent1"/>
+          </a:lnRef>
+          <a:fillRef idx="0">
+            <a:schemeClr val="accent1"/>
+          </a:fillRef>
+          <a:effectRef idx="0">
+            <a:schemeClr val="accent1"/>
+          </a:effectRef>
+          <a:fontRef idx="minor">
+            <a:schemeClr val="tx1"/>
+          </a:fontRef>
+        </p:style>
+        <p:txBody>
+          <a:bodyPr rtlCol="0" anchor="ctr"/>
+          <a:lstStyle/>
+          <a:p>
+            <a:pPr algn="ctr"/>
+            <a:endParaRPr lang="it-CH"/>
+          </a:p>
+        </p:txBody>
+      </p:sp>
+      <p:grpSp>
+        <p:nvGrpSpPr>
+          <p:cNvPr id="113" name="Group 112"/>
+          <p:cNvGrpSpPr/>
+          <p:nvPr/>
+        </p:nvGrpSpPr>
+        <p:grpSpPr>
+          <a:xfrm flipV="1">
+            <a:off x="5931673" y="1052736"/>
+            <a:ext cx="4248472" cy="1301659"/>
+            <a:chOff x="9775146" y="3208922"/>
+            <a:chExt cx="3780466" cy="1228190"/>
+          </a:xfrm>
+        </p:grpSpPr>
+        <p:sp>
+          <p:nvSpPr>
+            <p:cNvPr id="114" name="Arc 113"/>
+            <p:cNvSpPr/>
+            <p:nvPr/>
+          </p:nvSpPr>
+          <p:spPr>
+            <a:xfrm>
+              <a:off x="10279203" y="3478462"/>
+              <a:ext cx="504056" cy="615414"/>
+            </a:xfrm>
+            <a:prstGeom prst="arc">
+              <a:avLst>
+                <a:gd name="adj1" fmla="val 10946197"/>
+                <a:gd name="adj2" fmla="val 21257368"/>
+              </a:avLst>
+            </a:prstGeom>
+            <a:ln w="25400">
+              <a:solidFill>
+                <a:schemeClr val="tx2"/>
+              </a:solidFill>
+              <a:tailEnd type="triangle"/>
+            </a:ln>
+          </p:spPr>
+          <p:style>
+            <a:lnRef idx="1">
+              <a:schemeClr val="accent1"/>
+            </a:lnRef>
+            <a:fillRef idx="0">
+              <a:schemeClr val="accent1"/>
+            </a:fillRef>
+            <a:effectRef idx="0">
+              <a:schemeClr val="accent1"/>
+            </a:effectRef>
+            <a:fontRef idx="minor">
+              <a:schemeClr val="tx1"/>
+            </a:fontRef>
+          </p:style>
+          <p:txBody>
+            <a:bodyPr rtlCol="0" anchor="ctr"/>
+            <a:lstStyle/>
+            <a:p>
+              <a:pPr algn="ctr"/>
+              <a:endParaRPr lang="it-CH"/>
+            </a:p>
+          </p:txBody>
+        </p:sp>
+        <p:sp>
+          <p:nvSpPr>
+            <p:cNvPr id="115" name="Arc 114"/>
+            <p:cNvSpPr/>
+            <p:nvPr/>
+          </p:nvSpPr>
+          <p:spPr>
+            <a:xfrm flipH="1">
+              <a:off x="9775146" y="3515445"/>
+              <a:ext cx="504056" cy="615144"/>
+            </a:xfrm>
+            <a:prstGeom prst="arc">
+              <a:avLst>
+                <a:gd name="adj1" fmla="val 10946197"/>
+                <a:gd name="adj2" fmla="val 21257368"/>
+              </a:avLst>
+            </a:prstGeom>
+            <a:ln w="25400">
+              <a:solidFill>
+                <a:schemeClr val="tx2"/>
+              </a:solidFill>
+              <a:tailEnd type="triangle"/>
+            </a:ln>
+          </p:spPr>
+          <p:style>
+            <a:lnRef idx="1">
+              <a:schemeClr val="accent1"/>
+            </a:lnRef>
+            <a:fillRef idx="0">
+              <a:schemeClr val="accent1"/>
+            </a:fillRef>
+            <a:effectRef idx="0">
+              <a:schemeClr val="accent1"/>
+            </a:effectRef>
+            <a:fontRef idx="minor">
+              <a:schemeClr val="tx1"/>
+            </a:fontRef>
+          </p:style>
+          <p:txBody>
+            <a:bodyPr rtlCol="0" anchor="ctr"/>
+            <a:lstStyle/>
+            <a:p>
+              <a:pPr algn="ctr"/>
+              <a:endParaRPr lang="it-CH"/>
+            </a:p>
+          </p:txBody>
+        </p:sp>
+        <p:sp>
+          <p:nvSpPr>
+            <p:cNvPr id="116" name="Arc 115"/>
+            <p:cNvSpPr/>
+            <p:nvPr/>
+          </p:nvSpPr>
+          <p:spPr>
+            <a:xfrm>
+              <a:off x="10279203" y="3208922"/>
+              <a:ext cx="3276409" cy="1228190"/>
+            </a:xfrm>
+            <a:prstGeom prst="arc">
+              <a:avLst>
+                <a:gd name="adj1" fmla="val 10946197"/>
+                <a:gd name="adj2" fmla="val 21475391"/>
+              </a:avLst>
+            </a:prstGeom>
+            <a:ln w="25400">
+              <a:solidFill>
+                <a:schemeClr val="tx2"/>
+              </a:solidFill>
+              <a:tailEnd type="triangle"/>
+            </a:ln>
+          </p:spPr>
+          <p:style>
+            <a:lnRef idx="1">
+              <a:schemeClr val="accent1"/>
+            </a:lnRef>
+            <a:fillRef idx="0">
+              <a:schemeClr val="accent1"/>
+            </a:fillRef>
+            <a:effectRef idx="0">
+              <a:schemeClr val="accent1"/>
+            </a:effectRef>
+            <a:fontRef idx="minor">
+              <a:schemeClr val="tx1"/>
+            </a:fontRef>
+          </p:style>
+          <p:txBody>
+            <a:bodyPr rtlCol="0" anchor="ctr"/>
+            <a:lstStyle/>
+            <a:p>
+              <a:pPr algn="ctr"/>
+              <a:endParaRPr lang="it-CH"/>
+            </a:p>
+          </p:txBody>
+        </p:sp>
+      </p:grpSp>
+      <p:grpSp>
+        <p:nvGrpSpPr>
+          <p:cNvPr id="117" name="Group 116"/>
+          <p:cNvGrpSpPr/>
+          <p:nvPr/>
+        </p:nvGrpSpPr>
+        <p:grpSpPr>
+          <a:xfrm flipV="1">
+            <a:off x="1282541" y="1052735"/>
+            <a:ext cx="2479983" cy="1301659"/>
+            <a:chOff x="9775146" y="3208922"/>
+            <a:chExt cx="3780466" cy="1228190"/>
+          </a:xfrm>
+        </p:grpSpPr>
+        <p:sp>
+          <p:nvSpPr>
+            <p:cNvPr id="118" name="Arc 117"/>
+            <p:cNvSpPr/>
+            <p:nvPr/>
+          </p:nvSpPr>
+          <p:spPr>
+            <a:xfrm>
+              <a:off x="10279203" y="3478462"/>
+              <a:ext cx="504056" cy="615414"/>
+            </a:xfrm>
+            <a:prstGeom prst="arc">
+              <a:avLst>
+                <a:gd name="adj1" fmla="val 10946197"/>
+                <a:gd name="adj2" fmla="val 21257368"/>
+              </a:avLst>
+            </a:prstGeom>
+            <a:ln w="25400">
+              <a:solidFill>
+                <a:schemeClr val="tx2"/>
+              </a:solidFill>
+              <a:tailEnd type="triangle"/>
+            </a:ln>
+          </p:spPr>
+          <p:style>
+            <a:lnRef idx="1">
+              <a:schemeClr val="accent1"/>
+            </a:lnRef>
+            <a:fillRef idx="0">
+              <a:schemeClr val="accent1"/>
+            </a:fillRef>
+            <a:effectRef idx="0">
+              <a:schemeClr val="accent1"/>
+            </a:effectRef>
+            <a:fontRef idx="minor">
+              <a:schemeClr val="tx1"/>
+            </a:fontRef>
+          </p:style>
+          <p:txBody>
+            <a:bodyPr rtlCol="0" anchor="ctr"/>
+            <a:lstStyle/>
+            <a:p>
+              <a:pPr algn="ctr"/>
+              <a:endParaRPr lang="it-CH"/>
+            </a:p>
+          </p:txBody>
+        </p:sp>
+        <p:sp>
+          <p:nvSpPr>
+            <p:cNvPr id="119" name="Arc 118"/>
+            <p:cNvSpPr/>
+            <p:nvPr/>
+          </p:nvSpPr>
+          <p:spPr>
+            <a:xfrm flipH="1">
+              <a:off x="9775146" y="3515445"/>
+              <a:ext cx="504056" cy="615144"/>
+            </a:xfrm>
+            <a:prstGeom prst="arc">
+              <a:avLst>
+                <a:gd name="adj1" fmla="val 10946197"/>
+                <a:gd name="adj2" fmla="val 21257368"/>
+              </a:avLst>
+            </a:prstGeom>
+            <a:ln w="25400">
+              <a:solidFill>
+                <a:schemeClr val="tx2"/>
+              </a:solidFill>
+              <a:tailEnd type="triangle"/>
+            </a:ln>
+          </p:spPr>
+          <p:style>
+            <a:lnRef idx="1">
+              <a:schemeClr val="accent1"/>
+            </a:lnRef>
+            <a:fillRef idx="0">
+              <a:schemeClr val="accent1"/>
+            </a:fillRef>
+            <a:effectRef idx="0">
+              <a:schemeClr val="accent1"/>
+            </a:effectRef>
+            <a:fontRef idx="minor">
+              <a:schemeClr val="tx1"/>
+            </a:fontRef>
+          </p:style>
+          <p:txBody>
+            <a:bodyPr rtlCol="0" anchor="ctr"/>
+            <a:lstStyle/>
+            <a:p>
+              <a:pPr algn="ctr"/>
+              <a:endParaRPr lang="it-CH"/>
+            </a:p>
+          </p:txBody>
+        </p:sp>
+        <p:sp>
+          <p:nvSpPr>
+            <p:cNvPr id="120" name="Arc 119"/>
+            <p:cNvSpPr/>
+            <p:nvPr/>
+          </p:nvSpPr>
+          <p:spPr>
+            <a:xfrm>
+              <a:off x="10279203" y="3208922"/>
+              <a:ext cx="3276409" cy="1228190"/>
+            </a:xfrm>
+            <a:prstGeom prst="arc">
+              <a:avLst>
+                <a:gd name="adj1" fmla="val 10946197"/>
+                <a:gd name="adj2" fmla="val 21475391"/>
+              </a:avLst>
+            </a:prstGeom>
+            <a:ln w="25400">
+              <a:solidFill>
+                <a:schemeClr val="tx2"/>
+              </a:solidFill>
+              <a:tailEnd type="triangle"/>
+            </a:ln>
+          </p:spPr>
+          <p:style>
+            <a:lnRef idx="1">
+              <a:schemeClr val="accent1"/>
+            </a:lnRef>
+            <a:fillRef idx="0">
+              <a:schemeClr val="accent1"/>
+            </a:fillRef>
+            <a:effectRef idx="0">
+              <a:schemeClr val="accent1"/>
+            </a:effectRef>
+            <a:fontRef idx="minor">
+              <a:schemeClr val="tx1"/>
+            </a:fontRef>
+          </p:style>
+          <p:txBody>
+            <a:bodyPr rtlCol="0" anchor="ctr"/>
+            <a:lstStyle/>
+            <a:p>
+              <a:pPr algn="ctr"/>
+              <a:endParaRPr lang="it-CH"/>
+            </a:p>
+          </p:txBody>
+        </p:sp>
+      </p:grpSp>
+      <p:sp>
+        <p:nvSpPr>
+          <p:cNvPr id="121" name="TextBox 120"/>
+          <p:cNvSpPr txBox="1"/>
+          <p:nvPr/>
+        </p:nvSpPr>
+        <p:spPr>
+          <a:xfrm>
+            <a:off x="1942092" y="3837525"/>
+            <a:ext cx="2492990" cy="523220"/>
+          </a:xfrm>
+          <a:prstGeom prst="rect">
+            <a:avLst/>
+          </a:prstGeom>
+          <a:noFill/>
+        </p:spPr>
+        <p:txBody>
+          <a:bodyPr wrap="none" rtlCol="0">
+            <a:spAutoFit/>
+          </a:bodyPr>
+          <a:lstStyle/>
+          <a:p>
+            <a:r>
+              <a:rPr lang="en-US" sz="2800" dirty="0" smtClean="0">
+                <a:latin typeface="Stencil" panose="040409050D0802020404" pitchFamily="82" charset="0"/>
+              </a:rPr>
+              <a:t>TriangLE_2D</a:t>
+            </a:r>
+            <a:endParaRPr lang="it-CH" dirty="0">
+              <a:latin typeface="Stencil" panose="040409050D0802020404" pitchFamily="82" charset="0"/>
+            </a:endParaRPr>
+          </a:p>
+        </p:txBody>
+      </p:sp>
+    </p:spTree>
+    <p:extLst>
+      <p:ext uri="{BB962C8B-B14F-4D97-AF65-F5344CB8AC3E}">
+        <p14:creationId xmlns:p14="http://schemas.microsoft.com/office/powerpoint/2010/main" val="4120835482"/>
+      </p:ext>
+    </p:extLst>
+  </p:cSld>
+  <p:clrMapOvr>
+    <a:masterClrMapping/>
+  </p:clrMapOvr>
+</p:sld>
+</file>
+
+<file path=ppt/slides/slide3.xml><?xml version="1.0" encoding="utf-8"?>
+<p:sld xmlns:a="http://schemas.openxmlformats.org/drawingml/2006/main" xmlns:r="http://schemas.openxmlformats.org/officeDocument/2006/relationships" xmlns:p="http://schemas.openxmlformats.org/presentationml/2006/main">
+  <p:cSld>
+    <p:spTree>
+      <p:nvGrpSpPr>
+        <p:cNvPr id="1" name=""/>
+        <p:cNvGrpSpPr/>
+        <p:nvPr/>
+      </p:nvGrpSpPr>
+      <p:grpSpPr>
+        <a:xfrm>
+          <a:off x="0" y="0"/>
+          <a:ext cx="0" cy="0"/>
+          <a:chOff x="0" y="0"/>
+          <a:chExt cx="0" cy="0"/>
+        </a:xfrm>
+      </p:grpSpPr>
+      <p:graphicFrame>
+        <p:nvGraphicFramePr>
+          <p:cNvPr id="2" name="Table 1"/>
+          <p:cNvGraphicFramePr>
+            <a:graphicFrameLocks noGrp="1"/>
+          </p:cNvGraphicFramePr>
+          <p:nvPr>
+            <p:extLst>
+              <p:ext uri="{D42A27DB-BD31-4B8C-83A1-F6EECF244321}">
+                <p14:modId xmlns:p14="http://schemas.microsoft.com/office/powerpoint/2010/main" val="1193027945"/>
+              </p:ext>
+            </p:extLst>
+          </p:nvPr>
+        </p:nvGraphicFramePr>
+        <p:xfrm>
+          <a:off x="1026220" y="523254"/>
+          <a:ext cx="6408712" cy="3400424"/>
+        </p:xfrm>
+        <a:graphic>
+          <a:graphicData uri="http://schemas.openxmlformats.org/drawingml/2006/table">
+            <a:tbl>
+              <a:tblPr bandRow="1">
+                <a:tableStyleId>{073A0DAA-6AF3-43AB-8588-CEC1D06C72B9}</a:tableStyleId>
+              </a:tblPr>
+              <a:tblGrid>
+                <a:gridCol w="801089"/>
+                <a:gridCol w="801089"/>
+                <a:gridCol w="801089"/>
+                <a:gridCol w="801089"/>
+                <a:gridCol w="801089"/>
+                <a:gridCol w="801089"/>
+                <a:gridCol w="801089"/>
+                <a:gridCol w="801089"/>
+              </a:tblGrid>
+              <a:tr h="850106">
+                <a:tc>
+                  <a:txBody>
+                    <a:bodyPr/>
+                    <a:lstStyle/>
+                    <a:p>
+                      <a:pPr algn="ctr"/>
+                      <a:r>
+                        <a:rPr lang="en-US" sz="2000" b="1" dirty="0" smtClean="0">
+                          <a:solidFill>
+                            <a:schemeClr val="bg1"/>
+                          </a:solidFill>
+                        </a:rPr>
+                        <a:t>-1,-1</a:t>
+                      </a:r>
+                      <a:endParaRPr lang="it-CH" sz="2000" b="1" dirty="0">
+                        <a:solidFill>
+                          <a:schemeClr val="bg1"/>
+                        </a:solidFill>
+                      </a:endParaRPr>
+                    </a:p>
+                  </a:txBody>
+                  <a:tcPr anchor="ctr">
+                    <a:solidFill>
+                      <a:schemeClr val="accent2">
+                        <a:lumMod val="75000"/>
+                      </a:schemeClr>
+                    </a:solidFill>
+                  </a:tcPr>
+                </a:tc>
+                <a:tc>
+                  <a:txBody>
+                    <a:bodyPr/>
+                    <a:lstStyle/>
+                    <a:p>
+                      <a:pPr algn="ctr"/>
+                      <a:r>
+                        <a:rPr lang="en-US" sz="2000" b="1" dirty="0" smtClean="0">
+                          <a:solidFill>
+                            <a:schemeClr val="bg1"/>
+                          </a:solidFill>
+                        </a:rPr>
+                        <a:t>-1,0</a:t>
+                      </a:r>
+                      <a:endParaRPr lang="it-CH" sz="2000" b="1" dirty="0">
+                        <a:solidFill>
+                          <a:schemeClr val="bg1"/>
+                        </a:solidFill>
+                      </a:endParaRPr>
+                    </a:p>
+                  </a:txBody>
+                  <a:tcPr anchor="ctr">
+                    <a:solidFill>
+                      <a:schemeClr val="accent2">
+                        <a:lumMod val="75000"/>
+                      </a:schemeClr>
+                    </a:solidFill>
+                  </a:tcPr>
+                </a:tc>
+                <a:tc>
+                  <a:txBody>
+                    <a:bodyPr/>
+                    <a:lstStyle/>
+                    <a:p>
+                      <a:pPr algn="ctr"/>
+                      <a:r>
+                        <a:rPr lang="en-US" sz="2000" b="1" dirty="0" smtClean="0">
+                          <a:solidFill>
+                            <a:schemeClr val="bg1"/>
+                          </a:solidFill>
+                        </a:rPr>
+                        <a:t>-1,1</a:t>
+                      </a:r>
+                      <a:endParaRPr lang="it-CH" sz="2000" b="1" dirty="0">
+                        <a:solidFill>
+                          <a:schemeClr val="bg1"/>
+                        </a:solidFill>
+                      </a:endParaRPr>
+                    </a:p>
+                  </a:txBody>
+                  <a:tcPr anchor="ctr">
+                    <a:solidFill>
+                      <a:schemeClr val="accent2">
+                        <a:lumMod val="75000"/>
+                      </a:schemeClr>
+                    </a:solidFill>
+                  </a:tcPr>
+                </a:tc>
+                <a:tc>
+                  <a:txBody>
+                    <a:bodyPr/>
+                    <a:lstStyle/>
+                    <a:p>
+                      <a:pPr algn="ctr"/>
+                      <a:r>
+                        <a:rPr lang="en-US" sz="2000" b="1" dirty="0" smtClean="0">
+                          <a:solidFill>
+                            <a:schemeClr val="bg1"/>
+                          </a:solidFill>
+                        </a:rPr>
+                        <a:t>-1,2</a:t>
+                      </a:r>
+                      <a:endParaRPr lang="it-CH" sz="2000" b="1" dirty="0">
+                        <a:solidFill>
+                          <a:schemeClr val="bg1"/>
+                        </a:solidFill>
+                      </a:endParaRPr>
+                    </a:p>
+                  </a:txBody>
+                  <a:tcPr anchor="ctr">
+                    <a:solidFill>
+                      <a:schemeClr val="accent2">
+                        <a:lumMod val="75000"/>
+                      </a:schemeClr>
+                    </a:solidFill>
+                  </a:tcPr>
+                </a:tc>
+                <a:tc>
+                  <a:txBody>
+                    <a:bodyPr/>
+                    <a:lstStyle/>
+                    <a:p>
+                      <a:pPr algn="ctr"/>
+                      <a:r>
+                        <a:rPr lang="en-US" sz="2000" b="1" dirty="0" smtClean="0">
+                          <a:solidFill>
+                            <a:schemeClr val="bg1"/>
+                          </a:solidFill>
+                        </a:rPr>
+                        <a:t>-1,3</a:t>
+                      </a:r>
+                      <a:endParaRPr lang="it-CH" sz="2000" b="1" dirty="0">
+                        <a:solidFill>
+                          <a:schemeClr val="bg1"/>
+                        </a:solidFill>
+                      </a:endParaRPr>
+                    </a:p>
+                  </a:txBody>
+                  <a:tcPr anchor="ctr">
+                    <a:solidFill>
+                      <a:schemeClr val="accent2">
+                        <a:lumMod val="75000"/>
+                      </a:schemeClr>
+                    </a:solidFill>
+                  </a:tcPr>
+                </a:tc>
+                <a:tc>
+                  <a:txBody>
+                    <a:bodyPr/>
+                    <a:lstStyle/>
+                    <a:p>
+                      <a:pPr algn="ctr"/>
+                      <a:r>
+                        <a:rPr lang="en-US" sz="2000" b="1" dirty="0" smtClean="0">
+                          <a:solidFill>
+                            <a:schemeClr val="bg1"/>
+                          </a:solidFill>
+                        </a:rPr>
+                        <a:t>-1,4</a:t>
+                      </a:r>
+                      <a:endParaRPr lang="it-CH" sz="2000" b="1" dirty="0">
+                        <a:solidFill>
+                          <a:schemeClr val="bg1"/>
+                        </a:solidFill>
+                      </a:endParaRPr>
+                    </a:p>
+                  </a:txBody>
+                  <a:tcPr anchor="ctr">
+                    <a:solidFill>
+                      <a:schemeClr val="accent2">
+                        <a:lumMod val="75000"/>
+                      </a:schemeClr>
+                    </a:solidFill>
+                  </a:tcPr>
+                </a:tc>
+                <a:tc>
+                  <a:txBody>
+                    <a:bodyPr/>
+                    <a:lstStyle/>
+                    <a:p>
+                      <a:pPr algn="ctr"/>
+                      <a:r>
+                        <a:rPr lang="en-US" sz="2000" b="1" dirty="0" smtClean="0">
+                          <a:solidFill>
+                            <a:schemeClr val="bg1"/>
+                          </a:solidFill>
+                        </a:rPr>
+                        <a:t>-1,5</a:t>
+                      </a:r>
+                      <a:endParaRPr lang="it-CH" sz="2000" b="1" dirty="0">
+                        <a:solidFill>
+                          <a:schemeClr val="bg1"/>
+                        </a:solidFill>
+                      </a:endParaRPr>
+                    </a:p>
+                  </a:txBody>
+                  <a:tcPr anchor="ctr">
+                    <a:solidFill>
+                      <a:schemeClr val="accent2">
+                        <a:lumMod val="75000"/>
+                      </a:schemeClr>
+                    </a:solidFill>
+                  </a:tcPr>
+                </a:tc>
+                <a:tc>
+                  <a:txBody>
+                    <a:bodyPr/>
+                    <a:lstStyle/>
+                    <a:p>
+                      <a:pPr algn="ctr"/>
+                      <a:r>
+                        <a:rPr lang="en-US" sz="2000" b="1" dirty="0" smtClean="0">
+                          <a:solidFill>
+                            <a:schemeClr val="bg1"/>
+                          </a:solidFill>
+                        </a:rPr>
+                        <a:t>-1,6</a:t>
+                      </a:r>
+                      <a:endParaRPr lang="it-CH" sz="2000" b="1" dirty="0">
+                        <a:solidFill>
+                          <a:schemeClr val="bg1"/>
+                        </a:solidFill>
+                      </a:endParaRPr>
+                    </a:p>
+                  </a:txBody>
+                  <a:tcPr anchor="ctr">
+                    <a:solidFill>
+                      <a:schemeClr val="accent2">
+                        <a:lumMod val="75000"/>
+                      </a:schemeClr>
+                    </a:solidFill>
+                  </a:tcPr>
+                </a:tc>
+              </a:tr>
+              <a:tr h="850106">
+                <a:tc>
+                  <a:txBody>
+                    <a:bodyPr/>
+                    <a:lstStyle/>
+                    <a:p>
+                      <a:pPr algn="ctr"/>
+                      <a:r>
+                        <a:rPr lang="en-US" sz="2000" b="1" dirty="0" smtClean="0">
+                          <a:solidFill>
+                            <a:schemeClr val="bg1"/>
+                          </a:solidFill>
+                        </a:rPr>
+                        <a:t>0,-1</a:t>
+                      </a:r>
+                      <a:endParaRPr lang="it-CH" sz="2000" b="1" dirty="0">
+                        <a:solidFill>
+                          <a:schemeClr val="bg1"/>
+                        </a:solidFill>
+                      </a:endParaRPr>
+                    </a:p>
+                  </a:txBody>
+                  <a:tcPr anchor="ctr">
+                    <a:solidFill>
+                      <a:schemeClr val="accent2">
+                        <a:lumMod val="75000"/>
+                      </a:schemeClr>
+                    </a:solidFill>
+                  </a:tcPr>
+                </a:tc>
+                <a:tc>
+                  <a:txBody>
+                    <a:bodyPr/>
+                    <a:lstStyle/>
+                    <a:p>
+                      <a:pPr algn="ctr"/>
+                      <a:r>
+                        <a:rPr lang="en-US" sz="2000" b="1" dirty="0" smtClean="0">
+                          <a:solidFill>
+                            <a:schemeClr val="bg1"/>
+                          </a:solidFill>
+                        </a:rPr>
+                        <a:t>0,0</a:t>
+                      </a:r>
+                      <a:endParaRPr lang="it-CH" sz="2000" b="1" dirty="0">
+                        <a:solidFill>
+                          <a:schemeClr val="bg1"/>
+                        </a:solidFill>
+                      </a:endParaRPr>
+                    </a:p>
+                  </a:txBody>
+                  <a:tcPr anchor="ctr">
+                    <a:solidFill>
+                      <a:schemeClr val="tx1"/>
+                    </a:solidFill>
+                  </a:tcPr>
+                </a:tc>
+                <a:tc>
+                  <a:txBody>
+                    <a:bodyPr/>
+                    <a:lstStyle/>
+                    <a:p>
+                      <a:pPr algn="ctr"/>
+                      <a:r>
+                        <a:rPr lang="en-US" sz="2000" b="1" dirty="0" smtClean="0">
+                          <a:solidFill>
+                            <a:schemeClr val="bg1"/>
+                          </a:solidFill>
+                        </a:rPr>
+                        <a:t>0,1</a:t>
+                      </a:r>
+                      <a:endParaRPr lang="it-CH" sz="2000" b="1" dirty="0">
+                        <a:solidFill>
+                          <a:schemeClr val="bg1"/>
+                        </a:solidFill>
+                      </a:endParaRPr>
+                    </a:p>
+                  </a:txBody>
+                  <a:tcPr anchor="ctr">
+                    <a:solidFill>
+                      <a:schemeClr val="tx1"/>
+                    </a:solidFill>
+                  </a:tcPr>
+                </a:tc>
+                <a:tc>
+                  <a:txBody>
+                    <a:bodyPr/>
+                    <a:lstStyle/>
+                    <a:p>
+                      <a:pPr algn="ctr"/>
+                      <a:r>
+                        <a:rPr lang="en-US" sz="2000" b="1" dirty="0" smtClean="0">
+                          <a:solidFill>
+                            <a:schemeClr val="bg1"/>
+                          </a:solidFill>
+                        </a:rPr>
+                        <a:t>0,2</a:t>
+                      </a:r>
+                      <a:endParaRPr lang="it-CH" sz="2000" b="1" dirty="0">
+                        <a:solidFill>
+                          <a:schemeClr val="bg1"/>
+                        </a:solidFill>
+                      </a:endParaRPr>
+                    </a:p>
+                  </a:txBody>
+                  <a:tcPr anchor="ctr">
+                    <a:solidFill>
+                      <a:schemeClr val="tx1"/>
+                    </a:solidFill>
+                  </a:tcPr>
+                </a:tc>
+                <a:tc>
+                  <a:txBody>
+                    <a:bodyPr/>
+                    <a:lstStyle/>
+                    <a:p>
+                      <a:pPr algn="ctr"/>
+                      <a:r>
+                        <a:rPr lang="en-US" sz="2000" b="1" dirty="0" smtClean="0">
+                          <a:solidFill>
+                            <a:schemeClr val="bg1"/>
+                          </a:solidFill>
+                        </a:rPr>
+                        <a:t>0,3</a:t>
+                      </a:r>
+                      <a:endParaRPr lang="it-CH" sz="2000" b="1" dirty="0">
+                        <a:solidFill>
+                          <a:schemeClr val="bg1"/>
+                        </a:solidFill>
+                      </a:endParaRPr>
+                    </a:p>
+                  </a:txBody>
+                  <a:tcPr anchor="ctr">
+                    <a:solidFill>
+                      <a:schemeClr val="tx1"/>
+                    </a:solidFill>
+                  </a:tcPr>
+                </a:tc>
+                <a:tc>
+                  <a:txBody>
+                    <a:bodyPr/>
+                    <a:lstStyle/>
+                    <a:p>
+                      <a:pPr algn="ctr"/>
+                      <a:r>
+                        <a:rPr lang="en-US" sz="2000" b="1" dirty="0" smtClean="0">
+                          <a:solidFill>
+                            <a:schemeClr val="bg1"/>
+                          </a:solidFill>
+                        </a:rPr>
+                        <a:t>0,4</a:t>
+                      </a:r>
+                      <a:endParaRPr lang="it-CH" sz="2000" b="1" dirty="0">
+                        <a:solidFill>
+                          <a:schemeClr val="bg1"/>
+                        </a:solidFill>
+                      </a:endParaRPr>
+                    </a:p>
+                  </a:txBody>
+                  <a:tcPr anchor="ctr">
+                    <a:solidFill>
+                      <a:schemeClr val="tx1"/>
+                    </a:solidFill>
+                  </a:tcPr>
+                </a:tc>
+                <a:tc>
+                  <a:txBody>
+                    <a:bodyPr/>
+                    <a:lstStyle/>
+                    <a:p>
+                      <a:pPr algn="ctr"/>
+                      <a:r>
+                        <a:rPr lang="en-US" sz="2000" b="1" dirty="0" smtClean="0">
+                          <a:solidFill>
+                            <a:schemeClr val="bg1"/>
+                          </a:solidFill>
+                        </a:rPr>
+                        <a:t>0.5</a:t>
+                      </a:r>
+                      <a:endParaRPr lang="it-CH" sz="2000" b="1" dirty="0">
+                        <a:solidFill>
+                          <a:schemeClr val="bg1"/>
+                        </a:solidFill>
+                      </a:endParaRPr>
+                    </a:p>
+                  </a:txBody>
+                  <a:tcPr anchor="ctr">
+                    <a:solidFill>
+                      <a:schemeClr val="tx1"/>
+                    </a:solidFill>
+                  </a:tcPr>
+                </a:tc>
+                <a:tc>
+                  <a:txBody>
+                    <a:bodyPr/>
+                    <a:lstStyle/>
+                    <a:p>
+                      <a:pPr algn="ctr"/>
+                      <a:r>
+                        <a:rPr lang="en-US" sz="2000" b="1" dirty="0" smtClean="0">
+                          <a:solidFill>
+                            <a:schemeClr val="bg1"/>
+                          </a:solidFill>
+                        </a:rPr>
+                        <a:t>0,6</a:t>
+                      </a:r>
+                      <a:endParaRPr lang="it-CH" sz="2000" b="1" dirty="0">
+                        <a:solidFill>
+                          <a:schemeClr val="bg1"/>
+                        </a:solidFill>
+                      </a:endParaRPr>
+                    </a:p>
+                  </a:txBody>
+                  <a:tcPr anchor="ctr">
+                    <a:solidFill>
+                      <a:schemeClr val="accent2">
+                        <a:lumMod val="75000"/>
+                      </a:schemeClr>
+                    </a:solidFill>
+                  </a:tcPr>
+                </a:tc>
+              </a:tr>
+              <a:tr h="850106">
+                <a:tc>
+                  <a:txBody>
+                    <a:bodyPr/>
+                    <a:lstStyle/>
+                    <a:p>
+                      <a:pPr algn="ctr"/>
+                      <a:r>
+                        <a:rPr lang="en-US" sz="2000" b="1" dirty="0" smtClean="0">
+                          <a:solidFill>
+                            <a:schemeClr val="bg1"/>
+                          </a:solidFill>
+                        </a:rPr>
+                        <a:t>1,-1</a:t>
+                      </a:r>
+                      <a:endParaRPr lang="it-CH" sz="2000" b="1" dirty="0">
+                        <a:solidFill>
+                          <a:schemeClr val="bg1"/>
+                        </a:solidFill>
+                      </a:endParaRPr>
+                    </a:p>
+                  </a:txBody>
+                  <a:tcPr anchor="ctr">
+                    <a:solidFill>
+                      <a:schemeClr val="accent2">
+                        <a:lumMod val="75000"/>
+                      </a:schemeClr>
+                    </a:solidFill>
+                  </a:tcPr>
+                </a:tc>
+                <a:tc>
+                  <a:txBody>
+                    <a:bodyPr/>
+                    <a:lstStyle/>
+                    <a:p>
+                      <a:pPr algn="ctr"/>
+                      <a:r>
+                        <a:rPr lang="en-US" sz="2000" b="1" dirty="0" smtClean="0">
+                          <a:solidFill>
+                            <a:schemeClr val="bg1"/>
+                          </a:solidFill>
+                        </a:rPr>
+                        <a:t>1,0</a:t>
+                      </a:r>
+                      <a:endParaRPr lang="it-CH" sz="2000" b="1" dirty="0">
+                        <a:solidFill>
+                          <a:schemeClr val="bg1"/>
+                        </a:solidFill>
+                      </a:endParaRPr>
+                    </a:p>
+                  </a:txBody>
+                  <a:tcPr anchor="ctr">
+                    <a:solidFill>
+                      <a:schemeClr val="tx1"/>
+                    </a:solidFill>
+                  </a:tcPr>
+                </a:tc>
+                <a:tc>
+                  <a:txBody>
+                    <a:bodyPr/>
+                    <a:lstStyle/>
+                    <a:p>
+                      <a:pPr algn="ctr"/>
+                      <a:r>
+                        <a:rPr lang="en-US" sz="2000" b="1" dirty="0" smtClean="0">
+                          <a:solidFill>
+                            <a:schemeClr val="bg1"/>
+                          </a:solidFill>
+                        </a:rPr>
+                        <a:t>1,1</a:t>
+                      </a:r>
+                      <a:endParaRPr lang="it-CH" sz="2000" b="1" dirty="0">
+                        <a:solidFill>
+                          <a:schemeClr val="bg1"/>
+                        </a:solidFill>
+                      </a:endParaRPr>
+                    </a:p>
+                  </a:txBody>
+                  <a:tcPr anchor="ctr">
+                    <a:solidFill>
+                      <a:schemeClr val="tx1"/>
+                    </a:solidFill>
+                  </a:tcPr>
+                </a:tc>
+                <a:tc>
+                  <a:txBody>
+                    <a:bodyPr/>
+                    <a:lstStyle/>
+                    <a:p>
+                      <a:pPr algn="ctr"/>
+                      <a:r>
+                        <a:rPr lang="en-US" sz="2000" b="1" dirty="0" smtClean="0">
+                          <a:solidFill>
+                            <a:schemeClr val="bg1"/>
+                          </a:solidFill>
+                        </a:rPr>
+                        <a:t>1,2</a:t>
+                      </a:r>
+                      <a:endParaRPr lang="it-CH" sz="2000" b="1" dirty="0">
+                        <a:solidFill>
+                          <a:schemeClr val="bg1"/>
+                        </a:solidFill>
+                      </a:endParaRPr>
+                    </a:p>
+                  </a:txBody>
+                  <a:tcPr anchor="ctr">
+                    <a:solidFill>
+                      <a:schemeClr val="tx1"/>
+                    </a:solidFill>
+                  </a:tcPr>
+                </a:tc>
+                <a:tc>
+                  <a:txBody>
+                    <a:bodyPr/>
+                    <a:lstStyle/>
+                    <a:p>
+                      <a:pPr algn="ctr"/>
+                      <a:r>
+                        <a:rPr lang="en-US" sz="2000" b="1" dirty="0" smtClean="0">
+                          <a:solidFill>
+                            <a:schemeClr val="bg1"/>
+                          </a:solidFill>
+                        </a:rPr>
+                        <a:t>1,3</a:t>
+                      </a:r>
+                      <a:endParaRPr lang="it-CH" sz="2000" b="1" dirty="0">
+                        <a:solidFill>
+                          <a:schemeClr val="bg1"/>
+                        </a:solidFill>
+                      </a:endParaRPr>
+                    </a:p>
+                  </a:txBody>
+                  <a:tcPr anchor="ctr">
+                    <a:solidFill>
+                      <a:schemeClr val="tx1"/>
+                    </a:solidFill>
+                  </a:tcPr>
+                </a:tc>
+                <a:tc>
+                  <a:txBody>
+                    <a:bodyPr/>
+                    <a:lstStyle/>
+                    <a:p>
+                      <a:pPr algn="ctr"/>
+                      <a:r>
+                        <a:rPr lang="en-US" sz="2000" b="1" dirty="0" smtClean="0">
+                          <a:solidFill>
+                            <a:schemeClr val="bg1"/>
+                          </a:solidFill>
+                        </a:rPr>
+                        <a:t>1,4</a:t>
+                      </a:r>
+                      <a:endParaRPr lang="it-CH" sz="2000" b="1" dirty="0">
+                        <a:solidFill>
+                          <a:schemeClr val="bg1"/>
+                        </a:solidFill>
+                      </a:endParaRPr>
+                    </a:p>
+                  </a:txBody>
+                  <a:tcPr anchor="ctr">
+                    <a:solidFill>
+                      <a:schemeClr val="tx1"/>
+                    </a:solidFill>
+                  </a:tcPr>
+                </a:tc>
+                <a:tc>
+                  <a:txBody>
+                    <a:bodyPr/>
+                    <a:lstStyle/>
+                    <a:p>
+                      <a:pPr algn="ctr"/>
+                      <a:r>
+                        <a:rPr lang="en-US" sz="2000" b="1" dirty="0" smtClean="0">
+                          <a:solidFill>
+                            <a:schemeClr val="bg1"/>
+                          </a:solidFill>
+                        </a:rPr>
+                        <a:t>1,5</a:t>
+                      </a:r>
+                      <a:endParaRPr lang="it-CH" sz="2000" b="1" dirty="0">
+                        <a:solidFill>
+                          <a:schemeClr val="bg1"/>
+                        </a:solidFill>
+                      </a:endParaRPr>
+                    </a:p>
+                  </a:txBody>
+                  <a:tcPr anchor="ctr">
+                    <a:solidFill>
+                      <a:schemeClr val="tx1"/>
+                    </a:solidFill>
+                  </a:tcPr>
+                </a:tc>
+                <a:tc>
+                  <a:txBody>
+                    <a:bodyPr/>
+                    <a:lstStyle/>
+                    <a:p>
+                      <a:pPr algn="ctr"/>
+                      <a:r>
+                        <a:rPr lang="en-US" sz="2000" b="1" dirty="0" smtClean="0">
+                          <a:solidFill>
+                            <a:schemeClr val="bg1"/>
+                          </a:solidFill>
+                        </a:rPr>
+                        <a:t>1,6</a:t>
+                      </a:r>
+                      <a:endParaRPr lang="it-CH" sz="2000" b="1" dirty="0">
+                        <a:solidFill>
+                          <a:schemeClr val="bg1"/>
+                        </a:solidFill>
+                      </a:endParaRPr>
+                    </a:p>
+                  </a:txBody>
+                  <a:tcPr anchor="ctr">
+                    <a:solidFill>
+                      <a:schemeClr val="accent2">
+                        <a:lumMod val="75000"/>
+                      </a:schemeClr>
+                    </a:solidFill>
+                  </a:tcPr>
+                </a:tc>
+              </a:tr>
+              <a:tr h="850106">
+                <a:tc>
+                  <a:txBody>
+                    <a:bodyPr/>
+                    <a:lstStyle/>
+                    <a:p>
+                      <a:pPr algn="ctr"/>
+                      <a:r>
+                        <a:rPr lang="en-US" sz="2000" b="1" dirty="0" smtClean="0">
+                          <a:solidFill>
+                            <a:schemeClr val="bg1"/>
+                          </a:solidFill>
+                        </a:rPr>
+                        <a:t>2,-1</a:t>
+                      </a:r>
+                      <a:endParaRPr lang="it-CH" sz="2000" b="1" dirty="0">
+                        <a:solidFill>
+                          <a:schemeClr val="bg1"/>
+                        </a:solidFill>
+                      </a:endParaRPr>
+                    </a:p>
+                  </a:txBody>
+                  <a:tcPr anchor="ctr">
+                    <a:solidFill>
+                      <a:schemeClr val="accent2">
+                        <a:lumMod val="75000"/>
+                      </a:schemeClr>
+                    </a:solidFill>
+                  </a:tcPr>
+                </a:tc>
+                <a:tc>
+                  <a:txBody>
+                    <a:bodyPr/>
+                    <a:lstStyle/>
+                    <a:p>
+                      <a:pPr algn="ctr"/>
+                      <a:r>
+                        <a:rPr lang="en-US" sz="2000" b="1" dirty="0" smtClean="0">
+                          <a:solidFill>
+                            <a:schemeClr val="bg1"/>
+                          </a:solidFill>
+                        </a:rPr>
+                        <a:t>2,0</a:t>
+                      </a:r>
+                      <a:endParaRPr lang="it-CH" sz="2000" b="1" dirty="0">
+                        <a:solidFill>
+                          <a:schemeClr val="bg1"/>
+                        </a:solidFill>
+                      </a:endParaRPr>
+                    </a:p>
+                  </a:txBody>
+                  <a:tcPr anchor="ctr">
+                    <a:solidFill>
+                      <a:schemeClr val="accent2">
+                        <a:lumMod val="75000"/>
+                      </a:schemeClr>
+                    </a:solidFill>
+                  </a:tcPr>
+                </a:tc>
+                <a:tc>
+                  <a:txBody>
+                    <a:bodyPr/>
+                    <a:lstStyle/>
+                    <a:p>
+                      <a:pPr algn="ctr"/>
+                      <a:r>
+                        <a:rPr lang="en-US" sz="2000" b="1" dirty="0" smtClean="0">
+                          <a:solidFill>
+                            <a:schemeClr val="bg1"/>
+                          </a:solidFill>
+                        </a:rPr>
+                        <a:t>2,1</a:t>
+                      </a:r>
+                      <a:endParaRPr lang="it-CH" sz="2000" b="1" dirty="0">
+                        <a:solidFill>
+                          <a:schemeClr val="bg1"/>
+                        </a:solidFill>
+                      </a:endParaRPr>
+                    </a:p>
+                  </a:txBody>
+                  <a:tcPr anchor="ctr">
+                    <a:solidFill>
+                      <a:schemeClr val="accent2">
+                        <a:lumMod val="75000"/>
+                      </a:schemeClr>
+                    </a:solidFill>
+                  </a:tcPr>
+                </a:tc>
+                <a:tc>
+                  <a:txBody>
+                    <a:bodyPr/>
+                    <a:lstStyle/>
+                    <a:p>
+                      <a:pPr algn="ctr"/>
+                      <a:r>
+                        <a:rPr lang="en-US" sz="2000" b="1" dirty="0" smtClean="0">
+                          <a:solidFill>
+                            <a:schemeClr val="bg1"/>
+                          </a:solidFill>
+                        </a:rPr>
+                        <a:t>2,2</a:t>
+                      </a:r>
+                      <a:endParaRPr lang="it-CH" sz="2000" b="1" dirty="0">
+                        <a:solidFill>
+                          <a:schemeClr val="bg1"/>
+                        </a:solidFill>
+                      </a:endParaRPr>
+                    </a:p>
+                  </a:txBody>
+                  <a:tcPr anchor="ctr">
+                    <a:solidFill>
+                      <a:schemeClr val="accent2">
+                        <a:lumMod val="75000"/>
+                      </a:schemeClr>
+                    </a:solidFill>
+                  </a:tcPr>
+                </a:tc>
+                <a:tc>
+                  <a:txBody>
+                    <a:bodyPr/>
+                    <a:lstStyle/>
+                    <a:p>
+                      <a:pPr algn="ctr"/>
+                      <a:r>
+                        <a:rPr lang="en-US" sz="2000" b="1" dirty="0" smtClean="0">
+                          <a:solidFill>
+                            <a:schemeClr val="bg1"/>
+                          </a:solidFill>
+                        </a:rPr>
+                        <a:t>2,3</a:t>
+                      </a:r>
+                      <a:endParaRPr lang="it-CH" sz="2000" b="1" dirty="0">
+                        <a:solidFill>
+                          <a:schemeClr val="bg1"/>
+                        </a:solidFill>
+                      </a:endParaRPr>
+                    </a:p>
+                  </a:txBody>
+                  <a:tcPr anchor="ctr">
+                    <a:solidFill>
+                      <a:schemeClr val="accent2">
+                        <a:lumMod val="75000"/>
+                      </a:schemeClr>
+                    </a:solidFill>
+                  </a:tcPr>
+                </a:tc>
+                <a:tc>
+                  <a:txBody>
+                    <a:bodyPr/>
+                    <a:lstStyle/>
+                    <a:p>
+                      <a:pPr algn="ctr"/>
+                      <a:r>
+                        <a:rPr lang="en-US" sz="2000" b="1" dirty="0" smtClean="0">
+                          <a:solidFill>
+                            <a:schemeClr val="bg1"/>
+                          </a:solidFill>
+                        </a:rPr>
+                        <a:t>2,4</a:t>
+                      </a:r>
+                      <a:endParaRPr lang="it-CH" sz="2000" b="1" dirty="0">
+                        <a:solidFill>
+                          <a:schemeClr val="bg1"/>
+                        </a:solidFill>
+                      </a:endParaRPr>
+                    </a:p>
+                  </a:txBody>
+                  <a:tcPr anchor="ctr">
+                    <a:solidFill>
+                      <a:schemeClr val="accent2">
+                        <a:lumMod val="75000"/>
+                      </a:schemeClr>
+                    </a:solidFill>
+                  </a:tcPr>
+                </a:tc>
+                <a:tc>
+                  <a:txBody>
+                    <a:bodyPr/>
+                    <a:lstStyle/>
+                    <a:p>
+                      <a:pPr algn="ctr"/>
+                      <a:r>
+                        <a:rPr lang="en-US" sz="2000" b="1" dirty="0" smtClean="0">
+                          <a:solidFill>
+                            <a:schemeClr val="bg1"/>
+                          </a:solidFill>
+                        </a:rPr>
+                        <a:t>2,5</a:t>
+                      </a:r>
+                      <a:endParaRPr lang="it-CH" sz="2000" b="1" dirty="0">
+                        <a:solidFill>
+                          <a:schemeClr val="bg1"/>
+                        </a:solidFill>
+                      </a:endParaRPr>
+                    </a:p>
+                  </a:txBody>
+                  <a:tcPr anchor="ctr">
+                    <a:solidFill>
+                      <a:schemeClr val="accent2">
+                        <a:lumMod val="75000"/>
+                      </a:schemeClr>
+                    </a:solidFill>
+                  </a:tcPr>
+                </a:tc>
+                <a:tc>
+                  <a:txBody>
+                    <a:bodyPr/>
+                    <a:lstStyle/>
+                    <a:p>
+                      <a:pPr algn="ctr"/>
+                      <a:r>
+                        <a:rPr lang="en-US" sz="2000" b="1" dirty="0" smtClean="0">
+                          <a:solidFill>
+                            <a:schemeClr val="bg1"/>
+                          </a:solidFill>
+                        </a:rPr>
+                        <a:t>2,6</a:t>
+                      </a:r>
+                      <a:endParaRPr lang="it-CH" sz="2000" b="1" dirty="0">
+                        <a:solidFill>
+                          <a:schemeClr val="bg1"/>
+                        </a:solidFill>
+                      </a:endParaRPr>
+                    </a:p>
+                  </a:txBody>
+                  <a:tcPr anchor="ctr">
+                    <a:solidFill>
+                      <a:schemeClr val="accent2">
+                        <a:lumMod val="75000"/>
+                      </a:schemeClr>
+                    </a:solidFill>
+                  </a:tcPr>
+                </a:tc>
+              </a:tr>
+            </a:tbl>
+          </a:graphicData>
+        </a:graphic>
+      </p:graphicFrame>
+      <p:grpSp>
+        <p:nvGrpSpPr>
+          <p:cNvPr id="106" name="Group 105"/>
+          <p:cNvGrpSpPr/>
+          <p:nvPr/>
+        </p:nvGrpSpPr>
+        <p:grpSpPr>
+          <a:xfrm>
+            <a:off x="8791132" y="188640"/>
+            <a:ext cx="6256762" cy="6357074"/>
+            <a:chOff x="8791132" y="188640"/>
+            <a:chExt cx="6256762" cy="6357074"/>
+          </a:xfrm>
+        </p:grpSpPr>
+        <p:grpSp>
+          <p:nvGrpSpPr>
+            <p:cNvPr id="4" name="Group 3"/>
+            <p:cNvGrpSpPr/>
+            <p:nvPr/>
+          </p:nvGrpSpPr>
+          <p:grpSpPr>
+            <a:xfrm>
+              <a:off x="13531709" y="4412482"/>
+              <a:ext cx="1032015" cy="1065718"/>
+              <a:chOff x="8235903" y="4088105"/>
+              <a:chExt cx="576064" cy="576064"/>
+            </a:xfrm>
+            <a:solidFill>
+              <a:schemeClr val="accent2">
+                <a:lumMod val="75000"/>
+              </a:schemeClr>
+            </a:solidFill>
+          </p:grpSpPr>
+          <p:sp>
+            <p:nvSpPr>
+              <p:cNvPr id="77" name="Isosceles Triangle 76"/>
+              <p:cNvSpPr/>
+              <p:nvPr/>
+            </p:nvSpPr>
+            <p:spPr>
+              <a:xfrm>
+                <a:off x="8235903" y="4088105"/>
+                <a:ext cx="576064" cy="576064"/>
+              </a:xfrm>
+              <a:prstGeom prst="triangle">
+                <a:avLst/>
+              </a:prstGeom>
+              <a:grpFill/>
+              <a:ln>
+                <a:solidFill>
+                  <a:schemeClr val="bg1"/>
+                </a:solidFill>
+              </a:ln>
+            </p:spPr>
+            <p:style>
+              <a:lnRef idx="2">
+                <a:schemeClr val="accent1">
+                  <a:shade val="50000"/>
+                </a:schemeClr>
+              </a:lnRef>
+              <a:fillRef idx="1">
+                <a:schemeClr val="accent1"/>
+              </a:fillRef>
+              <a:effectRef idx="0">
+                <a:schemeClr val="accent1"/>
+              </a:effectRef>
+              <a:fontRef idx="minor">
+                <a:schemeClr val="lt1"/>
+              </a:fontRef>
+            </p:style>
+            <p:txBody>
+              <a:bodyPr rtlCol="0" anchor="ctr"/>
+              <a:lstStyle/>
+              <a:p>
+                <a:pPr algn="ctr"/>
+                <a:endParaRPr lang="it-CH"/>
+              </a:p>
+            </p:txBody>
+          </p:sp>
+          <p:sp>
+            <p:nvSpPr>
+              <p:cNvPr id="78" name="TextBox 77"/>
+              <p:cNvSpPr txBox="1"/>
+              <p:nvPr/>
+            </p:nvSpPr>
+            <p:spPr>
+              <a:xfrm>
+                <a:off x="8382146" y="4369362"/>
+                <a:ext cx="284721" cy="216276"/>
+              </a:xfrm>
+              <a:prstGeom prst="rect">
+                <a:avLst/>
+              </a:prstGeom>
+              <a:noFill/>
+            </p:spPr>
+            <p:txBody>
+              <a:bodyPr wrap="none" rtlCol="0">
+                <a:spAutoFit/>
+              </a:bodyPr>
+              <a:lstStyle/>
+              <a:p>
+                <a:r>
+                  <a:rPr lang="en-US" sz="2000" b="1" dirty="0" smtClean="0">
+                    <a:solidFill>
+                      <a:schemeClr val="bg1"/>
+                    </a:solidFill>
+                  </a:rPr>
+                  <a:t>2,6</a:t>
+                </a:r>
+                <a:endParaRPr lang="it-CH" sz="2000" b="1" dirty="0">
+                  <a:solidFill>
+                    <a:schemeClr val="bg1"/>
+                  </a:solidFill>
+                </a:endParaRPr>
+              </a:p>
+            </p:txBody>
+          </p:sp>
+        </p:grpSp>
+        <p:grpSp>
+          <p:nvGrpSpPr>
+            <p:cNvPr id="5" name="Group 4"/>
+            <p:cNvGrpSpPr/>
+            <p:nvPr/>
+          </p:nvGrpSpPr>
+          <p:grpSpPr>
+            <a:xfrm>
+              <a:off x="12466685" y="4432895"/>
+              <a:ext cx="1032015" cy="1065718"/>
+              <a:chOff x="7659839" y="4088105"/>
+              <a:chExt cx="576064" cy="576064"/>
+            </a:xfrm>
+          </p:grpSpPr>
+          <p:sp>
+            <p:nvSpPr>
+              <p:cNvPr id="75" name="Isosceles Triangle 74"/>
+              <p:cNvSpPr/>
+              <p:nvPr/>
+            </p:nvSpPr>
+            <p:spPr>
+              <a:xfrm>
+                <a:off x="7659839" y="4088105"/>
+                <a:ext cx="576064" cy="576064"/>
+              </a:xfrm>
+              <a:prstGeom prst="triangle">
+                <a:avLst/>
+              </a:prstGeom>
+              <a:solidFill>
+                <a:schemeClr val="tx1"/>
+              </a:solidFill>
+              <a:ln>
+                <a:solidFill>
+                  <a:schemeClr val="bg1"/>
+                </a:solidFill>
+              </a:ln>
+            </p:spPr>
+            <p:style>
+              <a:lnRef idx="2">
+                <a:schemeClr val="accent1">
+                  <a:shade val="50000"/>
+                </a:schemeClr>
+              </a:lnRef>
+              <a:fillRef idx="1">
+                <a:schemeClr val="accent1"/>
+              </a:fillRef>
+              <a:effectRef idx="0">
+                <a:schemeClr val="accent1"/>
+              </a:effectRef>
+              <a:fontRef idx="minor">
+                <a:schemeClr val="lt1"/>
+              </a:fontRef>
+            </p:style>
+            <p:txBody>
+              <a:bodyPr rtlCol="0" anchor="ctr"/>
+              <a:lstStyle/>
+              <a:p>
+                <a:pPr algn="ctr"/>
+                <a:endParaRPr lang="it-CH"/>
+              </a:p>
+            </p:txBody>
+          </p:sp>
+          <p:sp>
+            <p:nvSpPr>
+              <p:cNvPr id="76" name="TextBox 75"/>
+              <p:cNvSpPr txBox="1"/>
+              <p:nvPr/>
+            </p:nvSpPr>
+            <p:spPr>
+              <a:xfrm>
+                <a:off x="7804549" y="4356519"/>
+                <a:ext cx="284721" cy="216276"/>
+              </a:xfrm>
+              <a:prstGeom prst="rect">
+                <a:avLst/>
+              </a:prstGeom>
+              <a:noFill/>
+            </p:spPr>
+            <p:txBody>
+              <a:bodyPr wrap="none" rtlCol="0">
+                <a:spAutoFit/>
+              </a:bodyPr>
+              <a:lstStyle/>
+              <a:p>
+                <a:r>
+                  <a:rPr lang="en-US" sz="2000" b="1" dirty="0" smtClean="0">
+                    <a:solidFill>
+                      <a:schemeClr val="bg1"/>
+                    </a:solidFill>
+                  </a:rPr>
+                  <a:t>2,4</a:t>
+                </a:r>
+                <a:endParaRPr lang="it-CH" sz="2000" b="1" dirty="0">
+                  <a:solidFill>
+                    <a:schemeClr val="bg1"/>
+                  </a:solidFill>
+                </a:endParaRPr>
+              </a:p>
+            </p:txBody>
+          </p:sp>
+        </p:grpSp>
+        <p:grpSp>
+          <p:nvGrpSpPr>
+            <p:cNvPr id="6" name="Group 5"/>
+            <p:cNvGrpSpPr/>
+            <p:nvPr/>
+          </p:nvGrpSpPr>
+          <p:grpSpPr>
+            <a:xfrm>
+              <a:off x="12983864" y="3385793"/>
+              <a:ext cx="1032015" cy="1065718"/>
+              <a:chOff x="7083775" y="4088105"/>
+              <a:chExt cx="576064" cy="576064"/>
+            </a:xfrm>
+            <a:solidFill>
+              <a:schemeClr val="accent2">
+                <a:lumMod val="75000"/>
+              </a:schemeClr>
+            </a:solidFill>
+          </p:grpSpPr>
+          <p:sp>
+            <p:nvSpPr>
+              <p:cNvPr id="73" name="Isosceles Triangle 72"/>
+              <p:cNvSpPr/>
+              <p:nvPr/>
+            </p:nvSpPr>
+            <p:spPr>
+              <a:xfrm>
+                <a:off x="7083775" y="4088105"/>
+                <a:ext cx="576064" cy="576064"/>
+              </a:xfrm>
+              <a:prstGeom prst="triangle">
+                <a:avLst/>
+              </a:prstGeom>
+              <a:grpFill/>
+              <a:ln>
+                <a:solidFill>
+                  <a:schemeClr val="bg1"/>
+                </a:solidFill>
+              </a:ln>
+            </p:spPr>
+            <p:style>
+              <a:lnRef idx="2">
+                <a:schemeClr val="accent1">
+                  <a:shade val="50000"/>
+                </a:schemeClr>
+              </a:lnRef>
+              <a:fillRef idx="1">
+                <a:schemeClr val="accent1"/>
+              </a:fillRef>
+              <a:effectRef idx="0">
+                <a:schemeClr val="accent1"/>
+              </a:effectRef>
+              <a:fontRef idx="minor">
+                <a:schemeClr val="lt1"/>
+              </a:fontRef>
+            </p:style>
+            <p:txBody>
+              <a:bodyPr rtlCol="0" anchor="ctr"/>
+              <a:lstStyle/>
+              <a:p>
+                <a:pPr algn="ctr"/>
+                <a:endParaRPr lang="it-CH"/>
+              </a:p>
+            </p:txBody>
+          </p:sp>
+          <p:sp>
+            <p:nvSpPr>
+              <p:cNvPr id="74" name="TextBox 73"/>
+              <p:cNvSpPr txBox="1"/>
+              <p:nvPr/>
+            </p:nvSpPr>
+            <p:spPr>
+              <a:xfrm>
+                <a:off x="7236986" y="4359300"/>
+                <a:ext cx="284721" cy="216276"/>
+              </a:xfrm>
+              <a:prstGeom prst="rect">
+                <a:avLst/>
+              </a:prstGeom>
+              <a:noFill/>
+            </p:spPr>
+            <p:txBody>
+              <a:bodyPr wrap="none" rtlCol="0">
+                <a:spAutoFit/>
+              </a:bodyPr>
+              <a:lstStyle/>
+              <a:p>
+                <a:r>
+                  <a:rPr lang="en-US" sz="2000" b="1" dirty="0" smtClean="0">
+                    <a:solidFill>
+                      <a:schemeClr val="bg1"/>
+                    </a:solidFill>
+                  </a:rPr>
+                  <a:t>1,4</a:t>
+                </a:r>
+                <a:endParaRPr lang="it-CH" sz="2000" b="1" dirty="0">
+                  <a:solidFill>
+                    <a:schemeClr val="bg1"/>
+                  </a:solidFill>
+                </a:endParaRPr>
+              </a:p>
+            </p:txBody>
+          </p:sp>
+        </p:grpSp>
+        <p:grpSp>
+          <p:nvGrpSpPr>
+            <p:cNvPr id="7" name="Group 6"/>
+            <p:cNvGrpSpPr/>
+            <p:nvPr/>
+          </p:nvGrpSpPr>
+          <p:grpSpPr>
+            <a:xfrm>
+              <a:off x="11951849" y="3385793"/>
+              <a:ext cx="1032015" cy="1065718"/>
+              <a:chOff x="6507711" y="4088105"/>
+              <a:chExt cx="576064" cy="576064"/>
+            </a:xfrm>
+          </p:grpSpPr>
+          <p:sp>
+            <p:nvSpPr>
+              <p:cNvPr id="71" name="Isosceles Triangle 70"/>
+              <p:cNvSpPr/>
+              <p:nvPr/>
+            </p:nvSpPr>
+            <p:spPr>
+              <a:xfrm>
+                <a:off x="6507711" y="4088105"/>
+                <a:ext cx="576064" cy="576064"/>
+              </a:xfrm>
+              <a:prstGeom prst="triangle">
+                <a:avLst/>
+              </a:prstGeom>
+              <a:solidFill>
+                <a:schemeClr val="tx1"/>
+              </a:solidFill>
+              <a:ln>
+                <a:solidFill>
+                  <a:schemeClr val="bg1"/>
+                </a:solidFill>
+              </a:ln>
+            </p:spPr>
+            <p:style>
+              <a:lnRef idx="2">
+                <a:schemeClr val="accent1">
+                  <a:shade val="50000"/>
+                </a:schemeClr>
+              </a:lnRef>
+              <a:fillRef idx="1">
+                <a:schemeClr val="accent1"/>
+              </a:fillRef>
+              <a:effectRef idx="0">
+                <a:schemeClr val="accent1"/>
+              </a:effectRef>
+              <a:fontRef idx="minor">
+                <a:schemeClr val="lt1"/>
+              </a:fontRef>
+            </p:style>
+            <p:txBody>
+              <a:bodyPr rtlCol="0" anchor="ctr"/>
+              <a:lstStyle/>
+              <a:p>
+                <a:pPr algn="ctr"/>
+                <a:endParaRPr lang="it-CH"/>
+              </a:p>
+            </p:txBody>
+          </p:sp>
+          <p:sp>
+            <p:nvSpPr>
+              <p:cNvPr id="72" name="TextBox 71"/>
+              <p:cNvSpPr txBox="1"/>
+              <p:nvPr/>
+            </p:nvSpPr>
+            <p:spPr>
+              <a:xfrm>
+                <a:off x="6639228" y="4359299"/>
+                <a:ext cx="284721" cy="216276"/>
+              </a:xfrm>
+              <a:prstGeom prst="rect">
+                <a:avLst/>
+              </a:prstGeom>
+              <a:noFill/>
+            </p:spPr>
+            <p:txBody>
+              <a:bodyPr wrap="none" rtlCol="0">
+                <a:spAutoFit/>
+              </a:bodyPr>
+              <a:lstStyle/>
+              <a:p>
+                <a:r>
+                  <a:rPr lang="en-US" sz="2000" b="1" dirty="0" smtClean="0">
+                    <a:solidFill>
+                      <a:schemeClr val="bg1"/>
+                    </a:solidFill>
+                  </a:rPr>
+                  <a:t>1,2</a:t>
+                </a:r>
+                <a:endParaRPr lang="it-CH" sz="2000" b="1" dirty="0">
+                  <a:solidFill>
+                    <a:schemeClr val="bg1"/>
+                  </a:solidFill>
+                </a:endParaRPr>
+              </a:p>
+            </p:txBody>
+          </p:sp>
+        </p:grpSp>
+        <p:grpSp>
+          <p:nvGrpSpPr>
+            <p:cNvPr id="8" name="Group 7"/>
+            <p:cNvGrpSpPr/>
+            <p:nvPr/>
+          </p:nvGrpSpPr>
+          <p:grpSpPr>
+            <a:xfrm>
+              <a:off x="9823149" y="4399948"/>
+              <a:ext cx="1032015" cy="1065718"/>
+              <a:chOff x="7371808" y="4088104"/>
+              <a:chExt cx="576064" cy="576064"/>
+            </a:xfrm>
+            <a:solidFill>
+              <a:schemeClr val="accent2">
+                <a:lumMod val="75000"/>
+              </a:schemeClr>
+            </a:solidFill>
+          </p:grpSpPr>
+          <p:sp>
+            <p:nvSpPr>
+              <p:cNvPr id="69" name="Isosceles Triangle 68"/>
+              <p:cNvSpPr/>
+              <p:nvPr/>
+            </p:nvSpPr>
+            <p:spPr>
+              <a:xfrm rot="10800000">
+                <a:off x="7371808" y="4088104"/>
+                <a:ext cx="576064" cy="576064"/>
+              </a:xfrm>
+              <a:prstGeom prst="triangle">
+                <a:avLst/>
+              </a:prstGeom>
+              <a:grpFill/>
+              <a:ln>
+                <a:solidFill>
+                  <a:schemeClr val="bg1"/>
+                </a:solidFill>
+              </a:ln>
+            </p:spPr>
+            <p:style>
+              <a:lnRef idx="2">
+                <a:schemeClr val="accent1">
+                  <a:shade val="50000"/>
+                </a:schemeClr>
+              </a:lnRef>
+              <a:fillRef idx="1">
+                <a:schemeClr val="accent1"/>
+              </a:fillRef>
+              <a:effectRef idx="0">
+                <a:schemeClr val="accent1"/>
+              </a:effectRef>
+              <a:fontRef idx="minor">
+                <a:schemeClr val="lt1"/>
+              </a:fontRef>
+            </p:style>
+            <p:txBody>
+              <a:bodyPr rtlCol="0" anchor="ctr"/>
+              <a:lstStyle/>
+              <a:p>
+                <a:pPr algn="ctr"/>
+                <a:endParaRPr lang="it-CH"/>
+              </a:p>
+            </p:txBody>
+          </p:sp>
+          <p:sp>
+            <p:nvSpPr>
+              <p:cNvPr id="70" name="TextBox 69"/>
+              <p:cNvSpPr txBox="1"/>
+              <p:nvPr/>
+            </p:nvSpPr>
+            <p:spPr>
+              <a:xfrm>
+                <a:off x="7497845" y="4160112"/>
+                <a:ext cx="328565" cy="216276"/>
+              </a:xfrm>
+              <a:prstGeom prst="rect">
+                <a:avLst/>
+              </a:prstGeom>
+              <a:grpFill/>
+            </p:spPr>
+            <p:txBody>
+              <a:bodyPr wrap="none" rtlCol="0">
+                <a:spAutoFit/>
+              </a:bodyPr>
+              <a:lstStyle/>
+              <a:p>
+                <a:r>
+                  <a:rPr lang="en-US" sz="2000" b="1" dirty="0" smtClean="0">
+                    <a:solidFill>
+                      <a:schemeClr val="bg1"/>
+                    </a:solidFill>
+                  </a:rPr>
+                  <a:t>2,-1</a:t>
+                </a:r>
+                <a:endParaRPr lang="it-CH" sz="2000" b="1" dirty="0">
+                  <a:solidFill>
+                    <a:schemeClr val="bg1"/>
+                  </a:solidFill>
+                </a:endParaRPr>
+              </a:p>
+            </p:txBody>
+          </p:sp>
+        </p:grpSp>
+        <p:grpSp>
+          <p:nvGrpSpPr>
+            <p:cNvPr id="9" name="Group 8"/>
+            <p:cNvGrpSpPr/>
+            <p:nvPr/>
+          </p:nvGrpSpPr>
+          <p:grpSpPr>
+            <a:xfrm>
+              <a:off x="12467858" y="3385792"/>
+              <a:ext cx="1032015" cy="1065718"/>
+              <a:chOff x="6795744" y="4088104"/>
+              <a:chExt cx="576064" cy="576064"/>
+            </a:xfrm>
+            <a:solidFill>
+              <a:schemeClr val="accent2">
+                <a:lumMod val="75000"/>
+              </a:schemeClr>
+            </a:solidFill>
+          </p:grpSpPr>
+          <p:sp>
+            <p:nvSpPr>
+              <p:cNvPr id="67" name="Isosceles Triangle 66"/>
+              <p:cNvSpPr/>
+              <p:nvPr/>
+            </p:nvSpPr>
+            <p:spPr>
+              <a:xfrm rot="10800000">
+                <a:off x="6795744" y="4088104"/>
+                <a:ext cx="576064" cy="576064"/>
+              </a:xfrm>
+              <a:prstGeom prst="triangle">
+                <a:avLst/>
+              </a:prstGeom>
+              <a:grpFill/>
+              <a:ln>
+                <a:solidFill>
+                  <a:schemeClr val="bg1"/>
+                </a:solidFill>
+              </a:ln>
+            </p:spPr>
+            <p:style>
+              <a:lnRef idx="2">
+                <a:schemeClr val="accent1">
+                  <a:shade val="50000"/>
+                </a:schemeClr>
+              </a:lnRef>
+              <a:fillRef idx="1">
+                <a:schemeClr val="accent1"/>
+              </a:fillRef>
+              <a:effectRef idx="0">
+                <a:schemeClr val="accent1"/>
+              </a:effectRef>
+              <a:fontRef idx="minor">
+                <a:schemeClr val="lt1"/>
+              </a:fontRef>
+            </p:style>
+            <p:txBody>
+              <a:bodyPr rtlCol="0" anchor="ctr"/>
+              <a:lstStyle/>
+              <a:p>
+                <a:pPr algn="ctr"/>
+                <a:endParaRPr lang="it-CH"/>
+              </a:p>
+            </p:txBody>
+          </p:sp>
+          <p:sp>
+            <p:nvSpPr>
+              <p:cNvPr id="68" name="TextBox 67"/>
+              <p:cNvSpPr txBox="1"/>
+              <p:nvPr/>
+            </p:nvSpPr>
+            <p:spPr>
+              <a:xfrm>
+                <a:off x="6921781" y="4160112"/>
+                <a:ext cx="284721" cy="216276"/>
+              </a:xfrm>
+              <a:prstGeom prst="rect">
+                <a:avLst/>
+              </a:prstGeom>
+              <a:noFill/>
+            </p:spPr>
+            <p:txBody>
+              <a:bodyPr wrap="none" rtlCol="0">
+                <a:spAutoFit/>
+              </a:bodyPr>
+              <a:lstStyle/>
+              <a:p>
+                <a:r>
+                  <a:rPr lang="en-US" sz="2000" b="1" dirty="0" smtClean="0">
+                    <a:solidFill>
+                      <a:schemeClr val="bg1"/>
+                    </a:solidFill>
+                  </a:rPr>
+                  <a:t>1,3</a:t>
+                </a:r>
+                <a:endParaRPr lang="it-CH" sz="2000" b="1" dirty="0">
+                  <a:solidFill>
+                    <a:schemeClr val="bg1"/>
+                  </a:solidFill>
+                </a:endParaRPr>
+              </a:p>
+            </p:txBody>
+          </p:sp>
+        </p:grpSp>
+        <p:grpSp>
+          <p:nvGrpSpPr>
+            <p:cNvPr id="10" name="Group 9"/>
+            <p:cNvGrpSpPr/>
+            <p:nvPr/>
+          </p:nvGrpSpPr>
+          <p:grpSpPr>
+            <a:xfrm>
+              <a:off x="11435844" y="3385792"/>
+              <a:ext cx="1032015" cy="1065718"/>
+              <a:chOff x="6219680" y="4088104"/>
+              <a:chExt cx="576064" cy="576064"/>
+            </a:xfrm>
+          </p:grpSpPr>
+          <p:sp>
+            <p:nvSpPr>
+              <p:cNvPr id="65" name="Isosceles Triangle 64"/>
+              <p:cNvSpPr/>
+              <p:nvPr/>
+            </p:nvSpPr>
+            <p:spPr>
+              <a:xfrm rot="10800000">
+                <a:off x="6219680" y="4088104"/>
+                <a:ext cx="576064" cy="576064"/>
+              </a:xfrm>
+              <a:prstGeom prst="triangle">
+                <a:avLst/>
+              </a:prstGeom>
+              <a:solidFill>
+                <a:schemeClr val="tx1"/>
+              </a:solidFill>
+              <a:ln>
+                <a:solidFill>
+                  <a:schemeClr val="bg1"/>
+                </a:solidFill>
+              </a:ln>
+            </p:spPr>
+            <p:style>
+              <a:lnRef idx="2">
+                <a:schemeClr val="accent1">
+                  <a:shade val="50000"/>
+                </a:schemeClr>
+              </a:lnRef>
+              <a:fillRef idx="1">
+                <a:schemeClr val="accent1"/>
+              </a:fillRef>
+              <a:effectRef idx="0">
+                <a:schemeClr val="accent1"/>
+              </a:effectRef>
+              <a:fontRef idx="minor">
+                <a:schemeClr val="lt1"/>
+              </a:fontRef>
+            </p:style>
+            <p:txBody>
+              <a:bodyPr rtlCol="0" anchor="ctr"/>
+              <a:lstStyle/>
+              <a:p>
+                <a:pPr algn="ctr"/>
+                <a:endParaRPr lang="it-CH"/>
+              </a:p>
+            </p:txBody>
+          </p:sp>
+          <p:sp>
+            <p:nvSpPr>
+              <p:cNvPr id="66" name="TextBox 65"/>
+              <p:cNvSpPr txBox="1"/>
+              <p:nvPr/>
+            </p:nvSpPr>
+            <p:spPr>
+              <a:xfrm>
+                <a:off x="6345717" y="4171145"/>
+                <a:ext cx="284721" cy="216276"/>
+              </a:xfrm>
+              <a:prstGeom prst="rect">
+                <a:avLst/>
+              </a:prstGeom>
+              <a:noFill/>
+            </p:spPr>
+            <p:txBody>
+              <a:bodyPr wrap="none" rtlCol="0">
+                <a:spAutoFit/>
+              </a:bodyPr>
+              <a:lstStyle/>
+              <a:p>
+                <a:r>
+                  <a:rPr lang="en-US" sz="2000" b="1" dirty="0" smtClean="0">
+                    <a:solidFill>
+                      <a:schemeClr val="bg1"/>
+                    </a:solidFill>
+                  </a:rPr>
+                  <a:t>1,1</a:t>
+                </a:r>
+                <a:endParaRPr lang="it-CH" sz="2000" b="1" dirty="0">
+                  <a:solidFill>
+                    <a:schemeClr val="bg1"/>
+                  </a:solidFill>
+                </a:endParaRPr>
+              </a:p>
+            </p:txBody>
+          </p:sp>
+        </p:grpSp>
+        <p:grpSp>
+          <p:nvGrpSpPr>
+            <p:cNvPr id="11" name="Group 10"/>
+            <p:cNvGrpSpPr/>
+            <p:nvPr/>
+          </p:nvGrpSpPr>
+          <p:grpSpPr>
+            <a:xfrm>
+              <a:off x="11434670" y="4412482"/>
+              <a:ext cx="1032015" cy="1065718"/>
+              <a:chOff x="7947871" y="3512041"/>
+              <a:chExt cx="576064" cy="576064"/>
+            </a:xfrm>
+          </p:grpSpPr>
+          <p:sp>
+            <p:nvSpPr>
+              <p:cNvPr id="63" name="Isosceles Triangle 62"/>
+              <p:cNvSpPr/>
+              <p:nvPr/>
+            </p:nvSpPr>
+            <p:spPr>
+              <a:xfrm>
+                <a:off x="7947871" y="3512041"/>
+                <a:ext cx="576064" cy="576064"/>
+              </a:xfrm>
+              <a:prstGeom prst="triangle">
+                <a:avLst/>
+              </a:prstGeom>
+              <a:solidFill>
+                <a:schemeClr val="tx1"/>
+              </a:solidFill>
+              <a:ln>
+                <a:solidFill>
+                  <a:schemeClr val="bg1"/>
+                </a:solidFill>
+              </a:ln>
+            </p:spPr>
+            <p:style>
+              <a:lnRef idx="2">
+                <a:schemeClr val="accent1">
+                  <a:shade val="50000"/>
+                </a:schemeClr>
+              </a:lnRef>
+              <a:fillRef idx="1">
+                <a:schemeClr val="accent1"/>
+              </a:fillRef>
+              <a:effectRef idx="0">
+                <a:schemeClr val="accent1"/>
+              </a:effectRef>
+              <a:fontRef idx="minor">
+                <a:schemeClr val="lt1"/>
+              </a:fontRef>
+            </p:style>
+            <p:txBody>
+              <a:bodyPr rtlCol="0" anchor="ctr"/>
+              <a:lstStyle/>
+              <a:p>
+                <a:pPr algn="ctr"/>
+                <a:endParaRPr lang="it-CH"/>
+              </a:p>
+            </p:txBody>
+          </p:sp>
+          <p:sp>
+            <p:nvSpPr>
+              <p:cNvPr id="64" name="TextBox 63"/>
+              <p:cNvSpPr txBox="1"/>
+              <p:nvPr/>
+            </p:nvSpPr>
+            <p:spPr>
+              <a:xfrm>
+                <a:off x="8077874" y="3791489"/>
+                <a:ext cx="284721" cy="216276"/>
+              </a:xfrm>
+              <a:prstGeom prst="rect">
+                <a:avLst/>
+              </a:prstGeom>
+              <a:noFill/>
+            </p:spPr>
+            <p:txBody>
+              <a:bodyPr wrap="none" rtlCol="0">
+                <a:spAutoFit/>
+              </a:bodyPr>
+              <a:lstStyle/>
+              <a:p>
+                <a:r>
+                  <a:rPr lang="en-US" sz="2000" b="1" dirty="0" smtClean="0">
+                    <a:solidFill>
+                      <a:schemeClr val="bg1"/>
+                    </a:solidFill>
+                  </a:rPr>
+                  <a:t>2,2</a:t>
+                </a:r>
+                <a:endParaRPr lang="it-CH" sz="2000" b="1" dirty="0">
+                  <a:solidFill>
+                    <a:schemeClr val="bg1"/>
+                  </a:solidFill>
+                </a:endParaRPr>
+              </a:p>
+            </p:txBody>
+          </p:sp>
+        </p:grpSp>
+        <p:grpSp>
+          <p:nvGrpSpPr>
+            <p:cNvPr id="12" name="Group 11"/>
+            <p:cNvGrpSpPr/>
+            <p:nvPr/>
+          </p:nvGrpSpPr>
+          <p:grpSpPr>
+            <a:xfrm>
+              <a:off x="11951849" y="4451511"/>
+              <a:ext cx="1032015" cy="1065718"/>
+              <a:chOff x="7659840" y="3512040"/>
+              <a:chExt cx="576064" cy="576064"/>
+            </a:xfrm>
+          </p:grpSpPr>
+          <p:sp>
+            <p:nvSpPr>
+              <p:cNvPr id="61" name="Isosceles Triangle 60"/>
+              <p:cNvSpPr/>
+              <p:nvPr/>
+            </p:nvSpPr>
+            <p:spPr>
+              <a:xfrm rot="10800000">
+                <a:off x="7659840" y="3512040"/>
+                <a:ext cx="576064" cy="576064"/>
+              </a:xfrm>
+              <a:prstGeom prst="triangle">
+                <a:avLst/>
+              </a:prstGeom>
+              <a:solidFill>
+                <a:schemeClr val="tx1"/>
+              </a:solidFill>
+              <a:ln>
+                <a:solidFill>
+                  <a:schemeClr val="bg1"/>
+                </a:solidFill>
+              </a:ln>
+            </p:spPr>
+            <p:style>
+              <a:lnRef idx="2">
+                <a:schemeClr val="accent1">
+                  <a:shade val="50000"/>
+                </a:schemeClr>
+              </a:lnRef>
+              <a:fillRef idx="1">
+                <a:schemeClr val="accent1"/>
+              </a:fillRef>
+              <a:effectRef idx="0">
+                <a:schemeClr val="accent1"/>
+              </a:effectRef>
+              <a:fontRef idx="minor">
+                <a:schemeClr val="lt1"/>
+              </a:fontRef>
+            </p:style>
+            <p:txBody>
+              <a:bodyPr rtlCol="0" anchor="ctr"/>
+              <a:lstStyle/>
+              <a:p>
+                <a:pPr algn="ctr"/>
+                <a:endParaRPr lang="it-CH"/>
+              </a:p>
+            </p:txBody>
+          </p:sp>
+          <p:sp>
+            <p:nvSpPr>
+              <p:cNvPr id="62" name="TextBox 61"/>
+              <p:cNvSpPr txBox="1"/>
+              <p:nvPr/>
+            </p:nvSpPr>
+            <p:spPr>
+              <a:xfrm>
+                <a:off x="7785877" y="3584048"/>
+                <a:ext cx="284721" cy="216276"/>
+              </a:xfrm>
+              <a:prstGeom prst="rect">
+                <a:avLst/>
+              </a:prstGeom>
+              <a:noFill/>
+            </p:spPr>
+            <p:txBody>
+              <a:bodyPr wrap="none" rtlCol="0">
+                <a:spAutoFit/>
+              </a:bodyPr>
+              <a:lstStyle/>
+              <a:p>
+                <a:r>
+                  <a:rPr lang="en-US" sz="2000" b="1" dirty="0" smtClean="0">
+                    <a:solidFill>
+                      <a:schemeClr val="bg1"/>
+                    </a:solidFill>
+                  </a:rPr>
+                  <a:t>2,3</a:t>
+                </a:r>
+                <a:endParaRPr lang="it-CH" sz="2000" b="1" dirty="0">
+                  <a:solidFill>
+                    <a:schemeClr val="bg1"/>
+                  </a:solidFill>
+                </a:endParaRPr>
+              </a:p>
+            </p:txBody>
+          </p:sp>
+        </p:grpSp>
+        <p:grpSp>
+          <p:nvGrpSpPr>
+            <p:cNvPr id="13" name="Group 12"/>
+            <p:cNvGrpSpPr/>
+            <p:nvPr/>
+          </p:nvGrpSpPr>
+          <p:grpSpPr>
+            <a:xfrm>
+              <a:off x="9307140" y="4399950"/>
+              <a:ext cx="1032015" cy="1065718"/>
+              <a:chOff x="7371807" y="3512041"/>
+              <a:chExt cx="576064" cy="576064"/>
+            </a:xfrm>
+            <a:solidFill>
+              <a:schemeClr val="accent2">
+                <a:lumMod val="75000"/>
+              </a:schemeClr>
+            </a:solidFill>
+          </p:grpSpPr>
+          <p:sp>
+            <p:nvSpPr>
+              <p:cNvPr id="59" name="Isosceles Triangle 58"/>
+              <p:cNvSpPr/>
+              <p:nvPr/>
+            </p:nvSpPr>
+            <p:spPr>
+              <a:xfrm>
+                <a:off x="7371807" y="3512041"/>
+                <a:ext cx="576064" cy="576064"/>
+              </a:xfrm>
+              <a:prstGeom prst="triangle">
+                <a:avLst/>
+              </a:prstGeom>
+              <a:grpFill/>
+              <a:ln>
+                <a:solidFill>
+                  <a:schemeClr val="bg1"/>
+                </a:solidFill>
+              </a:ln>
+            </p:spPr>
+            <p:style>
+              <a:lnRef idx="2">
+                <a:schemeClr val="accent1">
+                  <a:shade val="50000"/>
+                </a:schemeClr>
+              </a:lnRef>
+              <a:fillRef idx="1">
+                <a:schemeClr val="accent1"/>
+              </a:fillRef>
+              <a:effectRef idx="0">
+                <a:schemeClr val="accent1"/>
+              </a:effectRef>
+              <a:fontRef idx="minor">
+                <a:schemeClr val="lt1"/>
+              </a:fontRef>
+            </p:style>
+            <p:txBody>
+              <a:bodyPr rtlCol="0" anchor="ctr"/>
+              <a:lstStyle/>
+              <a:p>
+                <a:pPr algn="ctr"/>
+                <a:endParaRPr lang="it-CH"/>
+              </a:p>
+            </p:txBody>
+          </p:sp>
+          <p:sp>
+            <p:nvSpPr>
+              <p:cNvPr id="60" name="TextBox 59"/>
+              <p:cNvSpPr txBox="1"/>
+              <p:nvPr/>
+            </p:nvSpPr>
+            <p:spPr>
+              <a:xfrm>
+                <a:off x="7495557" y="3800072"/>
+                <a:ext cx="328565" cy="216276"/>
+              </a:xfrm>
+              <a:prstGeom prst="rect">
+                <a:avLst/>
+              </a:prstGeom>
+              <a:noFill/>
+            </p:spPr>
+            <p:txBody>
+              <a:bodyPr wrap="none" rtlCol="0">
+                <a:spAutoFit/>
+              </a:bodyPr>
+              <a:lstStyle/>
+              <a:p>
+                <a:r>
+                  <a:rPr lang="en-US" sz="2000" b="1" dirty="0" smtClean="0">
+                    <a:solidFill>
+                      <a:schemeClr val="bg1"/>
+                    </a:solidFill>
+                  </a:rPr>
+                  <a:t>2,-2</a:t>
+                </a:r>
+                <a:endParaRPr lang="it-CH" sz="2000" b="1" dirty="0">
+                  <a:solidFill>
+                    <a:schemeClr val="bg1"/>
+                  </a:solidFill>
+                </a:endParaRPr>
+              </a:p>
+            </p:txBody>
+          </p:sp>
+        </p:grpSp>
+        <p:grpSp>
+          <p:nvGrpSpPr>
+            <p:cNvPr id="14" name="Group 13"/>
+            <p:cNvGrpSpPr/>
+            <p:nvPr/>
+          </p:nvGrpSpPr>
+          <p:grpSpPr>
+            <a:xfrm>
+              <a:off x="12999783" y="4451513"/>
+              <a:ext cx="1032015" cy="1065718"/>
+              <a:chOff x="7083776" y="3512040"/>
+              <a:chExt cx="576064" cy="576064"/>
+            </a:xfrm>
+            <a:solidFill>
+              <a:schemeClr val="accent2">
+                <a:lumMod val="75000"/>
+              </a:schemeClr>
+            </a:solidFill>
+          </p:grpSpPr>
+          <p:sp>
+            <p:nvSpPr>
+              <p:cNvPr id="57" name="Isosceles Triangle 56"/>
+              <p:cNvSpPr/>
+              <p:nvPr/>
+            </p:nvSpPr>
+            <p:spPr>
+              <a:xfrm rot="10800000">
+                <a:off x="7083776" y="3512040"/>
+                <a:ext cx="576064" cy="576064"/>
+              </a:xfrm>
+              <a:prstGeom prst="triangle">
+                <a:avLst/>
+              </a:prstGeom>
+              <a:grpFill/>
+              <a:ln>
+                <a:solidFill>
+                  <a:schemeClr val="bg1"/>
+                </a:solidFill>
+              </a:ln>
+            </p:spPr>
+            <p:style>
+              <a:lnRef idx="2">
+                <a:schemeClr val="accent1">
+                  <a:shade val="50000"/>
+                </a:schemeClr>
+              </a:lnRef>
+              <a:fillRef idx="1">
+                <a:schemeClr val="accent1"/>
+              </a:fillRef>
+              <a:effectRef idx="0">
+                <a:schemeClr val="accent1"/>
+              </a:effectRef>
+              <a:fontRef idx="minor">
+                <a:schemeClr val="lt1"/>
+              </a:fontRef>
+            </p:style>
+            <p:txBody>
+              <a:bodyPr rtlCol="0" anchor="ctr"/>
+              <a:lstStyle/>
+              <a:p>
+                <a:pPr algn="ctr"/>
+                <a:endParaRPr lang="it-CH"/>
+              </a:p>
+            </p:txBody>
+          </p:sp>
+          <p:sp>
+            <p:nvSpPr>
+              <p:cNvPr id="58" name="TextBox 57"/>
+              <p:cNvSpPr txBox="1"/>
+              <p:nvPr/>
+            </p:nvSpPr>
+            <p:spPr>
+              <a:xfrm>
+                <a:off x="7228303" y="3595081"/>
+                <a:ext cx="284721" cy="216276"/>
+              </a:xfrm>
+              <a:prstGeom prst="rect">
+                <a:avLst/>
+              </a:prstGeom>
+              <a:noFill/>
+            </p:spPr>
+            <p:txBody>
+              <a:bodyPr wrap="none" rtlCol="0">
+                <a:spAutoFit/>
+              </a:bodyPr>
+              <a:lstStyle/>
+              <a:p>
+                <a:r>
+                  <a:rPr lang="en-US" sz="2000" b="1" dirty="0" smtClean="0">
+                    <a:solidFill>
+                      <a:schemeClr val="bg1"/>
+                    </a:solidFill>
+                  </a:rPr>
+                  <a:t>2,5</a:t>
+                </a:r>
+                <a:endParaRPr lang="it-CH" sz="2000" b="1" dirty="0">
+                  <a:solidFill>
+                    <a:schemeClr val="bg1"/>
+                  </a:solidFill>
+                </a:endParaRPr>
+              </a:p>
+            </p:txBody>
+          </p:sp>
+        </p:grpSp>
+        <p:grpSp>
+          <p:nvGrpSpPr>
+            <p:cNvPr id="15" name="Group 14"/>
+            <p:cNvGrpSpPr/>
+            <p:nvPr/>
+          </p:nvGrpSpPr>
+          <p:grpSpPr>
+            <a:xfrm>
+              <a:off x="12467857" y="2320076"/>
+              <a:ext cx="1032015" cy="1065718"/>
+              <a:chOff x="6795743" y="3512041"/>
+              <a:chExt cx="576064" cy="576064"/>
+            </a:xfrm>
+            <a:solidFill>
+              <a:schemeClr val="accent2">
+                <a:lumMod val="75000"/>
+              </a:schemeClr>
+            </a:solidFill>
+          </p:grpSpPr>
+          <p:sp>
+            <p:nvSpPr>
+              <p:cNvPr id="55" name="Isosceles Triangle 54"/>
+              <p:cNvSpPr/>
+              <p:nvPr/>
+            </p:nvSpPr>
+            <p:spPr>
+              <a:xfrm>
+                <a:off x="6795743" y="3512041"/>
+                <a:ext cx="576064" cy="576064"/>
+              </a:xfrm>
+              <a:prstGeom prst="triangle">
+                <a:avLst/>
+              </a:prstGeom>
+              <a:grpFill/>
+              <a:ln>
+                <a:solidFill>
+                  <a:schemeClr val="bg1"/>
+                </a:solidFill>
+              </a:ln>
+            </p:spPr>
+            <p:style>
+              <a:lnRef idx="2">
+                <a:schemeClr val="accent1">
+                  <a:shade val="50000"/>
+                </a:schemeClr>
+              </a:lnRef>
+              <a:fillRef idx="1">
+                <a:schemeClr val="accent1"/>
+              </a:fillRef>
+              <a:effectRef idx="0">
+                <a:schemeClr val="accent1"/>
+              </a:effectRef>
+              <a:fontRef idx="minor">
+                <a:schemeClr val="lt1"/>
+              </a:fontRef>
+            </p:style>
+            <p:txBody>
+              <a:bodyPr rtlCol="0" anchor="ctr"/>
+              <a:lstStyle/>
+              <a:p>
+                <a:pPr algn="ctr"/>
+                <a:endParaRPr lang="it-CH"/>
+              </a:p>
+            </p:txBody>
+          </p:sp>
+          <p:sp>
+            <p:nvSpPr>
+              <p:cNvPr id="56" name="TextBox 55"/>
+              <p:cNvSpPr txBox="1"/>
+              <p:nvPr/>
+            </p:nvSpPr>
+            <p:spPr>
+              <a:xfrm>
+                <a:off x="6921781" y="3795309"/>
+                <a:ext cx="284721" cy="216276"/>
+              </a:xfrm>
+              <a:prstGeom prst="rect">
+                <a:avLst/>
+              </a:prstGeom>
+              <a:grpFill/>
+            </p:spPr>
+            <p:txBody>
+              <a:bodyPr wrap="none" rtlCol="0">
+                <a:spAutoFit/>
+              </a:bodyPr>
+              <a:lstStyle/>
+              <a:p>
+                <a:r>
+                  <a:rPr lang="en-US" sz="2000" b="1" dirty="0" smtClean="0">
+                    <a:solidFill>
+                      <a:schemeClr val="bg1"/>
+                    </a:solidFill>
+                  </a:rPr>
+                  <a:t>0,2</a:t>
+                </a:r>
+                <a:endParaRPr lang="it-CH" sz="2000" b="1" dirty="0">
+                  <a:solidFill>
+                    <a:schemeClr val="bg1"/>
+                  </a:solidFill>
+                </a:endParaRPr>
+              </a:p>
+            </p:txBody>
+          </p:sp>
+        </p:grpSp>
+        <p:grpSp>
+          <p:nvGrpSpPr>
+            <p:cNvPr id="16" name="Group 15"/>
+            <p:cNvGrpSpPr/>
+            <p:nvPr/>
+          </p:nvGrpSpPr>
+          <p:grpSpPr>
+            <a:xfrm>
+              <a:off x="11951851" y="2320074"/>
+              <a:ext cx="1032015" cy="1065718"/>
+              <a:chOff x="6507712" y="3512040"/>
+              <a:chExt cx="576064" cy="576064"/>
+            </a:xfrm>
+            <a:solidFill>
+              <a:schemeClr val="accent2">
+                <a:lumMod val="75000"/>
+              </a:schemeClr>
+            </a:solidFill>
+          </p:grpSpPr>
+          <p:sp>
+            <p:nvSpPr>
+              <p:cNvPr id="53" name="Isosceles Triangle 52"/>
+              <p:cNvSpPr/>
+              <p:nvPr/>
+            </p:nvSpPr>
+            <p:spPr>
+              <a:xfrm rot="10800000">
+                <a:off x="6507712" y="3512040"/>
+                <a:ext cx="576064" cy="576064"/>
+              </a:xfrm>
+              <a:prstGeom prst="triangle">
+                <a:avLst/>
+              </a:prstGeom>
+              <a:grpFill/>
+              <a:ln>
+                <a:solidFill>
+                  <a:schemeClr val="bg1"/>
+                </a:solidFill>
+              </a:ln>
+            </p:spPr>
+            <p:style>
+              <a:lnRef idx="2">
+                <a:schemeClr val="accent1">
+                  <a:shade val="50000"/>
+                </a:schemeClr>
+              </a:lnRef>
+              <a:fillRef idx="1">
+                <a:schemeClr val="accent1"/>
+              </a:fillRef>
+              <a:effectRef idx="0">
+                <a:schemeClr val="accent1"/>
+              </a:effectRef>
+              <a:fontRef idx="minor">
+                <a:schemeClr val="lt1"/>
+              </a:fontRef>
+            </p:style>
+            <p:txBody>
+              <a:bodyPr rtlCol="0" anchor="ctr"/>
+              <a:lstStyle/>
+              <a:p>
+                <a:pPr algn="ctr"/>
+                <a:endParaRPr lang="it-CH"/>
+              </a:p>
+            </p:txBody>
+          </p:sp>
+          <p:sp>
+            <p:nvSpPr>
+              <p:cNvPr id="54" name="TextBox 53"/>
+              <p:cNvSpPr txBox="1"/>
+              <p:nvPr/>
+            </p:nvSpPr>
+            <p:spPr>
+              <a:xfrm>
+                <a:off x="6633749" y="3595081"/>
+                <a:ext cx="284721" cy="216276"/>
+              </a:xfrm>
+              <a:prstGeom prst="rect">
+                <a:avLst/>
+              </a:prstGeom>
+              <a:grpFill/>
+            </p:spPr>
+            <p:txBody>
+              <a:bodyPr wrap="none" rtlCol="0">
+                <a:spAutoFit/>
+              </a:bodyPr>
+              <a:lstStyle/>
+              <a:p>
+                <a:r>
+                  <a:rPr lang="en-US" sz="2000" b="1" dirty="0" smtClean="0">
+                    <a:solidFill>
+                      <a:schemeClr val="bg1"/>
+                    </a:solidFill>
+                  </a:rPr>
+                  <a:t>0,1</a:t>
+                </a:r>
+                <a:endParaRPr lang="it-CH" sz="2000" b="1" dirty="0">
+                  <a:solidFill>
+                    <a:schemeClr val="bg1"/>
+                  </a:solidFill>
+                </a:endParaRPr>
+              </a:p>
+            </p:txBody>
+          </p:sp>
+        </p:grpSp>
+        <p:grpSp>
+          <p:nvGrpSpPr>
+            <p:cNvPr id="17" name="Group 16"/>
+            <p:cNvGrpSpPr/>
+            <p:nvPr/>
+          </p:nvGrpSpPr>
+          <p:grpSpPr>
+            <a:xfrm>
+              <a:off x="11435842" y="2320076"/>
+              <a:ext cx="1032015" cy="1065718"/>
+              <a:chOff x="6219679" y="3512041"/>
+              <a:chExt cx="576064" cy="576064"/>
+            </a:xfrm>
+          </p:grpSpPr>
+          <p:sp>
+            <p:nvSpPr>
+              <p:cNvPr id="51" name="Isosceles Triangle 50"/>
+              <p:cNvSpPr/>
+              <p:nvPr/>
+            </p:nvSpPr>
+            <p:spPr>
+              <a:xfrm>
+                <a:off x="6219679" y="3512041"/>
+                <a:ext cx="576064" cy="576064"/>
+              </a:xfrm>
+              <a:prstGeom prst="triangle">
+                <a:avLst/>
+              </a:prstGeom>
+              <a:solidFill>
+                <a:schemeClr val="tx1"/>
+              </a:solidFill>
+              <a:ln>
+                <a:solidFill>
+                  <a:schemeClr val="bg1"/>
+                </a:solidFill>
+              </a:ln>
+            </p:spPr>
+            <p:style>
+              <a:lnRef idx="2">
+                <a:schemeClr val="accent1">
+                  <a:shade val="50000"/>
+                </a:schemeClr>
+              </a:lnRef>
+              <a:fillRef idx="1">
+                <a:schemeClr val="accent1"/>
+              </a:fillRef>
+              <a:effectRef idx="0">
+                <a:schemeClr val="accent1"/>
+              </a:effectRef>
+              <a:fontRef idx="minor">
+                <a:schemeClr val="lt1"/>
+              </a:fontRef>
+            </p:style>
+            <p:txBody>
+              <a:bodyPr rtlCol="0" anchor="ctr"/>
+              <a:lstStyle/>
+              <a:p>
+                <a:pPr algn="ctr"/>
+                <a:endParaRPr lang="it-CH"/>
+              </a:p>
+            </p:txBody>
+          </p:sp>
+          <p:sp>
+            <p:nvSpPr>
+              <p:cNvPr id="52" name="TextBox 51"/>
+              <p:cNvSpPr txBox="1"/>
+              <p:nvPr/>
+            </p:nvSpPr>
+            <p:spPr>
+              <a:xfrm>
+                <a:off x="6378393" y="3800073"/>
+                <a:ext cx="284721" cy="216276"/>
+              </a:xfrm>
+              <a:prstGeom prst="rect">
+                <a:avLst/>
+              </a:prstGeom>
+              <a:noFill/>
+            </p:spPr>
+            <p:txBody>
+              <a:bodyPr wrap="none" rtlCol="0">
+                <a:spAutoFit/>
+              </a:bodyPr>
+              <a:lstStyle/>
+              <a:p>
+                <a:r>
+                  <a:rPr lang="en-US" sz="2000" b="1" dirty="0" smtClean="0">
+                    <a:solidFill>
+                      <a:schemeClr val="bg1"/>
+                    </a:solidFill>
+                  </a:rPr>
+                  <a:t>0,0</a:t>
+                </a:r>
+                <a:endParaRPr lang="it-CH" sz="2000" b="1" dirty="0">
+                  <a:solidFill>
+                    <a:schemeClr val="bg1"/>
+                  </a:solidFill>
+                </a:endParaRPr>
+              </a:p>
+            </p:txBody>
+          </p:sp>
+        </p:grpSp>
+        <p:grpSp>
+          <p:nvGrpSpPr>
+            <p:cNvPr id="18" name="Group 17"/>
+            <p:cNvGrpSpPr/>
+            <p:nvPr/>
+          </p:nvGrpSpPr>
+          <p:grpSpPr>
+            <a:xfrm>
+              <a:off x="9867859" y="3381032"/>
+              <a:ext cx="1032015" cy="1065718"/>
+              <a:chOff x="8260860" y="2950240"/>
+              <a:chExt cx="576064" cy="576064"/>
+            </a:xfrm>
+            <a:solidFill>
+              <a:schemeClr val="accent2">
+                <a:lumMod val="75000"/>
+              </a:schemeClr>
+            </a:solidFill>
+          </p:grpSpPr>
+          <p:sp>
+            <p:nvSpPr>
+              <p:cNvPr id="49" name="Isosceles Triangle 48"/>
+              <p:cNvSpPr/>
+              <p:nvPr/>
+            </p:nvSpPr>
+            <p:spPr>
+              <a:xfrm>
+                <a:off x="8260860" y="2950240"/>
+                <a:ext cx="576064" cy="576064"/>
+              </a:xfrm>
+              <a:prstGeom prst="triangle">
+                <a:avLst/>
+              </a:prstGeom>
+              <a:grpFill/>
+              <a:ln>
+                <a:solidFill>
+                  <a:schemeClr val="bg1"/>
+                </a:solidFill>
+              </a:ln>
+            </p:spPr>
+            <p:style>
+              <a:lnRef idx="2">
+                <a:schemeClr val="accent1">
+                  <a:shade val="50000"/>
+                </a:schemeClr>
+              </a:lnRef>
+              <a:fillRef idx="1">
+                <a:schemeClr val="accent1"/>
+              </a:fillRef>
+              <a:effectRef idx="0">
+                <a:schemeClr val="accent1"/>
+              </a:effectRef>
+              <a:fontRef idx="minor">
+                <a:schemeClr val="lt1"/>
+              </a:fontRef>
+            </p:style>
+            <p:txBody>
+              <a:bodyPr rtlCol="0" anchor="ctr"/>
+              <a:lstStyle/>
+              <a:p>
+                <a:pPr algn="ctr"/>
+                <a:endParaRPr lang="it-CH"/>
+              </a:p>
+            </p:txBody>
+          </p:sp>
+          <p:sp>
+            <p:nvSpPr>
+              <p:cNvPr id="50" name="TextBox 49"/>
+              <p:cNvSpPr txBox="1"/>
+              <p:nvPr/>
+            </p:nvSpPr>
+            <p:spPr>
+              <a:xfrm>
+                <a:off x="8365222" y="3224008"/>
+                <a:ext cx="328565" cy="216276"/>
+              </a:xfrm>
+              <a:prstGeom prst="rect">
+                <a:avLst/>
+              </a:prstGeom>
+              <a:noFill/>
+            </p:spPr>
+            <p:txBody>
+              <a:bodyPr wrap="none" rtlCol="0">
+                <a:spAutoFit/>
+              </a:bodyPr>
+              <a:lstStyle/>
+              <a:p>
+                <a:r>
+                  <a:rPr lang="en-US" sz="2000" b="1" dirty="0" smtClean="0">
+                    <a:solidFill>
+                      <a:schemeClr val="bg1"/>
+                    </a:solidFill>
+                  </a:rPr>
+                  <a:t>1,-2</a:t>
+                </a:r>
+                <a:endParaRPr lang="it-CH" sz="2000" b="1" dirty="0">
+                  <a:solidFill>
+                    <a:schemeClr val="bg1"/>
+                  </a:solidFill>
+                </a:endParaRPr>
+              </a:p>
+            </p:txBody>
+          </p:sp>
+        </p:grpSp>
+        <p:grpSp>
+          <p:nvGrpSpPr>
+            <p:cNvPr id="19" name="Group 18"/>
+            <p:cNvGrpSpPr/>
+            <p:nvPr/>
+          </p:nvGrpSpPr>
+          <p:grpSpPr>
+            <a:xfrm>
+              <a:off x="10349135" y="4399950"/>
+              <a:ext cx="1032015" cy="1065718"/>
+              <a:chOff x="7659839" y="2935977"/>
+              <a:chExt cx="576064" cy="576064"/>
+            </a:xfrm>
+          </p:grpSpPr>
+          <p:sp>
+            <p:nvSpPr>
+              <p:cNvPr id="47" name="Isosceles Triangle 46"/>
+              <p:cNvSpPr/>
+              <p:nvPr/>
+            </p:nvSpPr>
+            <p:spPr>
+              <a:xfrm>
+                <a:off x="7659839" y="2935977"/>
+                <a:ext cx="576064" cy="576064"/>
+              </a:xfrm>
+              <a:prstGeom prst="triangle">
+                <a:avLst/>
+              </a:prstGeom>
+              <a:solidFill>
+                <a:schemeClr val="tx1"/>
+              </a:solidFill>
+              <a:ln>
+                <a:solidFill>
+                  <a:schemeClr val="bg1"/>
+                </a:solidFill>
+              </a:ln>
+            </p:spPr>
+            <p:style>
+              <a:lnRef idx="2">
+                <a:schemeClr val="accent1">
+                  <a:shade val="50000"/>
+                </a:schemeClr>
+              </a:lnRef>
+              <a:fillRef idx="1">
+                <a:schemeClr val="accent1"/>
+              </a:fillRef>
+              <a:effectRef idx="0">
+                <a:schemeClr val="accent1"/>
+              </a:effectRef>
+              <a:fontRef idx="minor">
+                <a:schemeClr val="lt1"/>
+              </a:fontRef>
+            </p:style>
+            <p:txBody>
+              <a:bodyPr rtlCol="0" anchor="ctr"/>
+              <a:lstStyle/>
+              <a:p>
+                <a:pPr algn="ctr"/>
+                <a:endParaRPr lang="it-CH"/>
+              </a:p>
+            </p:txBody>
+          </p:sp>
+          <p:sp>
+            <p:nvSpPr>
+              <p:cNvPr id="48" name="TextBox 47"/>
+              <p:cNvSpPr txBox="1"/>
+              <p:nvPr/>
+            </p:nvSpPr>
+            <p:spPr>
+              <a:xfrm>
+                <a:off x="7785877" y="3224008"/>
+                <a:ext cx="284721" cy="216276"/>
+              </a:xfrm>
+              <a:prstGeom prst="rect">
+                <a:avLst/>
+              </a:prstGeom>
+              <a:noFill/>
+            </p:spPr>
+            <p:txBody>
+              <a:bodyPr wrap="none" rtlCol="0">
+                <a:spAutoFit/>
+              </a:bodyPr>
+              <a:lstStyle/>
+              <a:p>
+                <a:r>
+                  <a:rPr lang="en-US" sz="2000" b="1" dirty="0" smtClean="0">
+                    <a:solidFill>
+                      <a:schemeClr val="bg1"/>
+                    </a:solidFill>
+                  </a:rPr>
+                  <a:t>2,0</a:t>
+                </a:r>
+                <a:endParaRPr lang="it-CH" sz="2000" b="1" dirty="0">
+                  <a:solidFill>
+                    <a:schemeClr val="bg1"/>
+                  </a:solidFill>
+                </a:endParaRPr>
+              </a:p>
+            </p:txBody>
+          </p:sp>
+        </p:grpSp>
+        <p:grpSp>
+          <p:nvGrpSpPr>
+            <p:cNvPr id="20" name="Group 19"/>
+            <p:cNvGrpSpPr/>
+            <p:nvPr/>
+          </p:nvGrpSpPr>
+          <p:grpSpPr>
+            <a:xfrm>
+              <a:off x="10903337" y="4451511"/>
+              <a:ext cx="1032015" cy="1065718"/>
+              <a:chOff x="6795744" y="2935976"/>
+              <a:chExt cx="576064" cy="576064"/>
+            </a:xfrm>
+          </p:grpSpPr>
+          <p:sp>
+            <p:nvSpPr>
+              <p:cNvPr id="45" name="Isosceles Triangle 44"/>
+              <p:cNvSpPr/>
+              <p:nvPr/>
+            </p:nvSpPr>
+            <p:spPr>
+              <a:xfrm rot="10800000">
+                <a:off x="6795744" y="2935976"/>
+                <a:ext cx="576064" cy="576064"/>
+              </a:xfrm>
+              <a:prstGeom prst="triangle">
+                <a:avLst/>
+              </a:prstGeom>
+              <a:solidFill>
+                <a:schemeClr val="tx1"/>
+              </a:solidFill>
+              <a:ln>
+                <a:solidFill>
+                  <a:schemeClr val="bg1"/>
+                </a:solidFill>
+              </a:ln>
+            </p:spPr>
+            <p:style>
+              <a:lnRef idx="2">
+                <a:schemeClr val="accent1">
+                  <a:shade val="50000"/>
+                </a:schemeClr>
+              </a:lnRef>
+              <a:fillRef idx="1">
+                <a:schemeClr val="accent1"/>
+              </a:fillRef>
+              <a:effectRef idx="0">
+                <a:schemeClr val="accent1"/>
+              </a:effectRef>
+              <a:fontRef idx="minor">
+                <a:schemeClr val="lt1"/>
+              </a:fontRef>
+            </p:style>
+            <p:txBody>
+              <a:bodyPr rtlCol="0" anchor="ctr"/>
+              <a:lstStyle/>
+              <a:p>
+                <a:pPr algn="ctr"/>
+                <a:endParaRPr lang="it-CH"/>
+              </a:p>
+            </p:txBody>
+          </p:sp>
+          <p:sp>
+            <p:nvSpPr>
+              <p:cNvPr id="46" name="TextBox 45"/>
+              <p:cNvSpPr txBox="1"/>
+              <p:nvPr/>
+            </p:nvSpPr>
+            <p:spPr>
+              <a:xfrm>
+                <a:off x="6921781" y="3007984"/>
+                <a:ext cx="284721" cy="216276"/>
+              </a:xfrm>
+              <a:prstGeom prst="rect">
+                <a:avLst/>
+              </a:prstGeom>
+              <a:noFill/>
+            </p:spPr>
+            <p:txBody>
+              <a:bodyPr wrap="none" rtlCol="0">
+                <a:spAutoFit/>
+              </a:bodyPr>
+              <a:lstStyle/>
+              <a:p>
+                <a:r>
+                  <a:rPr lang="en-US" sz="2000" b="1" dirty="0" smtClean="0">
+                    <a:solidFill>
+                      <a:schemeClr val="bg1"/>
+                    </a:solidFill>
+                  </a:rPr>
+                  <a:t>2,1</a:t>
+                </a:r>
+                <a:endParaRPr lang="it-CH" sz="2000" b="1" dirty="0">
+                  <a:solidFill>
+                    <a:schemeClr val="bg1"/>
+                  </a:solidFill>
+                </a:endParaRPr>
+              </a:p>
+            </p:txBody>
+          </p:sp>
+        </p:grpSp>
+        <p:grpSp>
+          <p:nvGrpSpPr>
+            <p:cNvPr id="21" name="Group 20"/>
+            <p:cNvGrpSpPr/>
+            <p:nvPr/>
+          </p:nvGrpSpPr>
+          <p:grpSpPr>
+            <a:xfrm>
+              <a:off x="11951849" y="1254358"/>
+              <a:ext cx="1032015" cy="1065718"/>
+              <a:chOff x="6507711" y="2935977"/>
+              <a:chExt cx="576064" cy="576064"/>
+            </a:xfrm>
+            <a:solidFill>
+              <a:schemeClr val="accent2">
+                <a:lumMod val="75000"/>
+              </a:schemeClr>
+            </a:solidFill>
+          </p:grpSpPr>
+          <p:sp>
+            <p:nvSpPr>
+              <p:cNvPr id="43" name="Isosceles Triangle 42"/>
+              <p:cNvSpPr/>
+              <p:nvPr/>
+            </p:nvSpPr>
+            <p:spPr>
+              <a:xfrm>
+                <a:off x="6507711" y="2935977"/>
+                <a:ext cx="576064" cy="576064"/>
+              </a:xfrm>
+              <a:prstGeom prst="triangle">
+                <a:avLst/>
+              </a:prstGeom>
+              <a:grpFill/>
+              <a:ln>
+                <a:solidFill>
+                  <a:schemeClr val="bg1"/>
+                </a:solidFill>
+              </a:ln>
+            </p:spPr>
+            <p:style>
+              <a:lnRef idx="2">
+                <a:schemeClr val="accent1">
+                  <a:shade val="50000"/>
+                </a:schemeClr>
+              </a:lnRef>
+              <a:fillRef idx="1">
+                <a:schemeClr val="accent1"/>
+              </a:fillRef>
+              <a:effectRef idx="0">
+                <a:schemeClr val="accent1"/>
+              </a:effectRef>
+              <a:fontRef idx="minor">
+                <a:schemeClr val="lt1"/>
+              </a:fontRef>
+            </p:style>
+            <p:txBody>
+              <a:bodyPr rtlCol="0" anchor="ctr"/>
+              <a:lstStyle/>
+              <a:p>
+                <a:pPr algn="ctr"/>
+                <a:endParaRPr lang="it-CH"/>
+              </a:p>
+            </p:txBody>
+          </p:sp>
+          <p:sp>
+            <p:nvSpPr>
+              <p:cNvPr id="44" name="TextBox 43"/>
+              <p:cNvSpPr txBox="1"/>
+              <p:nvPr/>
+            </p:nvSpPr>
+            <p:spPr>
+              <a:xfrm>
+                <a:off x="6625893" y="3224008"/>
+                <a:ext cx="328566" cy="216276"/>
+              </a:xfrm>
+              <a:prstGeom prst="rect">
+                <a:avLst/>
+              </a:prstGeom>
+              <a:noFill/>
+            </p:spPr>
+            <p:txBody>
+              <a:bodyPr wrap="none" rtlCol="0">
+                <a:spAutoFit/>
+              </a:bodyPr>
+              <a:lstStyle/>
+              <a:p>
+                <a:pPr algn="ctr"/>
+                <a:r>
+                  <a:rPr lang="en-US" sz="2000" b="1" dirty="0" smtClean="0">
+                    <a:solidFill>
+                      <a:schemeClr val="bg1"/>
+                    </a:solidFill>
+                  </a:rPr>
+                  <a:t>-1,0</a:t>
+                </a:r>
+                <a:endParaRPr lang="it-CH" sz="2000" b="1" dirty="0">
+                  <a:solidFill>
+                    <a:schemeClr val="bg1"/>
+                  </a:solidFill>
+                </a:endParaRPr>
+              </a:p>
+            </p:txBody>
+          </p:sp>
+        </p:grpSp>
+        <p:grpSp>
+          <p:nvGrpSpPr>
+            <p:cNvPr id="22" name="Group 21"/>
+            <p:cNvGrpSpPr/>
+            <p:nvPr/>
+          </p:nvGrpSpPr>
+          <p:grpSpPr>
+            <a:xfrm>
+              <a:off x="11435844" y="1221411"/>
+              <a:ext cx="1032015" cy="1065718"/>
+              <a:chOff x="6219680" y="2935976"/>
+              <a:chExt cx="576064" cy="576064"/>
+            </a:xfrm>
+            <a:solidFill>
+              <a:schemeClr val="accent2">
+                <a:lumMod val="75000"/>
+              </a:schemeClr>
+            </a:solidFill>
+          </p:grpSpPr>
+          <p:sp>
+            <p:nvSpPr>
+              <p:cNvPr id="41" name="Isosceles Triangle 40"/>
+              <p:cNvSpPr/>
+              <p:nvPr/>
+            </p:nvSpPr>
+            <p:spPr>
+              <a:xfrm rot="10800000">
+                <a:off x="6219680" y="2935976"/>
+                <a:ext cx="576064" cy="576064"/>
+              </a:xfrm>
+              <a:prstGeom prst="triangle">
+                <a:avLst/>
+              </a:prstGeom>
+              <a:grpFill/>
+              <a:ln>
+                <a:solidFill>
+                  <a:schemeClr val="bg1"/>
+                </a:solidFill>
+              </a:ln>
+            </p:spPr>
+            <p:style>
+              <a:lnRef idx="2">
+                <a:schemeClr val="accent1">
+                  <a:shade val="50000"/>
+                </a:schemeClr>
+              </a:lnRef>
+              <a:fillRef idx="1">
+                <a:schemeClr val="accent1"/>
+              </a:fillRef>
+              <a:effectRef idx="0">
+                <a:schemeClr val="accent1"/>
+              </a:effectRef>
+              <a:fontRef idx="minor">
+                <a:schemeClr val="lt1"/>
+              </a:fontRef>
+            </p:style>
+            <p:txBody>
+              <a:bodyPr rtlCol="0" anchor="ctr"/>
+              <a:lstStyle/>
+              <a:p>
+                <a:pPr algn="ctr"/>
+                <a:endParaRPr lang="it-CH"/>
+              </a:p>
+            </p:txBody>
+          </p:sp>
+          <p:sp>
+            <p:nvSpPr>
+              <p:cNvPr id="42" name="TextBox 41"/>
+              <p:cNvSpPr txBox="1"/>
+              <p:nvPr/>
+            </p:nvSpPr>
+            <p:spPr>
+              <a:xfrm>
+                <a:off x="6315938" y="3019017"/>
+                <a:ext cx="372410" cy="216276"/>
+              </a:xfrm>
+              <a:prstGeom prst="rect">
+                <a:avLst/>
+              </a:prstGeom>
+              <a:noFill/>
+            </p:spPr>
+            <p:txBody>
+              <a:bodyPr wrap="none" rtlCol="0">
+                <a:spAutoFit/>
+              </a:bodyPr>
+              <a:lstStyle/>
+              <a:p>
+                <a:pPr algn="ctr"/>
+                <a:r>
+                  <a:rPr lang="en-US" sz="2000" b="1" dirty="0" smtClean="0">
+                    <a:solidFill>
+                      <a:schemeClr val="bg1"/>
+                    </a:solidFill>
+                  </a:rPr>
+                  <a:t>-1,-1</a:t>
+                </a:r>
+                <a:endParaRPr lang="it-CH" sz="2000" b="1" dirty="0">
+                  <a:solidFill>
+                    <a:schemeClr val="bg1"/>
+                  </a:solidFill>
+                </a:endParaRPr>
+              </a:p>
+            </p:txBody>
+          </p:sp>
+        </p:grpSp>
+        <p:grpSp>
+          <p:nvGrpSpPr>
+            <p:cNvPr id="23" name="Group 22"/>
+            <p:cNvGrpSpPr/>
+            <p:nvPr/>
+          </p:nvGrpSpPr>
+          <p:grpSpPr>
+            <a:xfrm>
+              <a:off x="10383868" y="3352848"/>
+              <a:ext cx="1032015" cy="1065718"/>
+              <a:chOff x="8255291" y="2359912"/>
+              <a:chExt cx="576064" cy="576064"/>
+            </a:xfrm>
+            <a:solidFill>
+              <a:schemeClr val="accent2">
+                <a:lumMod val="75000"/>
+              </a:schemeClr>
+            </a:solidFill>
+          </p:grpSpPr>
+          <p:sp>
+            <p:nvSpPr>
+              <p:cNvPr id="39" name="Isosceles Triangle 38"/>
+              <p:cNvSpPr/>
+              <p:nvPr/>
+            </p:nvSpPr>
+            <p:spPr>
+              <a:xfrm rot="10800000">
+                <a:off x="8255291" y="2359912"/>
+                <a:ext cx="576064" cy="576064"/>
+              </a:xfrm>
+              <a:prstGeom prst="triangle">
+                <a:avLst/>
+              </a:prstGeom>
+              <a:grpFill/>
+              <a:ln>
+                <a:solidFill>
+                  <a:schemeClr val="bg1"/>
+                </a:solidFill>
+              </a:ln>
+            </p:spPr>
+            <p:style>
+              <a:lnRef idx="2">
+                <a:schemeClr val="accent1">
+                  <a:shade val="50000"/>
+                </a:schemeClr>
+              </a:lnRef>
+              <a:fillRef idx="1">
+                <a:schemeClr val="accent1"/>
+              </a:fillRef>
+              <a:effectRef idx="0">
+                <a:schemeClr val="accent1"/>
+              </a:effectRef>
+              <a:fontRef idx="minor">
+                <a:schemeClr val="lt1"/>
+              </a:fontRef>
+            </p:style>
+            <p:txBody>
+              <a:bodyPr rtlCol="0" anchor="ctr"/>
+              <a:lstStyle/>
+              <a:p>
+                <a:pPr algn="ctr"/>
+                <a:endParaRPr lang="it-CH"/>
+              </a:p>
+            </p:txBody>
+          </p:sp>
+          <p:sp>
+            <p:nvSpPr>
+              <p:cNvPr id="40" name="TextBox 39"/>
+              <p:cNvSpPr txBox="1"/>
+              <p:nvPr/>
+            </p:nvSpPr>
+            <p:spPr>
+              <a:xfrm>
+                <a:off x="8354082" y="2431920"/>
+                <a:ext cx="328565" cy="216276"/>
+              </a:xfrm>
+              <a:prstGeom prst="rect">
+                <a:avLst/>
+              </a:prstGeom>
+              <a:noFill/>
+            </p:spPr>
+            <p:txBody>
+              <a:bodyPr wrap="none" rtlCol="0">
+                <a:spAutoFit/>
+              </a:bodyPr>
+              <a:lstStyle/>
+              <a:p>
+                <a:pPr algn="ctr"/>
+                <a:r>
+                  <a:rPr lang="en-US" sz="2000" b="1" dirty="0" smtClean="0">
+                    <a:solidFill>
+                      <a:schemeClr val="bg1"/>
+                    </a:solidFill>
+                  </a:rPr>
+                  <a:t>1,-1</a:t>
+                </a:r>
+                <a:endParaRPr lang="it-CH" sz="2000" b="1" dirty="0">
+                  <a:solidFill>
+                    <a:schemeClr val="bg1"/>
+                  </a:solidFill>
+                </a:endParaRPr>
+              </a:p>
+            </p:txBody>
+          </p:sp>
+        </p:grpSp>
+        <p:grpSp>
+          <p:nvGrpSpPr>
+            <p:cNvPr id="24" name="Group 23"/>
+            <p:cNvGrpSpPr/>
+            <p:nvPr/>
+          </p:nvGrpSpPr>
+          <p:grpSpPr>
+            <a:xfrm>
+              <a:off x="10903337" y="3385795"/>
+              <a:ext cx="1032015" cy="1065718"/>
+              <a:chOff x="7947871" y="2359913"/>
+              <a:chExt cx="576064" cy="576064"/>
+            </a:xfrm>
+          </p:grpSpPr>
+          <p:sp>
+            <p:nvSpPr>
+              <p:cNvPr id="37" name="Isosceles Triangle 36"/>
+              <p:cNvSpPr/>
+              <p:nvPr/>
+            </p:nvSpPr>
+            <p:spPr>
+              <a:xfrm>
+                <a:off x="7947871" y="2359913"/>
+                <a:ext cx="576064" cy="576064"/>
+              </a:xfrm>
+              <a:prstGeom prst="triangle">
+                <a:avLst/>
+              </a:prstGeom>
+              <a:solidFill>
+                <a:schemeClr val="tx1"/>
+              </a:solidFill>
+              <a:ln>
+                <a:solidFill>
+                  <a:schemeClr val="bg1"/>
+                </a:solidFill>
+              </a:ln>
+            </p:spPr>
+            <p:style>
+              <a:lnRef idx="2">
+                <a:schemeClr val="accent1">
+                  <a:shade val="50000"/>
+                </a:schemeClr>
+              </a:lnRef>
+              <a:fillRef idx="1">
+                <a:schemeClr val="accent1"/>
+              </a:fillRef>
+              <a:effectRef idx="0">
+                <a:schemeClr val="accent1"/>
+              </a:effectRef>
+              <a:fontRef idx="minor">
+                <a:schemeClr val="lt1"/>
+              </a:fontRef>
+            </p:style>
+            <p:txBody>
+              <a:bodyPr rtlCol="0" anchor="ctr"/>
+              <a:lstStyle/>
+              <a:p>
+                <a:pPr algn="ctr"/>
+                <a:endParaRPr lang="it-CH"/>
+              </a:p>
+            </p:txBody>
+          </p:sp>
+          <p:sp>
+            <p:nvSpPr>
+              <p:cNvPr id="38" name="TextBox 37"/>
+              <p:cNvSpPr txBox="1"/>
+              <p:nvPr/>
+            </p:nvSpPr>
+            <p:spPr>
+              <a:xfrm>
+                <a:off x="8087972" y="2647944"/>
+                <a:ext cx="284721" cy="216276"/>
+              </a:xfrm>
+              <a:prstGeom prst="rect">
+                <a:avLst/>
+              </a:prstGeom>
+              <a:noFill/>
+            </p:spPr>
+            <p:txBody>
+              <a:bodyPr wrap="none" rtlCol="0">
+                <a:spAutoFit/>
+              </a:bodyPr>
+              <a:lstStyle/>
+              <a:p>
+                <a:pPr algn="ctr"/>
+                <a:r>
+                  <a:rPr lang="en-US" sz="2000" b="1" dirty="0" smtClean="0">
+                    <a:solidFill>
+                      <a:schemeClr val="bg1"/>
+                    </a:solidFill>
+                  </a:rPr>
+                  <a:t>1</a:t>
+                </a:r>
+                <a:r>
+                  <a:rPr lang="en-US" sz="2000" b="1" dirty="0" smtClean="0">
+                    <a:solidFill>
+                      <a:schemeClr val="bg1"/>
+                    </a:solidFill>
+                  </a:rPr>
+                  <a:t>,0</a:t>
+                </a:r>
+                <a:endParaRPr lang="it-CH" sz="2000" b="1" dirty="0">
+                  <a:solidFill>
+                    <a:schemeClr val="bg1"/>
+                  </a:solidFill>
+                </a:endParaRPr>
+              </a:p>
+            </p:txBody>
+          </p:sp>
+        </p:grpSp>
+        <p:grpSp>
+          <p:nvGrpSpPr>
+            <p:cNvPr id="25" name="Group 24"/>
+            <p:cNvGrpSpPr/>
+            <p:nvPr/>
+          </p:nvGrpSpPr>
+          <p:grpSpPr>
+            <a:xfrm>
+              <a:off x="10393847" y="2288927"/>
+              <a:ext cx="1032015" cy="1065718"/>
+              <a:chOff x="7371807" y="2359913"/>
+              <a:chExt cx="576064" cy="576064"/>
+            </a:xfrm>
+            <a:solidFill>
+              <a:schemeClr val="accent2">
+                <a:lumMod val="75000"/>
+              </a:schemeClr>
+            </a:solidFill>
+          </p:grpSpPr>
+          <p:sp>
+            <p:nvSpPr>
+              <p:cNvPr id="35" name="Isosceles Triangle 34"/>
+              <p:cNvSpPr/>
+              <p:nvPr/>
+            </p:nvSpPr>
+            <p:spPr>
+              <a:xfrm>
+                <a:off x="7371807" y="2359913"/>
+                <a:ext cx="576064" cy="576064"/>
+              </a:xfrm>
+              <a:prstGeom prst="triangle">
+                <a:avLst/>
+              </a:prstGeom>
+              <a:grpFill/>
+              <a:ln>
+                <a:solidFill>
+                  <a:schemeClr val="bg1"/>
+                </a:solidFill>
+              </a:ln>
+            </p:spPr>
+            <p:style>
+              <a:lnRef idx="2">
+                <a:schemeClr val="accent1">
+                  <a:shade val="50000"/>
+                </a:schemeClr>
+              </a:lnRef>
+              <a:fillRef idx="1">
+                <a:schemeClr val="accent1"/>
+              </a:fillRef>
+              <a:effectRef idx="0">
+                <a:schemeClr val="accent1"/>
+              </a:effectRef>
+              <a:fontRef idx="minor">
+                <a:schemeClr val="lt1"/>
+              </a:fontRef>
+            </p:style>
+            <p:txBody>
+              <a:bodyPr rtlCol="0" anchor="ctr"/>
+              <a:lstStyle/>
+              <a:p>
+                <a:pPr algn="ctr"/>
+                <a:endParaRPr lang="it-CH"/>
+              </a:p>
+            </p:txBody>
+          </p:sp>
+          <p:sp>
+            <p:nvSpPr>
+              <p:cNvPr id="36" name="TextBox 35"/>
+              <p:cNvSpPr txBox="1"/>
+              <p:nvPr/>
+            </p:nvSpPr>
+            <p:spPr>
+              <a:xfrm>
+                <a:off x="7489987" y="2647944"/>
+                <a:ext cx="328566" cy="216276"/>
+              </a:xfrm>
+              <a:prstGeom prst="rect">
+                <a:avLst/>
+              </a:prstGeom>
+              <a:noFill/>
+            </p:spPr>
+            <p:txBody>
+              <a:bodyPr wrap="none" rtlCol="0">
+                <a:spAutoFit/>
+              </a:bodyPr>
+              <a:lstStyle/>
+              <a:p>
+                <a:pPr algn="ctr"/>
+                <a:r>
+                  <a:rPr lang="en-US" sz="2000" b="1" dirty="0" smtClean="0">
+                    <a:solidFill>
+                      <a:schemeClr val="bg1"/>
+                    </a:solidFill>
+                  </a:rPr>
+                  <a:t>0,-2</a:t>
+                </a:r>
+                <a:endParaRPr lang="it-CH" sz="2000" b="1" dirty="0">
+                  <a:solidFill>
+                    <a:schemeClr val="bg1"/>
+                  </a:solidFill>
+                </a:endParaRPr>
+              </a:p>
+            </p:txBody>
+          </p:sp>
+        </p:grpSp>
+        <p:grpSp>
+          <p:nvGrpSpPr>
+            <p:cNvPr id="26" name="Group 25"/>
+            <p:cNvGrpSpPr/>
+            <p:nvPr/>
+          </p:nvGrpSpPr>
+          <p:grpSpPr>
+            <a:xfrm>
+              <a:off x="10918661" y="1223208"/>
+              <a:ext cx="1032015" cy="1065718"/>
+              <a:chOff x="6814475" y="2359912"/>
+              <a:chExt cx="576064" cy="576064"/>
+            </a:xfrm>
+            <a:solidFill>
+              <a:schemeClr val="accent2">
+                <a:lumMod val="75000"/>
+              </a:schemeClr>
+            </a:solidFill>
+          </p:grpSpPr>
+          <p:sp>
+            <p:nvSpPr>
+              <p:cNvPr id="33" name="Isosceles Triangle 32"/>
+              <p:cNvSpPr/>
+              <p:nvPr/>
+            </p:nvSpPr>
+            <p:spPr>
+              <a:xfrm>
+                <a:off x="6814475" y="2359912"/>
+                <a:ext cx="576064" cy="576064"/>
+              </a:xfrm>
+              <a:prstGeom prst="triangle">
+                <a:avLst/>
+              </a:prstGeom>
+              <a:grpFill/>
+              <a:ln>
+                <a:solidFill>
+                  <a:schemeClr val="bg1"/>
+                </a:solidFill>
+              </a:ln>
+            </p:spPr>
+            <p:style>
+              <a:lnRef idx="2">
+                <a:schemeClr val="accent1">
+                  <a:shade val="50000"/>
+                </a:schemeClr>
+              </a:lnRef>
+              <a:fillRef idx="1">
+                <a:schemeClr val="accent1"/>
+              </a:fillRef>
+              <a:effectRef idx="0">
+                <a:schemeClr val="accent1"/>
+              </a:effectRef>
+              <a:fontRef idx="minor">
+                <a:schemeClr val="lt1"/>
+              </a:fontRef>
+            </p:style>
+            <p:txBody>
+              <a:bodyPr rtlCol="0" anchor="ctr"/>
+              <a:lstStyle/>
+              <a:p>
+                <a:pPr algn="ctr"/>
+                <a:endParaRPr lang="it-CH"/>
+              </a:p>
+            </p:txBody>
+          </p:sp>
+          <p:sp>
+            <p:nvSpPr>
+              <p:cNvPr id="34" name="TextBox 33"/>
+              <p:cNvSpPr txBox="1"/>
+              <p:nvPr/>
+            </p:nvSpPr>
+            <p:spPr>
+              <a:xfrm>
+                <a:off x="6927169" y="2647944"/>
+                <a:ext cx="372410" cy="216276"/>
+              </a:xfrm>
+              <a:prstGeom prst="rect">
+                <a:avLst/>
+              </a:prstGeom>
+              <a:noFill/>
+            </p:spPr>
+            <p:txBody>
+              <a:bodyPr wrap="none" rtlCol="0">
+                <a:spAutoFit/>
+              </a:bodyPr>
+              <a:lstStyle/>
+              <a:p>
+                <a:pPr algn="ctr"/>
+                <a:r>
+                  <a:rPr lang="en-US" sz="2000" b="1" dirty="0" smtClean="0">
+                    <a:solidFill>
+                      <a:schemeClr val="bg1"/>
+                    </a:solidFill>
+                  </a:rPr>
+                  <a:t>-1,-2</a:t>
+                </a:r>
+                <a:endParaRPr lang="it-CH" sz="2000" b="1" dirty="0">
+                  <a:solidFill>
+                    <a:schemeClr val="bg1"/>
+                  </a:solidFill>
+                </a:endParaRPr>
+              </a:p>
+            </p:txBody>
+          </p:sp>
+        </p:grpSp>
+        <p:grpSp>
+          <p:nvGrpSpPr>
+            <p:cNvPr id="27" name="Group 26"/>
+            <p:cNvGrpSpPr/>
+            <p:nvPr/>
+          </p:nvGrpSpPr>
+          <p:grpSpPr>
+            <a:xfrm>
+              <a:off x="10919835" y="2255982"/>
+              <a:ext cx="1032015" cy="1065718"/>
+              <a:chOff x="6507712" y="2359912"/>
+              <a:chExt cx="576064" cy="576064"/>
+            </a:xfrm>
+            <a:solidFill>
+              <a:schemeClr val="accent2">
+                <a:lumMod val="75000"/>
+              </a:schemeClr>
+            </a:solidFill>
+          </p:grpSpPr>
+          <p:sp>
+            <p:nvSpPr>
+              <p:cNvPr id="31" name="Isosceles Triangle 30"/>
+              <p:cNvSpPr/>
+              <p:nvPr/>
+            </p:nvSpPr>
+            <p:spPr>
+              <a:xfrm rot="10800000">
+                <a:off x="6507712" y="2359912"/>
+                <a:ext cx="576064" cy="576064"/>
+              </a:xfrm>
+              <a:prstGeom prst="triangle">
+                <a:avLst/>
+              </a:prstGeom>
+              <a:grpFill/>
+              <a:ln>
+                <a:solidFill>
+                  <a:schemeClr val="bg1"/>
+                </a:solidFill>
+              </a:ln>
+            </p:spPr>
+            <p:style>
+              <a:lnRef idx="2">
+                <a:schemeClr val="accent1">
+                  <a:shade val="50000"/>
+                </a:schemeClr>
+              </a:lnRef>
+              <a:fillRef idx="1">
+                <a:schemeClr val="accent1"/>
+              </a:fillRef>
+              <a:effectRef idx="0">
+                <a:schemeClr val="accent1"/>
+              </a:effectRef>
+              <a:fontRef idx="minor">
+                <a:schemeClr val="lt1"/>
+              </a:fontRef>
+            </p:style>
+            <p:txBody>
+              <a:bodyPr rtlCol="0" anchor="ctr"/>
+              <a:lstStyle/>
+              <a:p>
+                <a:pPr algn="ctr"/>
+                <a:endParaRPr lang="it-CH" dirty="0"/>
+              </a:p>
+            </p:txBody>
+          </p:sp>
+          <p:sp>
+            <p:nvSpPr>
+              <p:cNvPr id="32" name="TextBox 31"/>
+              <p:cNvSpPr txBox="1"/>
+              <p:nvPr/>
+            </p:nvSpPr>
+            <p:spPr>
+              <a:xfrm>
+                <a:off x="6625892" y="2431920"/>
+                <a:ext cx="328566" cy="216276"/>
+              </a:xfrm>
+              <a:prstGeom prst="rect">
+                <a:avLst/>
+              </a:prstGeom>
+              <a:noFill/>
+            </p:spPr>
+            <p:txBody>
+              <a:bodyPr wrap="none" rtlCol="0">
+                <a:spAutoFit/>
+              </a:bodyPr>
+              <a:lstStyle/>
+              <a:p>
+                <a:pPr algn="ctr"/>
+                <a:r>
+                  <a:rPr lang="en-US" sz="2000" b="1" dirty="0" smtClean="0">
+                    <a:solidFill>
+                      <a:schemeClr val="bg1"/>
+                    </a:solidFill>
+                  </a:rPr>
+                  <a:t>0,-1</a:t>
+                </a:r>
+                <a:endParaRPr lang="it-CH" sz="2000" b="1" dirty="0">
+                  <a:solidFill>
+                    <a:schemeClr val="bg1"/>
+                  </a:solidFill>
+                </a:endParaRPr>
+              </a:p>
+            </p:txBody>
+          </p:sp>
+        </p:grpSp>
+        <p:grpSp>
+          <p:nvGrpSpPr>
+            <p:cNvPr id="28" name="Group 27"/>
+            <p:cNvGrpSpPr/>
+            <p:nvPr/>
+          </p:nvGrpSpPr>
+          <p:grpSpPr>
+            <a:xfrm>
+              <a:off x="11435842" y="188640"/>
+              <a:ext cx="1032015" cy="1065718"/>
+              <a:chOff x="6219679" y="2359913"/>
+              <a:chExt cx="576064" cy="576064"/>
+            </a:xfrm>
+            <a:solidFill>
+              <a:schemeClr val="accent2">
+                <a:lumMod val="75000"/>
+              </a:schemeClr>
+            </a:solidFill>
+          </p:grpSpPr>
+          <p:sp>
+            <p:nvSpPr>
+              <p:cNvPr id="29" name="Isosceles Triangle 28"/>
+              <p:cNvSpPr/>
+              <p:nvPr/>
+            </p:nvSpPr>
+            <p:spPr>
+              <a:xfrm>
+                <a:off x="6219679" y="2359913"/>
+                <a:ext cx="576064" cy="576064"/>
+              </a:xfrm>
+              <a:prstGeom prst="triangle">
+                <a:avLst/>
+              </a:prstGeom>
+              <a:grpFill/>
+              <a:ln>
+                <a:solidFill>
+                  <a:schemeClr val="bg1"/>
+                </a:solidFill>
+              </a:ln>
+            </p:spPr>
+            <p:style>
+              <a:lnRef idx="2">
+                <a:schemeClr val="accent1">
+                  <a:shade val="50000"/>
+                </a:schemeClr>
+              </a:lnRef>
+              <a:fillRef idx="1">
+                <a:schemeClr val="accent1"/>
+              </a:fillRef>
+              <a:effectRef idx="0">
+                <a:schemeClr val="accent1"/>
+              </a:effectRef>
+              <a:fontRef idx="minor">
+                <a:schemeClr val="lt1"/>
+              </a:fontRef>
+            </p:style>
+            <p:txBody>
+              <a:bodyPr rtlCol="0" anchor="ctr"/>
+              <a:lstStyle/>
+              <a:p>
+                <a:pPr algn="ctr"/>
+                <a:endParaRPr lang="it-CH" dirty="0"/>
+              </a:p>
+            </p:txBody>
+          </p:sp>
+          <p:sp>
+            <p:nvSpPr>
+              <p:cNvPr id="30" name="TextBox 29"/>
+              <p:cNvSpPr txBox="1"/>
+              <p:nvPr/>
+            </p:nvSpPr>
+            <p:spPr>
+              <a:xfrm>
+                <a:off x="6315937" y="2642141"/>
+                <a:ext cx="372410" cy="216276"/>
+              </a:xfrm>
+              <a:prstGeom prst="rect">
+                <a:avLst/>
+              </a:prstGeom>
+              <a:noFill/>
+            </p:spPr>
+            <p:txBody>
+              <a:bodyPr wrap="none" rtlCol="0">
+                <a:spAutoFit/>
+              </a:bodyPr>
+              <a:lstStyle/>
+              <a:p>
+                <a:pPr algn="ctr"/>
+                <a:r>
+                  <a:rPr lang="en-US" sz="2000" b="1" dirty="0" smtClean="0">
+                    <a:solidFill>
+                      <a:schemeClr val="bg1"/>
+                    </a:solidFill>
+                  </a:rPr>
+                  <a:t>-2,-2</a:t>
+                </a:r>
+                <a:endParaRPr lang="en-US" sz="2000" b="1" dirty="0" smtClean="0">
+                  <a:solidFill>
+                    <a:schemeClr val="bg1"/>
+                  </a:solidFill>
+                </a:endParaRPr>
+              </a:p>
+            </p:txBody>
+          </p:sp>
+        </p:grpSp>
+        <p:sp>
+          <p:nvSpPr>
+            <p:cNvPr id="79" name="Isosceles Triangle 78"/>
+            <p:cNvSpPr/>
+            <p:nvPr/>
+          </p:nvSpPr>
+          <p:spPr>
+            <a:xfrm>
+              <a:off x="12980970" y="5459583"/>
+              <a:ext cx="1032015" cy="1065718"/>
+            </a:xfrm>
+            <a:prstGeom prst="triangle">
+              <a:avLst/>
+            </a:prstGeom>
+            <a:solidFill>
+              <a:schemeClr val="accent2">
+                <a:lumMod val="75000"/>
+              </a:schemeClr>
+            </a:solidFill>
+            <a:ln>
+              <a:solidFill>
+                <a:schemeClr val="bg1"/>
+              </a:solidFill>
+            </a:ln>
+          </p:spPr>
+          <p:style>
+            <a:lnRef idx="2">
+              <a:schemeClr val="accent1">
+                <a:shade val="50000"/>
+              </a:schemeClr>
+            </a:lnRef>
+            <a:fillRef idx="1">
+              <a:schemeClr val="accent1"/>
+            </a:fillRef>
+            <a:effectRef idx="0">
+              <a:schemeClr val="accent1"/>
+            </a:effectRef>
+            <a:fontRef idx="minor">
+              <a:schemeClr val="lt1"/>
+            </a:fontRef>
+          </p:style>
+          <p:txBody>
+            <a:bodyPr rtlCol="0" anchor="ctr"/>
+            <a:lstStyle/>
+            <a:p>
+              <a:pPr algn="ctr"/>
+              <a:endParaRPr lang="it-CH"/>
+            </a:p>
+          </p:txBody>
+        </p:sp>
+        <p:sp>
+          <p:nvSpPr>
+            <p:cNvPr id="80" name="Isosceles Triangle 79"/>
+            <p:cNvSpPr/>
+            <p:nvPr/>
+          </p:nvSpPr>
+          <p:spPr>
+            <a:xfrm>
+              <a:off x="11915946" y="5479996"/>
+              <a:ext cx="1032015" cy="1065718"/>
+            </a:xfrm>
+            <a:prstGeom prst="triangle">
+              <a:avLst/>
+            </a:prstGeom>
+            <a:solidFill>
+              <a:schemeClr val="accent2">
+                <a:lumMod val="75000"/>
+              </a:schemeClr>
+            </a:solidFill>
+            <a:ln>
+              <a:solidFill>
+                <a:schemeClr val="bg1"/>
+              </a:solidFill>
+            </a:ln>
+          </p:spPr>
+          <p:style>
+            <a:lnRef idx="2">
+              <a:schemeClr val="accent1">
+                <a:shade val="50000"/>
+              </a:schemeClr>
+            </a:lnRef>
+            <a:fillRef idx="1">
+              <a:schemeClr val="accent1"/>
+            </a:fillRef>
+            <a:effectRef idx="0">
+              <a:schemeClr val="accent1"/>
+            </a:effectRef>
+            <a:fontRef idx="minor">
+              <a:schemeClr val="lt1"/>
+            </a:fontRef>
+          </p:style>
+          <p:txBody>
+            <a:bodyPr rtlCol="0" anchor="ctr"/>
+            <a:lstStyle/>
+            <a:p>
+              <a:pPr algn="ctr"/>
+              <a:endParaRPr lang="it-CH"/>
+            </a:p>
+          </p:txBody>
+        </p:sp>
+        <p:sp>
+          <p:nvSpPr>
+            <p:cNvPr id="81" name="Isosceles Triangle 80"/>
+            <p:cNvSpPr/>
+            <p:nvPr/>
+          </p:nvSpPr>
+          <p:spPr>
+            <a:xfrm rot="10800000">
+              <a:off x="9311681" y="5430700"/>
+              <a:ext cx="1032015" cy="1065718"/>
+            </a:xfrm>
+            <a:prstGeom prst="triangle">
+              <a:avLst/>
+            </a:prstGeom>
+            <a:solidFill>
+              <a:schemeClr val="accent2">
+                <a:lumMod val="75000"/>
+              </a:schemeClr>
+            </a:solidFill>
+            <a:ln>
+              <a:solidFill>
+                <a:schemeClr val="bg1"/>
+              </a:solidFill>
+            </a:ln>
+          </p:spPr>
+          <p:style>
+            <a:lnRef idx="2">
+              <a:schemeClr val="accent1">
+                <a:shade val="50000"/>
+              </a:schemeClr>
+            </a:lnRef>
+            <a:fillRef idx="1">
+              <a:schemeClr val="accent1"/>
+            </a:fillRef>
+            <a:effectRef idx="0">
+              <a:schemeClr val="accent1"/>
+            </a:effectRef>
+            <a:fontRef idx="minor">
+              <a:schemeClr val="lt1"/>
+            </a:fontRef>
+          </p:style>
+          <p:txBody>
+            <a:bodyPr rtlCol="0" anchor="ctr"/>
+            <a:lstStyle/>
+            <a:p>
+              <a:pPr algn="ctr"/>
+              <a:endParaRPr lang="it-CH"/>
+            </a:p>
+          </p:txBody>
+        </p:sp>
+        <p:sp>
+          <p:nvSpPr>
+            <p:cNvPr id="82" name="Isosceles Triangle 81"/>
+            <p:cNvSpPr/>
+            <p:nvPr/>
+          </p:nvSpPr>
+          <p:spPr>
+            <a:xfrm>
+              <a:off x="10883931" y="5459583"/>
+              <a:ext cx="1032015" cy="1065718"/>
+            </a:xfrm>
+            <a:prstGeom prst="triangle">
+              <a:avLst/>
+            </a:prstGeom>
+            <a:solidFill>
+              <a:schemeClr val="accent2">
+                <a:lumMod val="75000"/>
+              </a:schemeClr>
+            </a:solidFill>
+            <a:ln>
+              <a:solidFill>
+                <a:schemeClr val="bg1"/>
+              </a:solidFill>
+            </a:ln>
+          </p:spPr>
+          <p:style>
+            <a:lnRef idx="2">
+              <a:schemeClr val="accent1">
+                <a:shade val="50000"/>
+              </a:schemeClr>
+            </a:lnRef>
+            <a:fillRef idx="1">
+              <a:schemeClr val="accent1"/>
+            </a:fillRef>
+            <a:effectRef idx="0">
+              <a:schemeClr val="accent1"/>
+            </a:effectRef>
+            <a:fontRef idx="minor">
+              <a:schemeClr val="lt1"/>
+            </a:fontRef>
+          </p:style>
+          <p:txBody>
+            <a:bodyPr rtlCol="0" anchor="ctr"/>
+            <a:lstStyle/>
+            <a:p>
+              <a:pPr algn="ctr"/>
+              <a:endParaRPr lang="it-CH"/>
+            </a:p>
+          </p:txBody>
+        </p:sp>
+        <p:sp>
+          <p:nvSpPr>
+            <p:cNvPr id="83" name="Isosceles Triangle 82"/>
+            <p:cNvSpPr/>
+            <p:nvPr/>
+          </p:nvSpPr>
+          <p:spPr>
+            <a:xfrm rot="10800000">
+              <a:off x="11401110" y="5465667"/>
+              <a:ext cx="1032015" cy="1065718"/>
+            </a:xfrm>
+            <a:prstGeom prst="triangle">
+              <a:avLst/>
+            </a:prstGeom>
+            <a:solidFill>
+              <a:schemeClr val="accent2">
+                <a:lumMod val="75000"/>
+              </a:schemeClr>
+            </a:solidFill>
+            <a:ln>
+              <a:solidFill>
+                <a:schemeClr val="bg1"/>
+              </a:solidFill>
+            </a:ln>
+          </p:spPr>
+          <p:style>
+            <a:lnRef idx="2">
+              <a:schemeClr val="accent1">
+                <a:shade val="50000"/>
+              </a:schemeClr>
+            </a:lnRef>
+            <a:fillRef idx="1">
+              <a:schemeClr val="accent1"/>
+            </a:fillRef>
+            <a:effectRef idx="0">
+              <a:schemeClr val="accent1"/>
+            </a:effectRef>
+            <a:fontRef idx="minor">
+              <a:schemeClr val="lt1"/>
+            </a:fontRef>
+          </p:style>
+          <p:txBody>
+            <a:bodyPr rtlCol="0" anchor="ctr"/>
+            <a:lstStyle/>
+            <a:p>
+              <a:pPr algn="ctr"/>
+              <a:endParaRPr lang="it-CH"/>
+            </a:p>
+          </p:txBody>
+        </p:sp>
+        <p:sp>
+          <p:nvSpPr>
+            <p:cNvPr id="84" name="Isosceles Triangle 83"/>
+            <p:cNvSpPr/>
+            <p:nvPr/>
+          </p:nvSpPr>
+          <p:spPr>
+            <a:xfrm>
+              <a:off x="8791132" y="5436786"/>
+              <a:ext cx="1032015" cy="1065718"/>
+            </a:xfrm>
+            <a:prstGeom prst="triangle">
+              <a:avLst/>
+            </a:prstGeom>
+            <a:solidFill>
+              <a:schemeClr val="accent2">
+                <a:lumMod val="75000"/>
+              </a:schemeClr>
+            </a:solidFill>
+            <a:ln>
+              <a:solidFill>
+                <a:schemeClr val="bg1"/>
+              </a:solidFill>
+            </a:ln>
+          </p:spPr>
+          <p:style>
+            <a:lnRef idx="2">
+              <a:schemeClr val="accent1">
+                <a:shade val="50000"/>
+              </a:schemeClr>
+            </a:lnRef>
+            <a:fillRef idx="1">
+              <a:schemeClr val="accent1"/>
+            </a:fillRef>
+            <a:effectRef idx="0">
+              <a:schemeClr val="accent1"/>
+            </a:effectRef>
+            <a:fontRef idx="minor">
+              <a:schemeClr val="lt1"/>
+            </a:fontRef>
+          </p:style>
+          <p:txBody>
+            <a:bodyPr rtlCol="0" anchor="ctr"/>
+            <a:lstStyle/>
+            <a:p>
+              <a:pPr algn="ctr"/>
+              <a:endParaRPr lang="it-CH"/>
+            </a:p>
+          </p:txBody>
+        </p:sp>
+        <p:sp>
+          <p:nvSpPr>
+            <p:cNvPr id="85" name="Isosceles Triangle 84"/>
+            <p:cNvSpPr/>
+            <p:nvPr/>
+          </p:nvSpPr>
+          <p:spPr>
+            <a:xfrm rot="10800000">
+              <a:off x="12449044" y="5465669"/>
+              <a:ext cx="1032015" cy="1065718"/>
+            </a:xfrm>
+            <a:prstGeom prst="triangle">
+              <a:avLst/>
+            </a:prstGeom>
+            <a:solidFill>
+              <a:schemeClr val="accent2">
+                <a:lumMod val="75000"/>
+              </a:schemeClr>
+            </a:solidFill>
+            <a:ln>
+              <a:solidFill>
+                <a:schemeClr val="bg1"/>
+              </a:solidFill>
+            </a:ln>
+          </p:spPr>
+          <p:style>
+            <a:lnRef idx="2">
+              <a:schemeClr val="accent1">
+                <a:shade val="50000"/>
+              </a:schemeClr>
+            </a:lnRef>
+            <a:fillRef idx="1">
+              <a:schemeClr val="accent1"/>
+            </a:fillRef>
+            <a:effectRef idx="0">
+              <a:schemeClr val="accent1"/>
+            </a:effectRef>
+            <a:fontRef idx="minor">
+              <a:schemeClr val="lt1"/>
+            </a:fontRef>
+          </p:style>
+          <p:txBody>
+            <a:bodyPr rtlCol="0" anchor="ctr"/>
+            <a:lstStyle/>
+            <a:p>
+              <a:pPr algn="ctr"/>
+              <a:endParaRPr lang="it-CH"/>
+            </a:p>
+          </p:txBody>
+        </p:sp>
+        <p:sp>
+          <p:nvSpPr>
+            <p:cNvPr id="86" name="Isosceles Triangle 85"/>
+            <p:cNvSpPr/>
+            <p:nvPr/>
+          </p:nvSpPr>
+          <p:spPr>
+            <a:xfrm>
+              <a:off x="9827246" y="5436786"/>
+              <a:ext cx="1032015" cy="1065718"/>
+            </a:xfrm>
+            <a:prstGeom prst="triangle">
+              <a:avLst/>
+            </a:prstGeom>
+            <a:solidFill>
+              <a:schemeClr val="accent2">
+                <a:lumMod val="75000"/>
+              </a:schemeClr>
+            </a:solidFill>
+            <a:ln>
+              <a:solidFill>
+                <a:schemeClr val="bg1"/>
+              </a:solidFill>
+            </a:ln>
+          </p:spPr>
+          <p:style>
+            <a:lnRef idx="2">
+              <a:schemeClr val="accent1">
+                <a:shade val="50000"/>
+              </a:schemeClr>
+            </a:lnRef>
+            <a:fillRef idx="1">
+              <a:schemeClr val="accent1"/>
+            </a:fillRef>
+            <a:effectRef idx="0">
+              <a:schemeClr val="accent1"/>
+            </a:effectRef>
+            <a:fontRef idx="minor">
+              <a:schemeClr val="lt1"/>
+            </a:fontRef>
+          </p:style>
+          <p:txBody>
+            <a:bodyPr rtlCol="0" anchor="ctr"/>
+            <a:lstStyle/>
+            <a:p>
+              <a:pPr algn="ctr"/>
+              <a:endParaRPr lang="it-CH" dirty="0"/>
+            </a:p>
+          </p:txBody>
+        </p:sp>
+        <p:sp>
+          <p:nvSpPr>
+            <p:cNvPr id="87" name="Isosceles Triangle 86"/>
+            <p:cNvSpPr/>
+            <p:nvPr/>
+          </p:nvSpPr>
+          <p:spPr>
+            <a:xfrm rot="10800000">
+              <a:off x="10352598" y="5465667"/>
+              <a:ext cx="1032015" cy="1065718"/>
+            </a:xfrm>
+            <a:prstGeom prst="triangle">
+              <a:avLst/>
+            </a:prstGeom>
+            <a:solidFill>
+              <a:schemeClr val="accent2">
+                <a:lumMod val="75000"/>
+              </a:schemeClr>
+            </a:solidFill>
+            <a:ln>
+              <a:solidFill>
+                <a:schemeClr val="bg1"/>
+              </a:solidFill>
+            </a:ln>
+          </p:spPr>
+          <p:style>
+            <a:lnRef idx="2">
+              <a:schemeClr val="accent1">
+                <a:shade val="50000"/>
+              </a:schemeClr>
+            </a:lnRef>
+            <a:fillRef idx="1">
+              <a:schemeClr val="accent1"/>
+            </a:fillRef>
+            <a:effectRef idx="0">
+              <a:schemeClr val="accent1"/>
+            </a:effectRef>
+            <a:fontRef idx="minor">
+              <a:schemeClr val="lt1"/>
+            </a:fontRef>
+          </p:style>
+          <p:txBody>
+            <a:bodyPr rtlCol="0" anchor="ctr"/>
+            <a:lstStyle/>
+            <a:p>
+              <a:pPr algn="ctr"/>
+              <a:endParaRPr lang="it-CH"/>
+            </a:p>
+          </p:txBody>
+        </p:sp>
+        <p:sp>
+          <p:nvSpPr>
+            <p:cNvPr id="91" name="Isosceles Triangle 90"/>
+            <p:cNvSpPr/>
+            <p:nvPr/>
+          </p:nvSpPr>
+          <p:spPr>
+            <a:xfrm>
+              <a:off x="14015879" y="5459583"/>
+              <a:ext cx="1032015" cy="1065718"/>
+            </a:xfrm>
+            <a:prstGeom prst="triangle">
+              <a:avLst/>
+            </a:prstGeom>
+            <a:solidFill>
+              <a:schemeClr val="accent2">
+                <a:lumMod val="75000"/>
+              </a:schemeClr>
+            </a:solidFill>
+            <a:ln>
+              <a:solidFill>
+                <a:schemeClr val="bg1"/>
+              </a:solidFill>
+            </a:ln>
+          </p:spPr>
+          <p:style>
+            <a:lnRef idx="2">
+              <a:schemeClr val="accent1">
+                <a:shade val="50000"/>
+              </a:schemeClr>
+            </a:lnRef>
+            <a:fillRef idx="1">
+              <a:schemeClr val="accent1"/>
+            </a:fillRef>
+            <a:effectRef idx="0">
+              <a:schemeClr val="accent1"/>
+            </a:effectRef>
+            <a:fontRef idx="minor">
+              <a:schemeClr val="lt1"/>
+            </a:fontRef>
+          </p:style>
+          <p:txBody>
+            <a:bodyPr rtlCol="0" anchor="ctr"/>
+            <a:lstStyle/>
+            <a:p>
+              <a:pPr algn="ctr"/>
+              <a:endParaRPr lang="it-CH"/>
+            </a:p>
+          </p:txBody>
+        </p:sp>
+        <p:sp>
+          <p:nvSpPr>
+            <p:cNvPr id="92" name="Isosceles Triangle 91"/>
+            <p:cNvSpPr/>
+            <p:nvPr/>
+          </p:nvSpPr>
+          <p:spPr>
+            <a:xfrm rot="10800000">
+              <a:off x="13493427" y="5479996"/>
+              <a:ext cx="1032015" cy="1065718"/>
+            </a:xfrm>
+            <a:prstGeom prst="triangle">
+              <a:avLst/>
+            </a:prstGeom>
+            <a:solidFill>
+              <a:schemeClr val="accent2">
+                <a:lumMod val="75000"/>
+              </a:schemeClr>
+            </a:solidFill>
+            <a:ln>
+              <a:solidFill>
+                <a:schemeClr val="bg1"/>
+              </a:solidFill>
+            </a:ln>
+          </p:spPr>
+          <p:style>
+            <a:lnRef idx="2">
+              <a:schemeClr val="accent1">
+                <a:shade val="50000"/>
+              </a:schemeClr>
+            </a:lnRef>
+            <a:fillRef idx="1">
+              <a:schemeClr val="accent1"/>
+            </a:fillRef>
+            <a:effectRef idx="0">
+              <a:schemeClr val="accent1"/>
+            </a:effectRef>
+            <a:fontRef idx="minor">
+              <a:schemeClr val="lt1"/>
+            </a:fontRef>
+          </p:style>
+          <p:txBody>
+            <a:bodyPr rtlCol="0" anchor="ctr"/>
+            <a:lstStyle/>
+            <a:p>
+              <a:pPr algn="ctr"/>
+              <a:endParaRPr lang="it-CH"/>
+            </a:p>
+          </p:txBody>
+        </p:sp>
+        <p:sp>
+          <p:nvSpPr>
+            <p:cNvPr id="93" name="TextBox 92"/>
+            <p:cNvSpPr txBox="1"/>
+            <p:nvPr/>
+          </p:nvSpPr>
+          <p:spPr>
+            <a:xfrm>
+              <a:off x="10077793" y="5963559"/>
+              <a:ext cx="510076" cy="400110"/>
+            </a:xfrm>
+            <a:prstGeom prst="rect">
+              <a:avLst/>
+            </a:prstGeom>
+            <a:noFill/>
+          </p:spPr>
+          <p:txBody>
+            <a:bodyPr wrap="none" rtlCol="0">
+              <a:spAutoFit/>
+            </a:bodyPr>
+            <a:lstStyle/>
+            <a:p>
+              <a:r>
+                <a:rPr lang="en-US" sz="2000" b="1" dirty="0" smtClean="0">
+                  <a:solidFill>
+                    <a:schemeClr val="bg1"/>
+                  </a:solidFill>
+                </a:rPr>
+                <a:t>3</a:t>
+              </a:r>
+              <a:r>
+                <a:rPr lang="en-US" sz="2000" b="1" dirty="0" smtClean="0">
+                  <a:solidFill>
+                    <a:schemeClr val="bg1"/>
+                  </a:solidFill>
+                </a:rPr>
+                <a:t>,0</a:t>
+              </a:r>
+              <a:endParaRPr lang="it-CH" sz="2000" b="1" dirty="0">
+                <a:solidFill>
+                  <a:schemeClr val="bg1"/>
+                </a:solidFill>
+              </a:endParaRPr>
+            </a:p>
+          </p:txBody>
+        </p:sp>
+        <p:sp>
+          <p:nvSpPr>
+            <p:cNvPr id="95" name="TextBox 94"/>
+            <p:cNvSpPr txBox="1"/>
+            <p:nvPr/>
+          </p:nvSpPr>
+          <p:spPr>
+            <a:xfrm>
+              <a:off x="9052101" y="5963559"/>
+              <a:ext cx="588623" cy="400110"/>
+            </a:xfrm>
+            <a:prstGeom prst="rect">
+              <a:avLst/>
+            </a:prstGeom>
+            <a:noFill/>
+          </p:spPr>
+          <p:txBody>
+            <a:bodyPr wrap="none" rtlCol="0">
+              <a:spAutoFit/>
+            </a:bodyPr>
+            <a:lstStyle/>
+            <a:p>
+              <a:r>
+                <a:rPr lang="en-US" sz="2000" b="1" dirty="0">
+                  <a:solidFill>
+                    <a:schemeClr val="bg1"/>
+                  </a:solidFill>
+                </a:rPr>
+                <a:t>3</a:t>
+              </a:r>
+              <a:r>
+                <a:rPr lang="en-US" sz="2000" b="1" dirty="0" smtClean="0">
+                  <a:solidFill>
+                    <a:schemeClr val="bg1"/>
+                  </a:solidFill>
+                </a:rPr>
+                <a:t>,-2</a:t>
+              </a:r>
+              <a:endParaRPr lang="it-CH" sz="2000" b="1" dirty="0">
+                <a:solidFill>
+                  <a:schemeClr val="bg1"/>
+                </a:solidFill>
+              </a:endParaRPr>
+            </a:p>
+          </p:txBody>
+        </p:sp>
+        <p:sp>
+          <p:nvSpPr>
+            <p:cNvPr id="97" name="TextBox 96"/>
+            <p:cNvSpPr txBox="1"/>
+            <p:nvPr/>
+          </p:nvSpPr>
+          <p:spPr>
+            <a:xfrm>
+              <a:off x="11154327" y="5973824"/>
+              <a:ext cx="510076" cy="400110"/>
+            </a:xfrm>
+            <a:prstGeom prst="rect">
+              <a:avLst/>
+            </a:prstGeom>
+            <a:noFill/>
+          </p:spPr>
+          <p:txBody>
+            <a:bodyPr wrap="none" rtlCol="0">
+              <a:spAutoFit/>
+            </a:bodyPr>
+            <a:lstStyle/>
+            <a:p>
+              <a:r>
+                <a:rPr lang="en-US" sz="2000" b="1" dirty="0" smtClean="0">
+                  <a:solidFill>
+                    <a:schemeClr val="bg1"/>
+                  </a:solidFill>
+                </a:rPr>
+                <a:t>3</a:t>
+              </a:r>
+              <a:r>
+                <a:rPr lang="en-US" sz="2000" b="1" dirty="0" smtClean="0">
+                  <a:solidFill>
+                    <a:schemeClr val="bg1"/>
+                  </a:solidFill>
+                </a:rPr>
+                <a:t>,2</a:t>
+              </a:r>
+              <a:endParaRPr lang="it-CH" sz="2000" b="1" dirty="0">
+                <a:solidFill>
+                  <a:schemeClr val="bg1"/>
+                </a:solidFill>
+              </a:endParaRPr>
+            </a:p>
+          </p:txBody>
+        </p:sp>
+        <p:sp>
+          <p:nvSpPr>
+            <p:cNvPr id="98" name="TextBox 97"/>
+            <p:cNvSpPr txBox="1"/>
+            <p:nvPr/>
+          </p:nvSpPr>
+          <p:spPr>
+            <a:xfrm>
+              <a:off x="12187461" y="5973824"/>
+              <a:ext cx="510076" cy="400110"/>
+            </a:xfrm>
+            <a:prstGeom prst="rect">
+              <a:avLst/>
+            </a:prstGeom>
+            <a:noFill/>
+          </p:spPr>
+          <p:txBody>
+            <a:bodyPr wrap="none" rtlCol="0">
+              <a:spAutoFit/>
+            </a:bodyPr>
+            <a:lstStyle/>
+            <a:p>
+              <a:r>
+                <a:rPr lang="en-US" sz="2000" b="1" dirty="0" smtClean="0">
+                  <a:solidFill>
+                    <a:schemeClr val="bg1"/>
+                  </a:solidFill>
+                </a:rPr>
+                <a:t>3</a:t>
+              </a:r>
+              <a:r>
+                <a:rPr lang="en-US" sz="2000" b="1" dirty="0" smtClean="0">
+                  <a:solidFill>
+                    <a:schemeClr val="bg1"/>
+                  </a:solidFill>
+                </a:rPr>
+                <a:t>,4</a:t>
+              </a:r>
+              <a:endParaRPr lang="it-CH" sz="2000" b="1" dirty="0">
+                <a:solidFill>
+                  <a:schemeClr val="bg1"/>
+                </a:solidFill>
+              </a:endParaRPr>
+            </a:p>
+          </p:txBody>
+        </p:sp>
+        <p:sp>
+          <p:nvSpPr>
+            <p:cNvPr id="99" name="TextBox 98"/>
+            <p:cNvSpPr txBox="1"/>
+            <p:nvPr/>
+          </p:nvSpPr>
+          <p:spPr>
+            <a:xfrm>
+              <a:off x="13241939" y="5969645"/>
+              <a:ext cx="510076" cy="400110"/>
+            </a:xfrm>
+            <a:prstGeom prst="rect">
+              <a:avLst/>
+            </a:prstGeom>
+            <a:noFill/>
+          </p:spPr>
+          <p:txBody>
+            <a:bodyPr wrap="none" rtlCol="0">
+              <a:spAutoFit/>
+            </a:bodyPr>
+            <a:lstStyle/>
+            <a:p>
+              <a:r>
+                <a:rPr lang="en-US" sz="2000" b="1" dirty="0" smtClean="0">
+                  <a:solidFill>
+                    <a:schemeClr val="bg1"/>
+                  </a:solidFill>
+                </a:rPr>
+                <a:t>3</a:t>
+              </a:r>
+              <a:r>
+                <a:rPr lang="en-US" sz="2000" b="1" dirty="0" smtClean="0">
+                  <a:solidFill>
+                    <a:schemeClr val="bg1"/>
+                  </a:solidFill>
+                </a:rPr>
+                <a:t>,6</a:t>
+              </a:r>
+              <a:endParaRPr lang="it-CH" sz="2000" b="1" dirty="0">
+                <a:solidFill>
+                  <a:schemeClr val="bg1"/>
+                </a:solidFill>
+              </a:endParaRPr>
+            </a:p>
+          </p:txBody>
+        </p:sp>
+        <p:sp>
+          <p:nvSpPr>
+            <p:cNvPr id="100" name="TextBox 99"/>
+            <p:cNvSpPr txBox="1"/>
+            <p:nvPr/>
+          </p:nvSpPr>
+          <p:spPr>
+            <a:xfrm>
+              <a:off x="14276848" y="5988263"/>
+              <a:ext cx="510076" cy="400110"/>
+            </a:xfrm>
+            <a:prstGeom prst="rect">
+              <a:avLst/>
+            </a:prstGeom>
+            <a:noFill/>
+          </p:spPr>
+          <p:txBody>
+            <a:bodyPr wrap="none" rtlCol="0">
+              <a:spAutoFit/>
+            </a:bodyPr>
+            <a:lstStyle/>
+            <a:p>
+              <a:r>
+                <a:rPr lang="en-US" sz="2000" b="1" dirty="0" smtClean="0">
+                  <a:solidFill>
+                    <a:schemeClr val="bg1"/>
+                  </a:solidFill>
+                </a:rPr>
+                <a:t>3</a:t>
+              </a:r>
+              <a:r>
+                <a:rPr lang="en-US" sz="2000" b="1" dirty="0" smtClean="0">
+                  <a:solidFill>
+                    <a:schemeClr val="bg1"/>
+                  </a:solidFill>
+                </a:rPr>
+                <a:t>,8</a:t>
+              </a:r>
+              <a:endParaRPr lang="it-CH" sz="2000" b="1" dirty="0">
+                <a:solidFill>
+                  <a:schemeClr val="bg1"/>
+                </a:solidFill>
+              </a:endParaRPr>
+            </a:p>
+          </p:txBody>
+        </p:sp>
+        <p:sp>
+          <p:nvSpPr>
+            <p:cNvPr id="101" name="TextBox 100"/>
+            <p:cNvSpPr txBox="1"/>
+            <p:nvPr/>
+          </p:nvSpPr>
+          <p:spPr>
+            <a:xfrm>
+              <a:off x="9584018" y="5563451"/>
+              <a:ext cx="588623" cy="400110"/>
+            </a:xfrm>
+            <a:prstGeom prst="rect">
+              <a:avLst/>
+            </a:prstGeom>
+            <a:noFill/>
+          </p:spPr>
+          <p:txBody>
+            <a:bodyPr wrap="none" rtlCol="0">
+              <a:spAutoFit/>
+            </a:bodyPr>
+            <a:lstStyle/>
+            <a:p>
+              <a:r>
+                <a:rPr lang="en-US" sz="2000" b="1" dirty="0">
+                  <a:solidFill>
+                    <a:schemeClr val="bg1"/>
+                  </a:solidFill>
+                </a:rPr>
+                <a:t>3</a:t>
+              </a:r>
+              <a:r>
+                <a:rPr lang="en-US" sz="2000" b="1" dirty="0" smtClean="0">
+                  <a:solidFill>
+                    <a:schemeClr val="bg1"/>
+                  </a:solidFill>
+                </a:rPr>
+                <a:t>,-1</a:t>
+              </a:r>
+              <a:endParaRPr lang="it-CH" sz="2000" b="1" dirty="0">
+                <a:solidFill>
+                  <a:schemeClr val="bg1"/>
+                </a:solidFill>
+              </a:endParaRPr>
+            </a:p>
+          </p:txBody>
+        </p:sp>
+        <p:sp>
+          <p:nvSpPr>
+            <p:cNvPr id="102" name="TextBox 101"/>
+            <p:cNvSpPr txBox="1"/>
+            <p:nvPr/>
+          </p:nvSpPr>
+          <p:spPr>
+            <a:xfrm>
+              <a:off x="10619055" y="5579800"/>
+              <a:ext cx="510076" cy="400110"/>
+            </a:xfrm>
+            <a:prstGeom prst="rect">
+              <a:avLst/>
+            </a:prstGeom>
+            <a:noFill/>
+          </p:spPr>
+          <p:txBody>
+            <a:bodyPr wrap="none" rtlCol="0">
+              <a:spAutoFit/>
+            </a:bodyPr>
+            <a:lstStyle/>
+            <a:p>
+              <a:r>
+                <a:rPr lang="en-US" sz="2000" b="1" dirty="0" smtClean="0">
+                  <a:solidFill>
+                    <a:schemeClr val="bg1"/>
+                  </a:solidFill>
+                </a:rPr>
+                <a:t>3</a:t>
+              </a:r>
+              <a:r>
+                <a:rPr lang="en-US" sz="2000" b="1" dirty="0" smtClean="0">
+                  <a:solidFill>
+                    <a:schemeClr val="bg1"/>
+                  </a:solidFill>
+                </a:rPr>
+                <a:t>,1</a:t>
+              </a:r>
+              <a:endParaRPr lang="it-CH" sz="2000" b="1" dirty="0">
+                <a:solidFill>
+                  <a:schemeClr val="bg1"/>
+                </a:solidFill>
+              </a:endParaRPr>
+            </a:p>
+          </p:txBody>
+        </p:sp>
+        <p:sp>
+          <p:nvSpPr>
+            <p:cNvPr id="103" name="TextBox 102"/>
+            <p:cNvSpPr txBox="1"/>
+            <p:nvPr/>
+          </p:nvSpPr>
+          <p:spPr>
+            <a:xfrm>
+              <a:off x="11634762" y="5579800"/>
+              <a:ext cx="510076" cy="400110"/>
+            </a:xfrm>
+            <a:prstGeom prst="rect">
+              <a:avLst/>
+            </a:prstGeom>
+            <a:noFill/>
+          </p:spPr>
+          <p:txBody>
+            <a:bodyPr wrap="none" rtlCol="0">
+              <a:spAutoFit/>
+            </a:bodyPr>
+            <a:lstStyle/>
+            <a:p>
+              <a:r>
+                <a:rPr lang="en-US" sz="2000" b="1" dirty="0" smtClean="0">
+                  <a:solidFill>
+                    <a:schemeClr val="bg1"/>
+                  </a:solidFill>
+                </a:rPr>
+                <a:t>3</a:t>
+              </a:r>
+              <a:r>
+                <a:rPr lang="en-US" sz="2000" b="1" dirty="0" smtClean="0">
+                  <a:solidFill>
+                    <a:schemeClr val="bg1"/>
+                  </a:solidFill>
+                </a:rPr>
+                <a:t>,3</a:t>
+              </a:r>
+              <a:endParaRPr lang="it-CH" sz="2000" b="1" dirty="0">
+                <a:solidFill>
+                  <a:schemeClr val="bg1"/>
+                </a:solidFill>
+              </a:endParaRPr>
+            </a:p>
+          </p:txBody>
+        </p:sp>
+        <p:sp>
+          <p:nvSpPr>
+            <p:cNvPr id="104" name="TextBox 103"/>
+            <p:cNvSpPr txBox="1"/>
+            <p:nvPr/>
+          </p:nvSpPr>
+          <p:spPr>
+            <a:xfrm>
+              <a:off x="12710013" y="5579800"/>
+              <a:ext cx="510076" cy="400110"/>
+            </a:xfrm>
+            <a:prstGeom prst="rect">
+              <a:avLst/>
+            </a:prstGeom>
+            <a:noFill/>
+          </p:spPr>
+          <p:txBody>
+            <a:bodyPr wrap="none" rtlCol="0">
+              <a:spAutoFit/>
+            </a:bodyPr>
+            <a:lstStyle/>
+            <a:p>
+              <a:r>
+                <a:rPr lang="en-US" sz="2000" b="1" dirty="0" smtClean="0">
+                  <a:solidFill>
+                    <a:schemeClr val="bg1"/>
+                  </a:solidFill>
+                </a:rPr>
+                <a:t>3</a:t>
+              </a:r>
+              <a:r>
+                <a:rPr lang="en-US" sz="2000" b="1" dirty="0" smtClean="0">
+                  <a:solidFill>
+                    <a:schemeClr val="bg1"/>
+                  </a:solidFill>
+                </a:rPr>
+                <a:t>,5</a:t>
+              </a:r>
+              <a:endParaRPr lang="it-CH" sz="2000" b="1" dirty="0">
+                <a:solidFill>
+                  <a:schemeClr val="bg1"/>
+                </a:solidFill>
+              </a:endParaRPr>
+            </a:p>
+          </p:txBody>
+        </p:sp>
+        <p:sp>
+          <p:nvSpPr>
+            <p:cNvPr id="105" name="TextBox 104"/>
+            <p:cNvSpPr txBox="1"/>
+            <p:nvPr/>
+          </p:nvSpPr>
+          <p:spPr>
+            <a:xfrm>
+              <a:off x="13776760" y="5612745"/>
+              <a:ext cx="510076" cy="400110"/>
+            </a:xfrm>
+            <a:prstGeom prst="rect">
+              <a:avLst/>
+            </a:prstGeom>
+            <a:noFill/>
+          </p:spPr>
+          <p:txBody>
+            <a:bodyPr wrap="none" rtlCol="0">
+              <a:spAutoFit/>
+            </a:bodyPr>
+            <a:lstStyle/>
+            <a:p>
+              <a:r>
+                <a:rPr lang="en-US" sz="2000" b="1" dirty="0" smtClean="0">
+                  <a:solidFill>
+                    <a:schemeClr val="bg1"/>
+                  </a:solidFill>
+                </a:rPr>
+                <a:t>3</a:t>
+              </a:r>
+              <a:r>
+                <a:rPr lang="en-US" sz="2000" b="1" dirty="0" smtClean="0">
+                  <a:solidFill>
+                    <a:schemeClr val="bg1"/>
+                  </a:solidFill>
+                </a:rPr>
+                <a:t>,7</a:t>
+              </a:r>
+              <a:endParaRPr lang="it-CH" sz="2000" b="1" dirty="0">
+                <a:solidFill>
+                  <a:schemeClr val="bg1"/>
+                </a:solidFill>
+              </a:endParaRPr>
+            </a:p>
+          </p:txBody>
+        </p:sp>
+      </p:grpSp>
+      <p:sp>
+        <p:nvSpPr>
+          <p:cNvPr id="107" name="TextBox 106"/>
+          <p:cNvSpPr txBox="1"/>
+          <p:nvPr/>
+        </p:nvSpPr>
+        <p:spPr>
+          <a:xfrm>
+            <a:off x="8847516" y="374763"/>
+            <a:ext cx="2560637" cy="2000548"/>
+          </a:xfrm>
+          <a:prstGeom prst="rect">
+            <a:avLst/>
+          </a:prstGeom>
+          <a:noFill/>
+        </p:spPr>
+        <p:txBody>
+          <a:bodyPr wrap="none" rtlCol="0">
+            <a:spAutoFit/>
+          </a:bodyPr>
+          <a:lstStyle/>
+          <a:p>
+            <a:r>
+              <a:rPr lang="en-US" sz="2800" dirty="0" smtClean="0">
+                <a:latin typeface="Stencil" panose="040409050D0802020404" pitchFamily="82" charset="0"/>
+              </a:rPr>
+              <a:t>TriangLE_2D</a:t>
+            </a:r>
+          </a:p>
+          <a:p>
+            <a:r>
+              <a:rPr lang="en-US" sz="2400" dirty="0" smtClean="0"/>
+              <a:t>1 and 2 halo points</a:t>
+            </a:r>
+          </a:p>
+          <a:p>
+            <a:r>
+              <a:rPr lang="en-US" sz="2400" dirty="0" smtClean="0"/>
+              <a:t>(access neighbors </a:t>
+            </a:r>
+          </a:p>
+          <a:p>
+            <a:r>
+              <a:rPr lang="en-US" sz="2400" dirty="0" smtClean="0"/>
+              <a:t>and neighbors of </a:t>
+            </a:r>
+            <a:br>
+              <a:rPr lang="en-US" sz="2400" dirty="0" smtClean="0"/>
+            </a:br>
+            <a:r>
+              <a:rPr lang="en-US" sz="2400" dirty="0" smtClean="0"/>
+              <a:t>neighbors)</a:t>
+            </a:r>
+            <a:endParaRPr lang="it-CH" sz="1600" dirty="0"/>
+          </a:p>
+        </p:txBody>
+      </p:sp>
+      <p:sp>
+        <p:nvSpPr>
+          <p:cNvPr id="108" name="TextBox 107"/>
+          <p:cNvSpPr txBox="1"/>
+          <p:nvPr/>
+        </p:nvSpPr>
+        <p:spPr>
+          <a:xfrm>
+            <a:off x="1818308" y="4117763"/>
+            <a:ext cx="2712602" cy="1261884"/>
+          </a:xfrm>
+          <a:prstGeom prst="rect">
+            <a:avLst/>
+          </a:prstGeom>
+          <a:noFill/>
+        </p:spPr>
+        <p:txBody>
+          <a:bodyPr wrap="none" rtlCol="0">
+            <a:spAutoFit/>
+          </a:bodyPr>
+          <a:lstStyle/>
+          <a:p>
+            <a:r>
+              <a:rPr lang="en-US" sz="2800" dirty="0" smtClean="0">
+                <a:latin typeface="Stencil" panose="040409050D0802020404" pitchFamily="82" charset="0"/>
+              </a:rPr>
+              <a:t>CARTESIAN_2D</a:t>
+            </a:r>
+          </a:p>
+          <a:p>
+            <a:r>
+              <a:rPr lang="en-US" sz="2400" dirty="0" smtClean="0"/>
+              <a:t>1 halo point</a:t>
+            </a:r>
+          </a:p>
+          <a:p>
+            <a:r>
+              <a:rPr lang="en-US" sz="2400" dirty="0" smtClean="0"/>
+              <a:t>(access neighbors)</a:t>
+            </a:r>
+          </a:p>
+        </p:txBody>
+      </p:sp>
+      <p:sp>
+        <p:nvSpPr>
+          <p:cNvPr id="109" name="TextBox 108"/>
+          <p:cNvSpPr txBox="1"/>
+          <p:nvPr/>
+        </p:nvSpPr>
+        <p:spPr>
+          <a:xfrm>
+            <a:off x="5619108" y="4128086"/>
+            <a:ext cx="3228408" cy="1754326"/>
+          </a:xfrm>
+          <a:prstGeom prst="rect">
+            <a:avLst/>
+          </a:prstGeom>
+          <a:noFill/>
+        </p:spPr>
+        <p:txBody>
+          <a:bodyPr wrap="square" rtlCol="0">
+            <a:spAutoFit/>
+          </a:bodyPr>
+          <a:lstStyle/>
+          <a:p>
+            <a:r>
+              <a:rPr lang="en-US" b="1" dirty="0" smtClean="0">
+                <a:solidFill>
+                  <a:schemeClr val="tx2">
+                    <a:lumMod val="75000"/>
+                  </a:schemeClr>
+                </a:solidFill>
+              </a:rPr>
+              <a:t>Loop on the core region starts</a:t>
+            </a:r>
+          </a:p>
+          <a:p>
+            <a:r>
+              <a:rPr lang="en-US" b="1" dirty="0" smtClean="0">
+                <a:solidFill>
+                  <a:schemeClr val="tx2">
+                    <a:lumMod val="75000"/>
+                  </a:schemeClr>
+                </a:solidFill>
+              </a:rPr>
+              <a:t>From (0,0) and ends in (</a:t>
+            </a:r>
+            <a:r>
+              <a:rPr lang="en-US" b="1" dirty="0" err="1" smtClean="0">
+                <a:solidFill>
+                  <a:schemeClr val="tx2">
+                    <a:lumMod val="75000"/>
+                  </a:schemeClr>
+                </a:solidFill>
+              </a:rPr>
+              <a:t>n,m</a:t>
+            </a:r>
+            <a:r>
+              <a:rPr lang="en-US" b="1" dirty="0" smtClean="0">
+                <a:solidFill>
+                  <a:schemeClr val="tx2">
+                    <a:lumMod val="75000"/>
+                  </a:schemeClr>
+                </a:solidFill>
+              </a:rPr>
+              <a:t>).</a:t>
+            </a:r>
+          </a:p>
+          <a:p>
+            <a:r>
+              <a:rPr lang="en-US" b="1" dirty="0" smtClean="0">
+                <a:solidFill>
+                  <a:schemeClr val="tx2">
+                    <a:lumMod val="75000"/>
+                  </a:schemeClr>
+                </a:solidFill>
+              </a:rPr>
+              <a:t>With halo we can “align” storages to perform optimizations like buffering temporary results.</a:t>
+            </a:r>
+          </a:p>
+        </p:txBody>
+      </p:sp>
+    </p:spTree>
+    <p:extLst>
+      <p:ext uri="{BB962C8B-B14F-4D97-AF65-F5344CB8AC3E}">
+        <p14:creationId xmlns:p14="http://schemas.microsoft.com/office/powerpoint/2010/main" val="1847905138"/>
+      </p:ext>
+    </p:extLst>
+  </p:cSld>
+  <p:clrMapOvr>
+    <a:masterClrMapping/>
+  </p:clrMapOvr>
 </p:sld>
 </file>
 
